--- a/Slides/Module 5 - Using Redis.pptx
+++ b/Slides/Module 5 - Using Redis.pptx
@@ -5,10 +5,10 @@
     <p:sldMasterId id="2147483660" r:id="rId4"/>
   </p:sldMasterIdLst>
   <p:notesMasterIdLst>
-    <p:notesMasterId r:id="rId24"/>
+    <p:notesMasterId r:id="rId26"/>
   </p:notesMasterIdLst>
   <p:handoutMasterIdLst>
-    <p:handoutMasterId r:id="rId25"/>
+    <p:handoutMasterId r:id="rId27"/>
   </p:handoutMasterIdLst>
   <p:sldIdLst>
     <p:sldId id="277" r:id="rId5"/>
@@ -22,14 +22,16 @@
     <p:sldId id="353" r:id="rId13"/>
     <p:sldId id="351" r:id="rId14"/>
     <p:sldId id="346" r:id="rId15"/>
-    <p:sldId id="349" r:id="rId16"/>
-    <p:sldId id="356" r:id="rId17"/>
-    <p:sldId id="347" r:id="rId18"/>
-    <p:sldId id="348" r:id="rId19"/>
-    <p:sldId id="352" r:id="rId20"/>
-    <p:sldId id="354" r:id="rId21"/>
-    <p:sldId id="355" r:id="rId22"/>
-    <p:sldId id="269" r:id="rId23"/>
+    <p:sldId id="358" r:id="rId16"/>
+    <p:sldId id="357" r:id="rId17"/>
+    <p:sldId id="349" r:id="rId18"/>
+    <p:sldId id="356" r:id="rId19"/>
+    <p:sldId id="347" r:id="rId20"/>
+    <p:sldId id="348" r:id="rId21"/>
+    <p:sldId id="352" r:id="rId22"/>
+    <p:sldId id="354" r:id="rId23"/>
+    <p:sldId id="355" r:id="rId24"/>
+    <p:sldId id="269" r:id="rId25"/>
   </p:sldIdLst>
   <p:sldSz cx="12192000" cy="6858000"/>
   <p:notesSz cx="6858000" cy="9144000"/>
@@ -3547,13 +3549,8 @@
           <a:p>
             <a:r>
               <a:rPr lang="en-US" dirty="0" smtClean="0"/>
-              <a:t>Susan Ibach | </a:t>
-            </a:r>
-            <a:r>
-              <a:rPr lang="en-US" dirty="0" smtClean="0"/>
-              <a:t>Technical Evangelist</a:t>
-            </a:r>
-            <a:endParaRPr lang="en-US" dirty="0" smtClean="0"/>
+              <a:t>Susan Ibach | Technical Evangelist</a:t>
+            </a:r>
           </a:p>
           <a:p>
             <a:r>
@@ -4037,7 +4034,7 @@
       </p:grpSpPr>
       <p:sp>
         <p:nvSpPr>
-          <p:cNvPr id="3" name="Title 2"/>
+          <p:cNvPr id="2" name="Title 1"/>
           <p:cNvSpPr>
             <a:spLocks noGrp="1"/>
           </p:cNvSpPr>
@@ -4052,7 +4049,7 @@
           <a:p>
             <a:r>
               <a:rPr lang="en-CA" dirty="0" smtClean="0"/>
-              <a:t>Pick up good habits early</a:t>
+              <a:t>How do I get rid of the b'</a:t>
             </a:r>
             <a:endParaRPr lang="en-US" dirty="0"/>
           </a:p>
@@ -4060,7 +4057,7 @@
       </p:sp>
       <p:sp>
         <p:nvSpPr>
-          <p:cNvPr id="4" name="Content Placeholder 3"/>
+          <p:cNvPr id="3" name="Content Placeholder 2"/>
           <p:cNvSpPr>
             <a:spLocks noGrp="1"/>
           </p:cNvSpPr>
@@ -4073,77 +4070,254 @@
           <a:bodyPr/>
           <a:lstStyle/>
           <a:p>
-            <a:r>
-              <a:rPr lang="en-CA" dirty="0" smtClean="0"/>
-              <a:t>Generally we use a hierarchical naming convention for </a:t>
-            </a:r>
-            <a:r>
-              <a:rPr lang="en-CA" dirty="0" err="1" smtClean="0"/>
-              <a:t>Redis</a:t>
-            </a:r>
-            <a:r>
-              <a:rPr lang="en-CA" dirty="0" smtClean="0"/>
-              <a:t> keys</a:t>
-            </a:r>
-          </a:p>
-          <a:p>
-            <a:pPr lvl="1"/>
-            <a:r>
-              <a:rPr lang="en-CA" dirty="0" err="1" smtClean="0"/>
-              <a:t>parent:child</a:t>
-            </a:r>
-            <a:r>
-              <a:rPr lang="en-CA" dirty="0" smtClean="0"/>
-              <a:t> </a:t>
-            </a:r>
-          </a:p>
-          <a:p>
-            <a:pPr lvl="1"/>
-            <a:r>
-              <a:rPr lang="en-CA" dirty="0" err="1" smtClean="0"/>
-              <a:t>grandparent:parent:child</a:t>
-            </a:r>
-            <a:endParaRPr lang="en-CA" dirty="0" smtClean="0"/>
-          </a:p>
-          <a:p>
-            <a:r>
-              <a:rPr lang="en-CA" dirty="0" smtClean="0"/>
-              <a:t>For Example</a:t>
-            </a:r>
-          </a:p>
-          <a:p>
-            <a:pPr lvl="1"/>
-            <a:r>
-              <a:rPr lang="en-CA" dirty="0" err="1" smtClean="0"/>
-              <a:t>Game:HighScores:Top</a:t>
-            </a:r>
-            <a:endParaRPr lang="en-CA" dirty="0" smtClean="0"/>
-          </a:p>
-          <a:p>
-            <a:pPr lvl="1"/>
-            <a:r>
-              <a:rPr lang="en-CA" dirty="0" smtClean="0"/>
-              <a:t>User12345:Name</a:t>
-            </a:r>
-          </a:p>
-          <a:p>
-            <a:r>
-              <a:rPr lang="en-CA" dirty="0" smtClean="0"/>
-              <a:t>You don’t have to use ‘:’ as a separator but it’s one of the more common convention</a:t>
-            </a:r>
-          </a:p>
-          <a:p>
             <a:pPr marL="0" indent="0">
               <a:buNone/>
             </a:pPr>
+            <a:r>
+              <a:rPr lang="en-CA" dirty="0" smtClean="0"/>
+              <a:t>You need the values decoded as strings</a:t>
+            </a:r>
+          </a:p>
+          <a:p>
+            <a:pPr marL="0" indent="0">
+              <a:buNone/>
+            </a:pPr>
+            <a:r>
+              <a:rPr lang="en-CA" dirty="0" smtClean="0"/>
+              <a:t>You can specify you want all values decoded by changing the connection string</a:t>
+            </a:r>
             <a:endParaRPr lang="en-CA" dirty="0"/>
+          </a:p>
+          <a:p>
+            <a:pPr marL="0" lvl="0" indent="0">
+              <a:buNone/>
+            </a:pPr>
+            <a:r>
+              <a:rPr lang="en-US" altLang="en-US" sz="2800" dirty="0">
+                <a:solidFill>
+                  <a:srgbClr val="000000"/>
+                </a:solidFill>
+                <a:latin typeface="Consolas" panose="020B0609020204030204" pitchFamily="49" charset="0"/>
+                <a:cs typeface="Consolas" panose="020B0609020204030204" pitchFamily="49" charset="0"/>
+              </a:rPr>
+              <a:t>r = </a:t>
+            </a:r>
+            <a:r>
+              <a:rPr lang="en-US" altLang="en-US" sz="2800" dirty="0" err="1">
+                <a:solidFill>
+                  <a:srgbClr val="6F008A"/>
+                </a:solidFill>
+                <a:latin typeface="Consolas" panose="020B0609020204030204" pitchFamily="49" charset="0"/>
+                <a:cs typeface="Consolas" panose="020B0609020204030204" pitchFamily="49" charset="0"/>
+              </a:rPr>
+              <a:t>redis</a:t>
+            </a:r>
+            <a:r>
+              <a:rPr lang="en-US" altLang="en-US" sz="2800" dirty="0" err="1">
+                <a:solidFill>
+                  <a:srgbClr val="000000"/>
+                </a:solidFill>
+                <a:latin typeface="Consolas" panose="020B0609020204030204" pitchFamily="49" charset="0"/>
+                <a:cs typeface="Consolas" panose="020B0609020204030204" pitchFamily="49" charset="0"/>
+              </a:rPr>
+              <a:t>.</a:t>
+            </a:r>
+            <a:r>
+              <a:rPr lang="en-US" altLang="en-US" sz="2800" dirty="0" err="1">
+                <a:solidFill>
+                  <a:srgbClr val="2B91AF"/>
+                </a:solidFill>
+                <a:latin typeface="Consolas" panose="020B0609020204030204" pitchFamily="49" charset="0"/>
+                <a:cs typeface="Consolas" panose="020B0609020204030204" pitchFamily="49" charset="0"/>
+              </a:rPr>
+              <a:t>StrictRedis</a:t>
+            </a:r>
+            <a:r>
+              <a:rPr lang="en-US" altLang="en-US" sz="2800" dirty="0">
+                <a:solidFill>
+                  <a:srgbClr val="000000"/>
+                </a:solidFill>
+                <a:latin typeface="Consolas" panose="020B0609020204030204" pitchFamily="49" charset="0"/>
+                <a:cs typeface="Consolas" panose="020B0609020204030204" pitchFamily="49" charset="0"/>
+              </a:rPr>
+              <a:t>(host=</a:t>
+            </a:r>
+            <a:r>
+              <a:rPr lang="en-US" altLang="en-US" sz="2800" dirty="0">
+                <a:solidFill>
+                  <a:srgbClr val="A31515"/>
+                </a:solidFill>
+                <a:latin typeface="Consolas" panose="020B0609020204030204" pitchFamily="49" charset="0"/>
+                <a:cs typeface="Consolas" panose="020B0609020204030204" pitchFamily="49" charset="0"/>
+              </a:rPr>
+              <a:t>'localhost'</a:t>
+            </a:r>
+            <a:r>
+              <a:rPr lang="en-US" altLang="en-US" sz="2800" dirty="0">
+                <a:solidFill>
+                  <a:srgbClr val="000000"/>
+                </a:solidFill>
+                <a:latin typeface="Consolas" panose="020B0609020204030204" pitchFamily="49" charset="0"/>
+                <a:cs typeface="Consolas" panose="020B0609020204030204" pitchFamily="49" charset="0"/>
+              </a:rPr>
+              <a:t>, port=6379, </a:t>
+            </a:r>
+            <a:r>
+              <a:rPr lang="en-US" altLang="en-US" sz="2800" dirty="0" err="1" smtClean="0">
+                <a:solidFill>
+                  <a:srgbClr val="000000"/>
+                </a:solidFill>
+                <a:latin typeface="Consolas" panose="020B0609020204030204" pitchFamily="49" charset="0"/>
+                <a:cs typeface="Consolas" panose="020B0609020204030204" pitchFamily="49" charset="0"/>
+              </a:rPr>
+              <a:t>db</a:t>
+            </a:r>
+            <a:r>
+              <a:rPr lang="en-US" altLang="en-US" sz="2800" dirty="0" smtClean="0">
+                <a:solidFill>
+                  <a:srgbClr val="000000"/>
+                </a:solidFill>
+                <a:latin typeface="Consolas" panose="020B0609020204030204" pitchFamily="49" charset="0"/>
+                <a:cs typeface="Consolas" panose="020B0609020204030204" pitchFamily="49" charset="0"/>
+              </a:rPr>
+              <a:t>=0,</a:t>
+            </a:r>
+            <a:r>
+              <a:rPr lang="en-US" altLang="en-US" sz="2800" dirty="0">
+                <a:solidFill>
+                  <a:srgbClr val="000000"/>
+                </a:solidFill>
+                <a:latin typeface="Consolas" panose="020B0609020204030204" pitchFamily="49" charset="0"/>
+                <a:cs typeface="Consolas" panose="020B0609020204030204" pitchFamily="49" charset="0"/>
+              </a:rPr>
+              <a:t> </a:t>
+            </a:r>
+            <a:endParaRPr lang="en-US" altLang="en-US" sz="2800" dirty="0" smtClean="0">
+              <a:solidFill>
+                <a:srgbClr val="000000"/>
+              </a:solidFill>
+              <a:latin typeface="Consolas" panose="020B0609020204030204" pitchFamily="49" charset="0"/>
+              <a:cs typeface="Consolas" panose="020B0609020204030204" pitchFamily="49" charset="0"/>
+            </a:endParaRPr>
+          </a:p>
+          <a:p>
+            <a:pPr marL="0" lvl="0" indent="0">
+              <a:buNone/>
+            </a:pPr>
+            <a:r>
+              <a:rPr lang="en-US" altLang="en-US" sz="2800" dirty="0">
+                <a:solidFill>
+                  <a:srgbClr val="000000"/>
+                </a:solidFill>
+                <a:latin typeface="Consolas" panose="020B0609020204030204" pitchFamily="49" charset="0"/>
+                <a:cs typeface="Consolas" panose="020B0609020204030204" pitchFamily="49" charset="0"/>
+              </a:rPr>
+              <a:t> </a:t>
+            </a:r>
+            <a:r>
+              <a:rPr lang="en-US" altLang="en-US" sz="2800" dirty="0" smtClean="0">
+                <a:solidFill>
+                  <a:srgbClr val="000000"/>
+                </a:solidFill>
+                <a:latin typeface="Consolas" panose="020B0609020204030204" pitchFamily="49" charset="0"/>
+                <a:cs typeface="Consolas" panose="020B0609020204030204" pitchFamily="49" charset="0"/>
+              </a:rPr>
+              <a:t>            </a:t>
+            </a:r>
+            <a:r>
+              <a:rPr lang="en-US" altLang="en-US" sz="2800" dirty="0" err="1" smtClean="0">
+                <a:solidFill>
+                  <a:srgbClr val="000000"/>
+                </a:solidFill>
+                <a:latin typeface="Consolas" panose="020B0609020204030204" pitchFamily="49" charset="0"/>
+                <a:cs typeface="Consolas" panose="020B0609020204030204" pitchFamily="49" charset="0"/>
+              </a:rPr>
+              <a:t>decode_responses</a:t>
+            </a:r>
+            <a:r>
+              <a:rPr lang="en-US" altLang="en-US" sz="2800" dirty="0" smtClean="0">
+                <a:solidFill>
+                  <a:srgbClr val="000000"/>
+                </a:solidFill>
+                <a:latin typeface="Consolas" panose="020B0609020204030204" pitchFamily="49" charset="0"/>
+                <a:cs typeface="Consolas" panose="020B0609020204030204" pitchFamily="49" charset="0"/>
+              </a:rPr>
+              <a:t>=</a:t>
+            </a:r>
+            <a:r>
+              <a:rPr lang="en-US" altLang="en-US" sz="2800" dirty="0" err="1" smtClean="0">
+                <a:solidFill>
+                  <a:srgbClr val="0000FF"/>
+                </a:solidFill>
+                <a:latin typeface="Consolas" panose="020B0609020204030204" pitchFamily="49" charset="0"/>
+                <a:cs typeface="Consolas" panose="020B0609020204030204" pitchFamily="49" charset="0"/>
+              </a:rPr>
+              <a:t>True</a:t>
+            </a:r>
+            <a:r>
+              <a:rPr lang="en-US" altLang="en-US" sz="2800" dirty="0" err="1" smtClean="0">
+                <a:solidFill>
+                  <a:srgbClr val="000000"/>
+                </a:solidFill>
+                <a:latin typeface="Consolas" panose="020B0609020204030204" pitchFamily="49" charset="0"/>
+                <a:cs typeface="Consolas" panose="020B0609020204030204" pitchFamily="49" charset="0"/>
+              </a:rPr>
+              <a:t>,charset</a:t>
+            </a:r>
+            <a:r>
+              <a:rPr lang="en-US" altLang="en-US" sz="2800" dirty="0">
+                <a:solidFill>
+                  <a:srgbClr val="000000"/>
+                </a:solidFill>
+                <a:latin typeface="Consolas" panose="020B0609020204030204" pitchFamily="49" charset="0"/>
+                <a:cs typeface="Consolas" panose="020B0609020204030204" pitchFamily="49" charset="0"/>
+              </a:rPr>
+              <a:t>=</a:t>
+            </a:r>
+            <a:r>
+              <a:rPr lang="en-US" altLang="en-US" sz="2800" dirty="0" smtClean="0">
+                <a:solidFill>
+                  <a:srgbClr val="A31515"/>
+                </a:solidFill>
+                <a:latin typeface="Consolas" panose="020B0609020204030204" pitchFamily="49" charset="0"/>
+                <a:cs typeface="Consolas" panose="020B0609020204030204" pitchFamily="49" charset="0"/>
+              </a:rPr>
+              <a:t>'utf-8</a:t>
+            </a:r>
+            <a:r>
+              <a:rPr lang="en-US" altLang="en-US" sz="2800" dirty="0">
+                <a:solidFill>
+                  <a:srgbClr val="A31515"/>
+                </a:solidFill>
+                <a:latin typeface="Consolas" panose="020B0609020204030204" pitchFamily="49" charset="0"/>
+                <a:cs typeface="Consolas" panose="020B0609020204030204" pitchFamily="49" charset="0"/>
+              </a:rPr>
+              <a:t>'</a:t>
+            </a:r>
+            <a:r>
+              <a:rPr lang="en-US" altLang="en-US" sz="2800" dirty="0" smtClean="0">
+                <a:solidFill>
+                  <a:srgbClr val="000000"/>
+                </a:solidFill>
+                <a:latin typeface="Consolas" panose="020B0609020204030204" pitchFamily="49" charset="0"/>
+                <a:cs typeface="Consolas" panose="020B0609020204030204" pitchFamily="49" charset="0"/>
+              </a:rPr>
+              <a:t>)</a:t>
+            </a:r>
+            <a:endParaRPr lang="en-CA" sz="2800" dirty="0" smtClean="0"/>
+          </a:p>
+          <a:p>
+            <a:pPr marL="0" indent="0">
+              <a:buNone/>
+            </a:pPr>
+            <a:endParaRPr lang="en-US" dirty="0"/>
           </a:p>
         </p:txBody>
       </p:sp>
     </p:spTree>
     <p:extLst>
       <p:ext uri="{BB962C8B-B14F-4D97-AF65-F5344CB8AC3E}">
-        <p14:creationId xmlns:p14="http://schemas.microsoft.com/office/powerpoint/2010/main" val="1271513632"/>
+        <p14:creationId xmlns:p14="http://schemas.microsoft.com/office/powerpoint/2010/main" val="2742730027"/>
       </p:ext>
     </p:extLst>
   </p:cSld>
@@ -4153,9 +4327,231 @@
   <p:timing>
     <p:tnLst>
       <p:par>
-        <p:cTn id="1" dur="indefinite" restart="never" nodeType="tmRoot"/>
+        <p:cTn id="1" dur="indefinite" restart="never" nodeType="tmRoot">
+          <p:childTnLst>
+            <p:seq concurrent="1" nextAc="seek">
+              <p:cTn id="2" dur="indefinite" nodeType="mainSeq">
+                <p:childTnLst>
+                  <p:par>
+                    <p:cTn id="3" fill="hold">
+                      <p:stCondLst>
+                        <p:cond delay="indefinite"/>
+                      </p:stCondLst>
+                      <p:childTnLst>
+                        <p:par>
+                          <p:cTn id="4" fill="hold">
+                            <p:stCondLst>
+                              <p:cond delay="0"/>
+                            </p:stCondLst>
+                            <p:childTnLst>
+                              <p:par>
+                                <p:cTn id="5" presetID="1" presetClass="entr" presetSubtype="0" fill="hold" grpId="0" nodeType="clickEffect">
+                                  <p:stCondLst>
+                                    <p:cond delay="0"/>
+                                  </p:stCondLst>
+                                  <p:childTnLst>
+                                    <p:set>
+                                      <p:cBhvr>
+                                        <p:cTn id="6" dur="1" fill="hold">
+                                          <p:stCondLst>
+                                            <p:cond delay="0"/>
+                                          </p:stCondLst>
+                                        </p:cTn>
+                                        <p:tgtEl>
+                                          <p:spTgt spid="3">
+                                            <p:txEl>
+                                              <p:pRg st="0" end="0"/>
+                                            </p:txEl>
+                                          </p:spTgt>
+                                        </p:tgtEl>
+                                        <p:attrNameLst>
+                                          <p:attrName>style.visibility</p:attrName>
+                                        </p:attrNameLst>
+                                      </p:cBhvr>
+                                      <p:to>
+                                        <p:strVal val="visible"/>
+                                      </p:to>
+                                    </p:set>
+                                  </p:childTnLst>
+                                </p:cTn>
+                              </p:par>
+                            </p:childTnLst>
+                          </p:cTn>
+                        </p:par>
+                      </p:childTnLst>
+                    </p:cTn>
+                  </p:par>
+                  <p:par>
+                    <p:cTn id="7" fill="hold">
+                      <p:stCondLst>
+                        <p:cond delay="indefinite"/>
+                      </p:stCondLst>
+                      <p:childTnLst>
+                        <p:par>
+                          <p:cTn id="8" fill="hold">
+                            <p:stCondLst>
+                              <p:cond delay="0"/>
+                            </p:stCondLst>
+                            <p:childTnLst>
+                              <p:par>
+                                <p:cTn id="9" presetID="1" presetClass="entr" presetSubtype="0" fill="hold" grpId="0" nodeType="clickEffect">
+                                  <p:stCondLst>
+                                    <p:cond delay="0"/>
+                                  </p:stCondLst>
+                                  <p:childTnLst>
+                                    <p:set>
+                                      <p:cBhvr>
+                                        <p:cTn id="10" dur="1" fill="hold">
+                                          <p:stCondLst>
+                                            <p:cond delay="0"/>
+                                          </p:stCondLst>
+                                        </p:cTn>
+                                        <p:tgtEl>
+                                          <p:spTgt spid="3">
+                                            <p:txEl>
+                                              <p:pRg st="1" end="1"/>
+                                            </p:txEl>
+                                          </p:spTgt>
+                                        </p:tgtEl>
+                                        <p:attrNameLst>
+                                          <p:attrName>style.visibility</p:attrName>
+                                        </p:attrNameLst>
+                                      </p:cBhvr>
+                                      <p:to>
+                                        <p:strVal val="visible"/>
+                                      </p:to>
+                                    </p:set>
+                                  </p:childTnLst>
+                                </p:cTn>
+                              </p:par>
+                            </p:childTnLst>
+                          </p:cTn>
+                        </p:par>
+                      </p:childTnLst>
+                    </p:cTn>
+                  </p:par>
+                  <p:par>
+                    <p:cTn id="11" fill="hold">
+                      <p:stCondLst>
+                        <p:cond delay="indefinite"/>
+                      </p:stCondLst>
+                      <p:childTnLst>
+                        <p:par>
+                          <p:cTn id="12" fill="hold">
+                            <p:stCondLst>
+                              <p:cond delay="0"/>
+                            </p:stCondLst>
+                            <p:childTnLst>
+                              <p:par>
+                                <p:cTn id="13" presetID="1" presetClass="entr" presetSubtype="0" fill="hold" grpId="0" nodeType="clickEffect">
+                                  <p:stCondLst>
+                                    <p:cond delay="0"/>
+                                  </p:stCondLst>
+                                  <p:childTnLst>
+                                    <p:set>
+                                      <p:cBhvr>
+                                        <p:cTn id="14" dur="1" fill="hold">
+                                          <p:stCondLst>
+                                            <p:cond delay="0"/>
+                                          </p:stCondLst>
+                                        </p:cTn>
+                                        <p:tgtEl>
+                                          <p:spTgt spid="3">
+                                            <p:txEl>
+                                              <p:pRg st="2" end="2"/>
+                                            </p:txEl>
+                                          </p:spTgt>
+                                        </p:tgtEl>
+                                        <p:attrNameLst>
+                                          <p:attrName>style.visibility</p:attrName>
+                                        </p:attrNameLst>
+                                      </p:cBhvr>
+                                      <p:to>
+                                        <p:strVal val="visible"/>
+                                      </p:to>
+                                    </p:set>
+                                  </p:childTnLst>
+                                </p:cTn>
+                              </p:par>
+                            </p:childTnLst>
+                          </p:cTn>
+                        </p:par>
+                      </p:childTnLst>
+                    </p:cTn>
+                  </p:par>
+                  <p:par>
+                    <p:cTn id="15" fill="hold">
+                      <p:stCondLst>
+                        <p:cond delay="indefinite"/>
+                      </p:stCondLst>
+                      <p:childTnLst>
+                        <p:par>
+                          <p:cTn id="16" fill="hold">
+                            <p:stCondLst>
+                              <p:cond delay="0"/>
+                            </p:stCondLst>
+                            <p:childTnLst>
+                              <p:par>
+                                <p:cTn id="17" presetID="1" presetClass="entr" presetSubtype="0" fill="hold" grpId="0" nodeType="clickEffect">
+                                  <p:stCondLst>
+                                    <p:cond delay="0"/>
+                                  </p:stCondLst>
+                                  <p:childTnLst>
+                                    <p:set>
+                                      <p:cBhvr>
+                                        <p:cTn id="18" dur="1" fill="hold">
+                                          <p:stCondLst>
+                                            <p:cond delay="0"/>
+                                          </p:stCondLst>
+                                        </p:cTn>
+                                        <p:tgtEl>
+                                          <p:spTgt spid="3">
+                                            <p:txEl>
+                                              <p:pRg st="3" end="3"/>
+                                            </p:txEl>
+                                          </p:spTgt>
+                                        </p:tgtEl>
+                                        <p:attrNameLst>
+                                          <p:attrName>style.visibility</p:attrName>
+                                        </p:attrNameLst>
+                                      </p:cBhvr>
+                                      <p:to>
+                                        <p:strVal val="visible"/>
+                                      </p:to>
+                                    </p:set>
+                                  </p:childTnLst>
+                                </p:cTn>
+                              </p:par>
+                            </p:childTnLst>
+                          </p:cTn>
+                        </p:par>
+                      </p:childTnLst>
+                    </p:cTn>
+                  </p:par>
+                </p:childTnLst>
+              </p:cTn>
+              <p:prevCondLst>
+                <p:cond evt="onPrev" delay="0">
+                  <p:tgtEl>
+                    <p:sldTgt/>
+                  </p:tgtEl>
+                </p:cond>
+              </p:prevCondLst>
+              <p:nextCondLst>
+                <p:cond evt="onNext" delay="0">
+                  <p:tgtEl>
+                    <p:sldTgt/>
+                  </p:tgtEl>
+                </p:cond>
+              </p:nextCondLst>
+            </p:seq>
+          </p:childTnLst>
+        </p:cTn>
       </p:par>
     </p:tnLst>
+    <p:bldLst>
+      <p:bldP spid="3" grpId="0" build="p"/>
+    </p:bldLst>
   </p:timing>
 </p:sld>
 </file>
@@ -4179,12 +4575,12 @@
       </p:grpSpPr>
       <p:sp>
         <p:nvSpPr>
-          <p:cNvPr id="5" name="Text Placeholder 4"/>
+          <p:cNvPr id="4" name="Title 3"/>
           <p:cNvSpPr>
             <a:spLocks noGrp="1"/>
           </p:cNvSpPr>
           <p:nvPr>
-            <p:ph type="body" sz="quarter" idx="10"/>
+            <p:ph type="title"/>
           </p:nvPr>
         </p:nvSpPr>
         <p:spPr/>
@@ -4193,40 +4589,21 @@
           <a:lstStyle/>
           <a:p>
             <a:r>
+              <a:rPr lang="en-CA" dirty="0" smtClean="0"/>
+              <a:t>Saving and retrieving values with </a:t>
+            </a:r>
+            <a:r>
               <a:rPr lang="en-CA" dirty="0" err="1" smtClean="0"/>
               <a:t>Redis</a:t>
             </a:r>
-            <a:r>
-              <a:rPr lang="en-CA" dirty="0" smtClean="0"/>
-              <a:t> FAQ</a:t>
-            </a:r>
             <a:endParaRPr lang="en-US" dirty="0"/>
-          </a:p>
-        </p:txBody>
-      </p:sp>
-      <p:sp>
-        <p:nvSpPr>
-          <p:cNvPr id="4" name="Subtitle 3"/>
-          <p:cNvSpPr>
-            <a:spLocks noGrp="1"/>
-          </p:cNvSpPr>
-          <p:nvPr>
-            <p:ph type="subTitle" idx="1"/>
-          </p:nvPr>
-        </p:nvSpPr>
-        <p:spPr/>
-        <p:txBody>
-          <a:bodyPr/>
-          <a:lstStyle/>
-          <a:p>
-            <a:endParaRPr lang="en-US"/>
           </a:p>
         </p:txBody>
       </p:sp>
     </p:spTree>
     <p:extLst>
       <p:ext uri="{BB962C8B-B14F-4D97-AF65-F5344CB8AC3E}">
-        <p14:creationId xmlns:p14="http://schemas.microsoft.com/office/powerpoint/2010/main" val="1454731003"/>
+        <p14:creationId xmlns:p14="http://schemas.microsoft.com/office/powerpoint/2010/main" val="1816297324"/>
       </p:ext>
     </p:extLst>
   </p:cSld>
@@ -4272,6 +4649,231 @@
         </p:nvSpPr>
         <p:spPr/>
         <p:txBody>
+          <a:bodyPr/>
+          <a:lstStyle/>
+          <a:p>
+            <a:r>
+              <a:rPr lang="en-CA" dirty="0" smtClean="0"/>
+              <a:t>Pick up good habits early</a:t>
+            </a:r>
+            <a:endParaRPr lang="en-US" dirty="0"/>
+          </a:p>
+        </p:txBody>
+      </p:sp>
+      <p:sp>
+        <p:nvSpPr>
+          <p:cNvPr id="4" name="Content Placeholder 3"/>
+          <p:cNvSpPr>
+            <a:spLocks noGrp="1"/>
+          </p:cNvSpPr>
+          <p:nvPr>
+            <p:ph sz="quarter" idx="10"/>
+          </p:nvPr>
+        </p:nvSpPr>
+        <p:spPr/>
+        <p:txBody>
+          <a:bodyPr/>
+          <a:lstStyle/>
+          <a:p>
+            <a:r>
+              <a:rPr lang="en-CA" dirty="0" smtClean="0"/>
+              <a:t>Generally we use a hierarchical naming convention for </a:t>
+            </a:r>
+            <a:r>
+              <a:rPr lang="en-CA" dirty="0" err="1" smtClean="0"/>
+              <a:t>Redis</a:t>
+            </a:r>
+            <a:r>
+              <a:rPr lang="en-CA" dirty="0" smtClean="0"/>
+              <a:t> keys</a:t>
+            </a:r>
+          </a:p>
+          <a:p>
+            <a:pPr lvl="1"/>
+            <a:r>
+              <a:rPr lang="en-CA" dirty="0" err="1" smtClean="0"/>
+              <a:t>parent:child</a:t>
+            </a:r>
+            <a:r>
+              <a:rPr lang="en-CA" dirty="0" smtClean="0"/>
+              <a:t> </a:t>
+            </a:r>
+          </a:p>
+          <a:p>
+            <a:pPr lvl="1"/>
+            <a:r>
+              <a:rPr lang="en-CA" dirty="0" err="1" smtClean="0"/>
+              <a:t>grandparent:parent:child</a:t>
+            </a:r>
+            <a:endParaRPr lang="en-CA" dirty="0" smtClean="0"/>
+          </a:p>
+          <a:p>
+            <a:r>
+              <a:rPr lang="en-CA" dirty="0" smtClean="0"/>
+              <a:t>For Example</a:t>
+            </a:r>
+          </a:p>
+          <a:p>
+            <a:pPr lvl="1"/>
+            <a:r>
+              <a:rPr lang="en-CA" dirty="0" err="1" smtClean="0"/>
+              <a:t>Game:HighScores:Top</a:t>
+            </a:r>
+            <a:endParaRPr lang="en-CA" dirty="0" smtClean="0"/>
+          </a:p>
+          <a:p>
+            <a:pPr lvl="1"/>
+            <a:r>
+              <a:rPr lang="en-CA" dirty="0" smtClean="0"/>
+              <a:t>User12345:Name</a:t>
+            </a:r>
+          </a:p>
+          <a:p>
+            <a:r>
+              <a:rPr lang="en-CA" dirty="0" smtClean="0"/>
+              <a:t>You don’t have to use ‘:’ as a separator but it’s one of the more common convention</a:t>
+            </a:r>
+          </a:p>
+          <a:p>
+            <a:pPr marL="0" indent="0">
+              <a:buNone/>
+            </a:pPr>
+            <a:endParaRPr lang="en-CA" dirty="0"/>
+          </a:p>
+        </p:txBody>
+      </p:sp>
+    </p:spTree>
+    <p:extLst>
+      <p:ext uri="{BB962C8B-B14F-4D97-AF65-F5344CB8AC3E}">
+        <p14:creationId xmlns:p14="http://schemas.microsoft.com/office/powerpoint/2010/main" val="1271513632"/>
+      </p:ext>
+    </p:extLst>
+  </p:cSld>
+  <p:clrMapOvr>
+    <a:masterClrMapping/>
+  </p:clrMapOvr>
+  <p:timing>
+    <p:tnLst>
+      <p:par>
+        <p:cTn id="1" dur="indefinite" restart="never" nodeType="tmRoot"/>
+      </p:par>
+    </p:tnLst>
+  </p:timing>
+</p:sld>
+</file>
+
+<file path=ppt/slides/slide15.xml><?xml version="1.0" encoding="utf-8"?>
+<p:sld xmlns:a="http://schemas.openxmlformats.org/drawingml/2006/main" xmlns:r="http://schemas.openxmlformats.org/officeDocument/2006/relationships" xmlns:p="http://schemas.openxmlformats.org/presentationml/2006/main">
+  <p:cSld>
+    <p:spTree>
+      <p:nvGrpSpPr>
+        <p:cNvPr id="1" name=""/>
+        <p:cNvGrpSpPr/>
+        <p:nvPr/>
+      </p:nvGrpSpPr>
+      <p:grpSpPr>
+        <a:xfrm>
+          <a:off x="0" y="0"/>
+          <a:ext cx="0" cy="0"/>
+          <a:chOff x="0" y="0"/>
+          <a:chExt cx="0" cy="0"/>
+        </a:xfrm>
+      </p:grpSpPr>
+      <p:sp>
+        <p:nvSpPr>
+          <p:cNvPr id="5" name="Text Placeholder 4"/>
+          <p:cNvSpPr>
+            <a:spLocks noGrp="1"/>
+          </p:cNvSpPr>
+          <p:nvPr>
+            <p:ph type="body" sz="quarter" idx="10"/>
+          </p:nvPr>
+        </p:nvSpPr>
+        <p:spPr/>
+        <p:txBody>
+          <a:bodyPr/>
+          <a:lstStyle/>
+          <a:p>
+            <a:r>
+              <a:rPr lang="en-CA" dirty="0" err="1" smtClean="0"/>
+              <a:t>Redis</a:t>
+            </a:r>
+            <a:r>
+              <a:rPr lang="en-CA" dirty="0" smtClean="0"/>
+              <a:t> FAQ</a:t>
+            </a:r>
+            <a:endParaRPr lang="en-US" dirty="0"/>
+          </a:p>
+        </p:txBody>
+      </p:sp>
+      <p:sp>
+        <p:nvSpPr>
+          <p:cNvPr id="4" name="Subtitle 3"/>
+          <p:cNvSpPr>
+            <a:spLocks noGrp="1"/>
+          </p:cNvSpPr>
+          <p:nvPr>
+            <p:ph type="subTitle" idx="1"/>
+          </p:nvPr>
+        </p:nvSpPr>
+        <p:spPr/>
+        <p:txBody>
+          <a:bodyPr/>
+          <a:lstStyle/>
+          <a:p>
+            <a:endParaRPr lang="en-US"/>
+          </a:p>
+        </p:txBody>
+      </p:sp>
+    </p:spTree>
+    <p:extLst>
+      <p:ext uri="{BB962C8B-B14F-4D97-AF65-F5344CB8AC3E}">
+        <p14:creationId xmlns:p14="http://schemas.microsoft.com/office/powerpoint/2010/main" val="1454731003"/>
+      </p:ext>
+    </p:extLst>
+  </p:cSld>
+  <p:clrMapOvr>
+    <a:masterClrMapping/>
+  </p:clrMapOvr>
+  <p:timing>
+    <p:tnLst>
+      <p:par>
+        <p:cTn id="1" dur="indefinite" restart="never" nodeType="tmRoot"/>
+      </p:par>
+    </p:tnLst>
+  </p:timing>
+</p:sld>
+</file>
+
+<file path=ppt/slides/slide16.xml><?xml version="1.0" encoding="utf-8"?>
+<p:sld xmlns:a="http://schemas.openxmlformats.org/drawingml/2006/main" xmlns:r="http://schemas.openxmlformats.org/officeDocument/2006/relationships" xmlns:p="http://schemas.openxmlformats.org/presentationml/2006/main">
+  <p:cSld>
+    <p:spTree>
+      <p:nvGrpSpPr>
+        <p:cNvPr id="1" name=""/>
+        <p:cNvGrpSpPr/>
+        <p:nvPr/>
+      </p:nvGrpSpPr>
+      <p:grpSpPr>
+        <a:xfrm>
+          <a:off x="0" y="0"/>
+          <a:ext cx="0" cy="0"/>
+          <a:chOff x="0" y="0"/>
+          <a:chExt cx="0" cy="0"/>
+        </a:xfrm>
+      </p:grpSpPr>
+      <p:sp>
+        <p:nvSpPr>
+          <p:cNvPr id="3" name="Title 2"/>
+          <p:cNvSpPr>
+            <a:spLocks noGrp="1"/>
+          </p:cNvSpPr>
+          <p:nvPr>
+            <p:ph type="title"/>
+          </p:nvPr>
+        </p:nvSpPr>
+        <p:spPr/>
+        <p:txBody>
           <a:bodyPr>
             <a:normAutofit fontScale="90000"/>
           </a:bodyPr>
@@ -4287,15 +4889,7 @@
             </a:r>
             <a:r>
               <a:rPr lang="en-CA" dirty="0" smtClean="0"/>
-              <a:t> and leave the </a:t>
-            </a:r>
-            <a:r>
-              <a:rPr lang="en-CA" dirty="0" smtClean="0"/>
-              <a:t>website, will </a:t>
-            </a:r>
-            <a:r>
-              <a:rPr lang="en-CA" dirty="0" smtClean="0"/>
-              <a:t>that value still be stored when I come back?</a:t>
+              <a:t> and leave the website, will that value still be stored when I come back?</a:t>
             </a:r>
             <a:endParaRPr lang="en-US" dirty="0"/>
           </a:p>
@@ -4328,23 +4922,7 @@
             </a:r>
             <a:r>
               <a:rPr lang="en-CA" dirty="0" smtClean="0"/>
-              <a:t> is a data store that is separate from your Python </a:t>
-            </a:r>
-            <a:r>
-              <a:rPr lang="en-CA" dirty="0" smtClean="0"/>
-              <a:t>environment. </a:t>
-            </a:r>
-            <a:r>
-              <a:rPr lang="en-CA" dirty="0" smtClean="0"/>
-              <a:t>The value will </a:t>
-            </a:r>
-            <a:r>
-              <a:rPr lang="en-CA" dirty="0" smtClean="0"/>
-              <a:t>stay </a:t>
-            </a:r>
-            <a:r>
-              <a:rPr lang="en-CA" dirty="0" smtClean="0"/>
-              <a:t>there until you delete the key</a:t>
+              <a:t> is a data store that is separate from your Python environment. The value will stay there until you delete the key</a:t>
             </a:r>
           </a:p>
           <a:p>
@@ -4850,7 +5428,7 @@
 </p:sld>
 </file>
 
-<file path=ppt/slides/slide15.xml><?xml version="1.0" encoding="utf-8"?>
+<file path=ppt/slides/slide17.xml><?xml version="1.0" encoding="utf-8"?>
 <p:sld xmlns:a="http://schemas.openxmlformats.org/drawingml/2006/main" xmlns:r="http://schemas.openxmlformats.org/officeDocument/2006/relationships" xmlns:p="http://schemas.openxmlformats.org/presentationml/2006/main">
   <p:cSld>
     <p:spTree>
@@ -4909,13 +5487,8 @@
           <a:p>
             <a:r>
               <a:rPr lang="en-CA" dirty="0" smtClean="0"/>
-              <a:t>Yes</a:t>
-            </a:r>
-            <a:r>
-              <a:rPr lang="en-CA" dirty="0" smtClean="0"/>
-              <a:t>! </a:t>
-            </a:r>
-            <a:endParaRPr lang="en-CA" dirty="0" smtClean="0"/>
+              <a:t>Yes! </a:t>
+            </a:r>
           </a:p>
           <a:p>
             <a:r>
@@ -4926,7 +5499,6 @@
               <a:rPr lang="en-CA" dirty="0" smtClean="0"/>
               <a:t> is a data store separate from Python it doesn’t maintain a different data store for each user </a:t>
             </a:r>
-            <a:endParaRPr lang="en-CA" dirty="0" smtClean="0"/>
           </a:p>
           <a:p>
             <a:pPr marL="0" indent="0">
@@ -4940,261 +5512,6 @@
     <p:extLst>
       <p:ext uri="{BB962C8B-B14F-4D97-AF65-F5344CB8AC3E}">
         <p14:creationId xmlns:p14="http://schemas.microsoft.com/office/powerpoint/2010/main" val="3061347343"/>
-      </p:ext>
-    </p:extLst>
-  </p:cSld>
-  <p:clrMapOvr>
-    <a:masterClrMapping/>
-  </p:clrMapOvr>
-  <p:timing>
-    <p:tnLst>
-      <p:par>
-        <p:cTn id="1" dur="indefinite" restart="never" nodeType="tmRoot"/>
-      </p:par>
-    </p:tnLst>
-  </p:timing>
-</p:sld>
-</file>
-
-<file path=ppt/slides/slide16.xml><?xml version="1.0" encoding="utf-8"?>
-<p:sld xmlns:a="http://schemas.openxmlformats.org/drawingml/2006/main" xmlns:r="http://schemas.openxmlformats.org/officeDocument/2006/relationships" xmlns:p="http://schemas.openxmlformats.org/presentationml/2006/main">
-  <p:cSld>
-    <p:spTree>
-      <p:nvGrpSpPr>
-        <p:cNvPr id="1" name=""/>
-        <p:cNvGrpSpPr/>
-        <p:nvPr/>
-      </p:nvGrpSpPr>
-      <p:grpSpPr>
-        <a:xfrm>
-          <a:off x="0" y="0"/>
-          <a:ext cx="0" cy="0"/>
-          <a:chOff x="0" y="0"/>
-          <a:chExt cx="0" cy="0"/>
-        </a:xfrm>
-      </p:grpSpPr>
-      <p:sp>
-        <p:nvSpPr>
-          <p:cNvPr id="3" name="Title 2"/>
-          <p:cNvSpPr>
-            <a:spLocks noGrp="1"/>
-          </p:cNvSpPr>
-          <p:nvPr>
-            <p:ph type="title"/>
-          </p:nvPr>
-        </p:nvSpPr>
-        <p:spPr/>
-        <p:txBody>
-          <a:bodyPr>
-            <a:normAutofit fontScale="90000"/>
-          </a:bodyPr>
-          <a:lstStyle/>
-          <a:p>
-            <a:r>
-              <a:rPr lang="en-CA" dirty="0" smtClean="0"/>
-              <a:t>You can do more with </a:t>
-            </a:r>
-            <a:r>
-              <a:rPr lang="en-CA" dirty="0" err="1" smtClean="0"/>
-              <a:t>Redis</a:t>
-            </a:r>
-            <a:r>
-              <a:rPr lang="en-CA" dirty="0" smtClean="0"/>
-              <a:t> than we covered here</a:t>
-            </a:r>
-            <a:endParaRPr lang="en-US" dirty="0"/>
-          </a:p>
-        </p:txBody>
-      </p:sp>
-      <p:sp>
-        <p:nvSpPr>
-          <p:cNvPr id="5" name="Content Placeholder 4"/>
-          <p:cNvSpPr>
-            <a:spLocks noGrp="1"/>
-          </p:cNvSpPr>
-          <p:nvPr>
-            <p:ph sz="quarter" idx="10"/>
-          </p:nvPr>
-        </p:nvSpPr>
-        <p:spPr/>
-        <p:txBody>
-          <a:bodyPr/>
-          <a:lstStyle/>
-          <a:p>
-            <a:r>
-              <a:rPr lang="en-CA" dirty="0" smtClean="0"/>
-              <a:t>You </a:t>
-            </a:r>
-            <a:r>
-              <a:rPr lang="en-CA" dirty="0" smtClean="0"/>
-              <a:t>can store entire lists or sets in a single key</a:t>
-            </a:r>
-          </a:p>
-          <a:p>
-            <a:r>
-              <a:rPr lang="en-CA" dirty="0" smtClean="0"/>
-              <a:t>There are more functions we </a:t>
-            </a:r>
-            <a:r>
-              <a:rPr lang="en-CA" dirty="0" smtClean="0"/>
-              <a:t>didn’t </a:t>
-            </a:r>
-            <a:r>
-              <a:rPr lang="en-CA" dirty="0" smtClean="0"/>
-              <a:t>cover</a:t>
-            </a:r>
-          </a:p>
-          <a:p>
-            <a:r>
-              <a:rPr lang="en-CA" dirty="0" smtClean="0"/>
-              <a:t>For more information visit</a:t>
-            </a:r>
-          </a:p>
-          <a:p>
-            <a:pPr lvl="1"/>
-            <a:r>
-              <a:rPr lang="en-US" u="sng" dirty="0">
-                <a:hlinkClick r:id="rId2"/>
-              </a:rPr>
-              <a:t>http://</a:t>
-            </a:r>
-            <a:r>
-              <a:rPr lang="en-US" u="sng" dirty="0" smtClean="0">
-                <a:hlinkClick r:id="rId2"/>
-              </a:rPr>
-              <a:t>redis.io/commands/set</a:t>
-            </a:r>
-            <a:endParaRPr lang="en-US" dirty="0"/>
-          </a:p>
-          <a:p>
-            <a:pPr lvl="1"/>
-            <a:r>
-              <a:rPr lang="fr-CA" u="sng" dirty="0">
-                <a:hlinkClick r:id="rId3"/>
-              </a:rPr>
-              <a:t>https://pypi.python.org/pypi/redis/</a:t>
-            </a:r>
-            <a:endParaRPr lang="en-US" dirty="0"/>
-          </a:p>
-          <a:p>
-            <a:pPr marL="0" indent="0">
-              <a:buNone/>
-            </a:pPr>
-            <a:endParaRPr lang="en-CA" dirty="0" smtClean="0"/>
-          </a:p>
-          <a:p>
-            <a:pPr marL="0" indent="0">
-              <a:buNone/>
-            </a:pPr>
-            <a:endParaRPr lang="en-US" dirty="0"/>
-          </a:p>
-        </p:txBody>
-      </p:sp>
-    </p:spTree>
-    <p:extLst>
-      <p:ext uri="{BB962C8B-B14F-4D97-AF65-F5344CB8AC3E}">
-        <p14:creationId xmlns:p14="http://schemas.microsoft.com/office/powerpoint/2010/main" val="3015893187"/>
-      </p:ext>
-    </p:extLst>
-  </p:cSld>
-  <p:clrMapOvr>
-    <a:masterClrMapping/>
-  </p:clrMapOvr>
-  <p:timing>
-    <p:tnLst>
-      <p:par>
-        <p:cTn id="1" dur="indefinite" restart="never" nodeType="tmRoot"/>
-      </p:par>
-    </p:tnLst>
-  </p:timing>
-</p:sld>
-</file>
-
-<file path=ppt/slides/slide17.xml><?xml version="1.0" encoding="utf-8"?>
-<p:sld xmlns:a="http://schemas.openxmlformats.org/drawingml/2006/main" xmlns:r="http://schemas.openxmlformats.org/officeDocument/2006/relationships" xmlns:p="http://schemas.openxmlformats.org/presentationml/2006/main">
-  <p:cSld>
-    <p:spTree>
-      <p:nvGrpSpPr>
-        <p:cNvPr id="1" name=""/>
-        <p:cNvGrpSpPr/>
-        <p:nvPr/>
-      </p:nvGrpSpPr>
-      <p:grpSpPr>
-        <a:xfrm>
-          <a:off x="0" y="0"/>
-          <a:ext cx="0" cy="0"/>
-          <a:chOff x="0" y="0"/>
-          <a:chExt cx="0" cy="0"/>
-        </a:xfrm>
-      </p:grpSpPr>
-      <p:sp>
-        <p:nvSpPr>
-          <p:cNvPr id="2" name="Title 1"/>
-          <p:cNvSpPr>
-            <a:spLocks noGrp="1"/>
-          </p:cNvSpPr>
-          <p:nvPr>
-            <p:ph type="title"/>
-          </p:nvPr>
-        </p:nvSpPr>
-        <p:spPr/>
-        <p:txBody>
-          <a:bodyPr/>
-          <a:lstStyle/>
-          <a:p>
-            <a:r>
-              <a:rPr lang="en-CA" dirty="0" smtClean="0"/>
-              <a:t>What </a:t>
-            </a:r>
-            <a:r>
-              <a:rPr lang="en-CA" dirty="0" smtClean="0"/>
-              <a:t>did we </a:t>
-            </a:r>
-            <a:r>
-              <a:rPr lang="en-CA" dirty="0" smtClean="0"/>
-              <a:t>learn?</a:t>
-            </a:r>
-            <a:endParaRPr lang="en-US" dirty="0"/>
-          </a:p>
-        </p:txBody>
-      </p:sp>
-      <p:sp>
-        <p:nvSpPr>
-          <p:cNvPr id="3" name="Content Placeholder 2"/>
-          <p:cNvSpPr>
-            <a:spLocks noGrp="1"/>
-          </p:cNvSpPr>
-          <p:nvPr>
-            <p:ph sz="quarter" idx="10"/>
-          </p:nvPr>
-        </p:nvSpPr>
-        <p:spPr/>
-        <p:txBody>
-          <a:bodyPr/>
-          <a:lstStyle/>
-          <a:p>
-            <a:r>
-              <a:rPr lang="en-CA" dirty="0" smtClean="0"/>
-              <a:t>We can store and retrieve values in </a:t>
-            </a:r>
-            <a:r>
-              <a:rPr lang="en-CA" dirty="0" err="1" smtClean="0"/>
-              <a:t>Redis</a:t>
-            </a:r>
-            <a:endParaRPr lang="en-US" dirty="0" smtClean="0"/>
-          </a:p>
-          <a:p>
-            <a:r>
-              <a:rPr lang="en-CA" dirty="0" smtClean="0"/>
-              <a:t>We can either overwrite or append to existing values</a:t>
-            </a:r>
-          </a:p>
-        </p:txBody>
-      </p:sp>
-    </p:spTree>
-    <p:extLst>
-      <p:ext uri="{BB962C8B-B14F-4D97-AF65-F5344CB8AC3E}">
-        <p14:creationId xmlns:p14="http://schemas.microsoft.com/office/powerpoint/2010/main" val="31707869"/>
       </p:ext>
     </p:extLst>
   </p:cSld>
@@ -5230,7 +5547,7 @@
       </p:grpSpPr>
       <p:sp>
         <p:nvSpPr>
-          <p:cNvPr id="2" name="Title 1"/>
+          <p:cNvPr id="3" name="Title 2"/>
           <p:cNvSpPr>
             <a:spLocks noGrp="1"/>
           </p:cNvSpPr>
@@ -5240,12 +5557,22 @@
         </p:nvSpPr>
         <p:spPr/>
         <p:txBody>
-          <a:bodyPr/>
+          <a:bodyPr>
+            <a:normAutofit fontScale="90000"/>
+          </a:bodyPr>
           <a:lstStyle/>
           <a:p>
             <a:r>
               <a:rPr lang="en-CA" dirty="0" smtClean="0"/>
-              <a:t>What can we do with this?</a:t>
+              <a:t>You can do more with </a:t>
+            </a:r>
+            <a:r>
+              <a:rPr lang="en-CA" dirty="0" err="1" smtClean="0"/>
+              <a:t>Redis</a:t>
+            </a:r>
+            <a:r>
+              <a:rPr lang="en-CA" dirty="0" smtClean="0"/>
+              <a:t> than we covered here</a:t>
             </a:r>
             <a:endParaRPr lang="en-US" dirty="0"/>
           </a:p>
@@ -5253,7 +5580,7 @@
       </p:sp>
       <p:sp>
         <p:nvSpPr>
-          <p:cNvPr id="3" name="Content Placeholder 2"/>
+          <p:cNvPr id="5" name="Content Placeholder 4"/>
           <p:cNvSpPr>
             <a:spLocks noGrp="1"/>
           </p:cNvSpPr>
@@ -5268,33 +5595,65 @@
           <a:p>
             <a:r>
               <a:rPr lang="en-CA" dirty="0" smtClean="0"/>
-              <a:t>You can track the number of visitors to your website</a:t>
+              <a:t>You can store entire lists or sets in a single key</a:t>
             </a:r>
           </a:p>
           <a:p>
             <a:r>
               <a:rPr lang="en-CA" dirty="0" smtClean="0"/>
-              <a:t>You can store high scores for a game</a:t>
+              <a:t>There are more functions we didn’t cover</a:t>
             </a:r>
           </a:p>
           <a:p>
             <a:r>
               <a:rPr lang="en-CA" dirty="0" smtClean="0"/>
-              <a:t>You can remember a user’s preferences</a:t>
-            </a:r>
-          </a:p>
-          <a:p>
-            <a:r>
-              <a:rPr lang="en-CA" dirty="0" smtClean="0"/>
-              <a:t>You can store information about a user who visits your website</a:t>
-            </a:r>
+              <a:t>For more information visit</a:t>
+            </a:r>
+          </a:p>
+          <a:p>
+            <a:pPr lvl="1"/>
+            <a:r>
+              <a:rPr lang="en-US" u="sng" dirty="0">
+                <a:hlinkClick r:id="rId2"/>
+              </a:rPr>
+              <a:t>http://</a:t>
+            </a:r>
+            <a:r>
+              <a:rPr lang="en-US" u="sng" dirty="0" smtClean="0">
+                <a:hlinkClick r:id="rId2"/>
+              </a:rPr>
+              <a:t>redis.io/commands/set</a:t>
+            </a:r>
+            <a:endParaRPr lang="en-US" dirty="0"/>
+          </a:p>
+          <a:p>
+            <a:pPr lvl="1"/>
+            <a:r>
+              <a:rPr lang="fr-CA" u="sng" dirty="0">
+                <a:hlinkClick r:id="rId3"/>
+              </a:rPr>
+              <a:t>https://pypi.python.org/pypi/redis/</a:t>
+            </a:r>
+            <a:endParaRPr lang="en-US" dirty="0"/>
+          </a:p>
+          <a:p>
+            <a:pPr marL="0" indent="0">
+              <a:buNone/>
+            </a:pPr>
+            <a:endParaRPr lang="en-CA" dirty="0" smtClean="0"/>
+          </a:p>
+          <a:p>
+            <a:pPr marL="0" indent="0">
+              <a:buNone/>
+            </a:pPr>
+            <a:endParaRPr lang="en-US" dirty="0"/>
           </a:p>
         </p:txBody>
       </p:sp>
     </p:spTree>
     <p:extLst>
       <p:ext uri="{BB962C8B-B14F-4D97-AF65-F5344CB8AC3E}">
-        <p14:creationId xmlns:p14="http://schemas.microsoft.com/office/powerpoint/2010/main" val="2208595131"/>
+        <p14:creationId xmlns:p14="http://schemas.microsoft.com/office/powerpoint/2010/main" val="3015893187"/>
       </p:ext>
     </p:extLst>
   </p:cSld>
@@ -5328,10 +5687,66 @@
           <a:chExt cx="0" cy="0"/>
         </a:xfrm>
       </p:grpSpPr>
+      <p:sp>
+        <p:nvSpPr>
+          <p:cNvPr id="2" name="Title 1"/>
+          <p:cNvSpPr>
+            <a:spLocks noGrp="1"/>
+          </p:cNvSpPr>
+          <p:nvPr>
+            <p:ph type="title"/>
+          </p:nvPr>
+        </p:nvSpPr>
+        <p:spPr/>
+        <p:txBody>
+          <a:bodyPr/>
+          <a:lstStyle/>
+          <a:p>
+            <a:r>
+              <a:rPr lang="en-CA" dirty="0" smtClean="0"/>
+              <a:t>What did we learn?</a:t>
+            </a:r>
+            <a:endParaRPr lang="en-US" dirty="0"/>
+          </a:p>
+        </p:txBody>
+      </p:sp>
+      <p:sp>
+        <p:nvSpPr>
+          <p:cNvPr id="3" name="Content Placeholder 2"/>
+          <p:cNvSpPr>
+            <a:spLocks noGrp="1"/>
+          </p:cNvSpPr>
+          <p:nvPr>
+            <p:ph sz="quarter" idx="10"/>
+          </p:nvPr>
+        </p:nvSpPr>
+        <p:spPr/>
+        <p:txBody>
+          <a:bodyPr/>
+          <a:lstStyle/>
+          <a:p>
+            <a:r>
+              <a:rPr lang="en-CA" dirty="0" smtClean="0"/>
+              <a:t>We can store and retrieve values in </a:t>
+            </a:r>
+            <a:r>
+              <a:rPr lang="en-CA" dirty="0" err="1" smtClean="0"/>
+              <a:t>Redis</a:t>
+            </a:r>
+            <a:endParaRPr lang="en-US" dirty="0" smtClean="0"/>
+          </a:p>
+          <a:p>
+            <a:r>
+              <a:rPr lang="en-CA" dirty="0" smtClean="0"/>
+              <a:t>We can either overwrite or append to existing values</a:t>
+            </a:r>
+          </a:p>
+        </p:txBody>
+      </p:sp>
     </p:spTree>
     <p:extLst>
       <p:ext uri="{BB962C8B-B14F-4D97-AF65-F5344CB8AC3E}">
-        <p14:creationId xmlns:p14="http://schemas.microsoft.com/office/powerpoint/2010/main" val="898363405"/>
+        <p14:creationId xmlns:p14="http://schemas.microsoft.com/office/powerpoint/2010/main" val="31707869"/>
       </p:ext>
     </p:extLst>
   </p:cSld>
@@ -5698,6 +6113,143 @@
     <p:bldLst>
       <p:bldP spid="5" grpId="0" build="p"/>
     </p:bldLst>
+  </p:timing>
+</p:sld>
+</file>
+
+<file path=ppt/slides/slide20.xml><?xml version="1.0" encoding="utf-8"?>
+<p:sld xmlns:a="http://schemas.openxmlformats.org/drawingml/2006/main" xmlns:r="http://schemas.openxmlformats.org/officeDocument/2006/relationships" xmlns:p="http://schemas.openxmlformats.org/presentationml/2006/main">
+  <p:cSld>
+    <p:spTree>
+      <p:nvGrpSpPr>
+        <p:cNvPr id="1" name=""/>
+        <p:cNvGrpSpPr/>
+        <p:nvPr/>
+      </p:nvGrpSpPr>
+      <p:grpSpPr>
+        <a:xfrm>
+          <a:off x="0" y="0"/>
+          <a:ext cx="0" cy="0"/>
+          <a:chOff x="0" y="0"/>
+          <a:chExt cx="0" cy="0"/>
+        </a:xfrm>
+      </p:grpSpPr>
+      <p:sp>
+        <p:nvSpPr>
+          <p:cNvPr id="2" name="Title 1"/>
+          <p:cNvSpPr>
+            <a:spLocks noGrp="1"/>
+          </p:cNvSpPr>
+          <p:nvPr>
+            <p:ph type="title"/>
+          </p:nvPr>
+        </p:nvSpPr>
+        <p:spPr/>
+        <p:txBody>
+          <a:bodyPr/>
+          <a:lstStyle/>
+          <a:p>
+            <a:r>
+              <a:rPr lang="en-CA" dirty="0" smtClean="0"/>
+              <a:t>What can we do with this?</a:t>
+            </a:r>
+            <a:endParaRPr lang="en-US" dirty="0"/>
+          </a:p>
+        </p:txBody>
+      </p:sp>
+      <p:sp>
+        <p:nvSpPr>
+          <p:cNvPr id="3" name="Content Placeholder 2"/>
+          <p:cNvSpPr>
+            <a:spLocks noGrp="1"/>
+          </p:cNvSpPr>
+          <p:nvPr>
+            <p:ph sz="quarter" idx="10"/>
+          </p:nvPr>
+        </p:nvSpPr>
+        <p:spPr/>
+        <p:txBody>
+          <a:bodyPr/>
+          <a:lstStyle/>
+          <a:p>
+            <a:r>
+              <a:rPr lang="en-CA" dirty="0" smtClean="0"/>
+              <a:t>You can track the number of visitors to your website</a:t>
+            </a:r>
+          </a:p>
+          <a:p>
+            <a:r>
+              <a:rPr lang="en-CA" dirty="0" smtClean="0"/>
+              <a:t>You can store high scores for a game</a:t>
+            </a:r>
+          </a:p>
+          <a:p>
+            <a:r>
+              <a:rPr lang="en-CA" dirty="0" smtClean="0"/>
+              <a:t>You can remember a user’s preferences</a:t>
+            </a:r>
+          </a:p>
+          <a:p>
+            <a:r>
+              <a:rPr lang="en-CA" dirty="0" smtClean="0"/>
+              <a:t>You can store information about a user who visits your website</a:t>
+            </a:r>
+          </a:p>
+        </p:txBody>
+      </p:sp>
+    </p:spTree>
+    <p:extLst>
+      <p:ext uri="{BB962C8B-B14F-4D97-AF65-F5344CB8AC3E}">
+        <p14:creationId xmlns:p14="http://schemas.microsoft.com/office/powerpoint/2010/main" val="2208595131"/>
+      </p:ext>
+    </p:extLst>
+  </p:cSld>
+  <p:clrMapOvr>
+    <a:masterClrMapping/>
+  </p:clrMapOvr>
+  <p:timing>
+    <p:tnLst>
+      <p:par>
+        <p:cTn id="1" dur="indefinite" restart="never" nodeType="tmRoot"/>
+      </p:par>
+    </p:tnLst>
+  </p:timing>
+</p:sld>
+</file>
+
+<file path=ppt/slides/slide21.xml><?xml version="1.0" encoding="utf-8"?>
+<p:sld xmlns:a="http://schemas.openxmlformats.org/drawingml/2006/main" xmlns:r="http://schemas.openxmlformats.org/officeDocument/2006/relationships" xmlns:p="http://schemas.openxmlformats.org/presentationml/2006/main">
+  <p:cSld>
+    <p:spTree>
+      <p:nvGrpSpPr>
+        <p:cNvPr id="1" name=""/>
+        <p:cNvGrpSpPr/>
+        <p:nvPr/>
+      </p:nvGrpSpPr>
+      <p:grpSpPr>
+        <a:xfrm>
+          <a:off x="0" y="0"/>
+          <a:ext cx="0" cy="0"/>
+          <a:chOff x="0" y="0"/>
+          <a:chExt cx="0" cy="0"/>
+        </a:xfrm>
+      </p:grpSpPr>
+    </p:spTree>
+    <p:extLst>
+      <p:ext uri="{BB962C8B-B14F-4D97-AF65-F5344CB8AC3E}">
+        <p14:creationId xmlns:p14="http://schemas.microsoft.com/office/powerpoint/2010/main" val="898363405"/>
+      </p:ext>
+    </p:extLst>
+  </p:cSld>
+  <p:clrMapOvr>
+    <a:masterClrMapping/>
+  </p:clrMapOvr>
+  <p:timing>
+    <p:tnLst>
+      <p:par>
+        <p:cTn id="1" dur="indefinite" restart="never" nodeType="tmRoot"/>
+      </p:par>
+    </p:tnLst>
   </p:timing>
 </p:sld>
 </file>
@@ -6608,11 +7160,7 @@
             </a:r>
             <a:r>
               <a:rPr lang="en-CA" dirty="0" smtClean="0"/>
-              <a:t> method and specify the key </a:t>
-            </a:r>
-            <a:r>
-              <a:rPr lang="en-CA" dirty="0" smtClean="0"/>
-              <a:t>name</a:t>
+              <a:t> method and specify the key name</a:t>
             </a:r>
           </a:p>
           <a:p>
@@ -6621,11 +7169,7 @@
             </a:pPr>
             <a:r>
               <a:rPr lang="en-CA" dirty="0" smtClean="0"/>
-              <a:t>The </a:t>
-            </a:r>
-            <a:r>
-              <a:rPr lang="en-CA" dirty="0" smtClean="0"/>
-              <a:t>get method will return the value stored in the specified key.</a:t>
+              <a:t>The get method will return the value stored in the specified key.</a:t>
             </a:r>
           </a:p>
           <a:p>
@@ -10819,6 +11363,19 @@
 </file>
 
 <file path=customXml/item1.xml><?xml version="1.0" encoding="utf-8"?>
+<p:properties xmlns:p="http://schemas.microsoft.com/office/2006/metadata/properties" xmlns:xsi="http://www.w3.org/2001/XMLSchema-instance" xmlns:pc="http://schemas.microsoft.com/office/infopath/2007/PartnerControls">
+  <documentManagement>
+    <TaxCatchAll xmlns="230e9df3-be65-4c73-a93b-d1236ebd677e"/>
+    <PublishingExpirationDate xmlns="http://schemas.microsoft.com/sharepoint/v3" xsi:nil="true"/>
+    <PublishingStartDate xmlns="http://schemas.microsoft.com/sharepoint/v3" xsi:nil="true"/>
+    <TaxKeywordTaxHTField xmlns="230e9df3-be65-4c73-a93b-d1236ebd677e">
+      <Terms xmlns="http://schemas.microsoft.com/office/infopath/2007/PartnerControls"/>
+    </TaxKeywordTaxHTField>
+  </documentManagement>
+</p:properties>
+</file>
+
+<file path=customXml/item2.xml><?xml version="1.0" encoding="utf-8"?>
 <ct:contentTypeSchema xmlns:ct="http://schemas.microsoft.com/office/2006/metadata/contentType" xmlns:ma="http://schemas.microsoft.com/office/2006/metadata/properties/metaAttributes" ct:_="" ma:_="" ma:contentTypeName="Document" ma:contentTypeID="0x010100496889825850D44592AC5D2F43187AE4" ma:contentTypeVersion="5" ma:contentTypeDescription="Create a new document." ma:contentTypeScope="" ma:versionID="fde90edb5a63ba841bca516fd2abaf95">
   <xsd:schema xmlns:xsd="http://www.w3.org/2001/XMLSchema" xmlns:xs="http://www.w3.org/2001/XMLSchema" xmlns:p="http://schemas.microsoft.com/office/2006/metadata/properties" xmlns:ns1="http://schemas.microsoft.com/sharepoint/v3" xmlns:ns2="230e9df3-be65-4c73-a93b-d1236ebd677e" xmlns:ns3="27aa9422-7f1f-4c84-9cdf-302b1a67e513" targetNamespace="http://schemas.microsoft.com/office/2006/metadata/properties" ma:root="true" ma:fieldsID="5e7808ae941cc340dbe51a3031959734" ns1:_="" ns2:_="" ns3:_="">
     <xsd:import namespace="http://schemas.microsoft.com/sharepoint/v3"/>
@@ -11000,7 +11557,7 @@
 </ct:contentTypeSchema>
 </file>
 
-<file path=customXml/item2.xml><?xml version="1.0" encoding="utf-8"?>
+<file path=customXml/item3.xml><?xml version="1.0" encoding="utf-8"?>
 <?mso-contentType ?>
 <FormTemplates xmlns="http://schemas.microsoft.com/sharepoint/v3/contenttype/forms">
   <Display>DocumentLibraryForm</Display>
@@ -11009,20 +11566,25 @@
 </FormTemplates>
 </file>
 
-<file path=customXml/item3.xml><?xml version="1.0" encoding="utf-8"?>
-<p:properties xmlns:p="http://schemas.microsoft.com/office/2006/metadata/properties" xmlns:xsi="http://www.w3.org/2001/XMLSchema-instance" xmlns:pc="http://schemas.microsoft.com/office/infopath/2007/PartnerControls">
-  <documentManagement>
-    <TaxCatchAll xmlns="230e9df3-be65-4c73-a93b-d1236ebd677e"/>
-    <PublishingExpirationDate xmlns="http://schemas.microsoft.com/sharepoint/v3" xsi:nil="true"/>
-    <PublishingStartDate xmlns="http://schemas.microsoft.com/sharepoint/v3" xsi:nil="true"/>
-    <TaxKeywordTaxHTField xmlns="230e9df3-be65-4c73-a93b-d1236ebd677e">
-      <Terms xmlns="http://schemas.microsoft.com/office/infopath/2007/PartnerControls"/>
-    </TaxKeywordTaxHTField>
-  </documentManagement>
-</p:properties>
+<file path=customXml/itemProps1.xml><?xml version="1.0" encoding="utf-8"?>
+<ds:datastoreItem xmlns:ds="http://schemas.openxmlformats.org/officeDocument/2006/customXml" ds:itemID="{7025FDD9-4C58-4084-9F89-0E6ADD6FFF55}">
+  <ds:schemaRefs>
+    <ds:schemaRef ds:uri="http://purl.org/dc/elements/1.1/"/>
+    <ds:schemaRef ds:uri="http://schemas.microsoft.com/office/2006/metadata/properties"/>
+    <ds:schemaRef ds:uri="http://schemas.microsoft.com/sharepoint/v3"/>
+    <ds:schemaRef ds:uri="http://purl.org/dc/terms/"/>
+    <ds:schemaRef ds:uri="230e9df3-be65-4c73-a93b-d1236ebd677e"/>
+    <ds:schemaRef ds:uri="http://schemas.microsoft.com/office/2006/documentManagement/types"/>
+    <ds:schemaRef ds:uri="http://schemas.openxmlformats.org/package/2006/metadata/core-properties"/>
+    <ds:schemaRef ds:uri="http://schemas.microsoft.com/office/infopath/2007/PartnerControls"/>
+    <ds:schemaRef ds:uri="27aa9422-7f1f-4c84-9cdf-302b1a67e513"/>
+    <ds:schemaRef ds:uri="http://www.w3.org/XML/1998/namespace"/>
+    <ds:schemaRef ds:uri="http://purl.org/dc/dcmitype/"/>
+  </ds:schemaRefs>
+</ds:datastoreItem>
 </file>
 
-<file path=customXml/itemProps1.xml><?xml version="1.0" encoding="utf-8"?>
+<file path=customXml/itemProps2.xml><?xml version="1.0" encoding="utf-8"?>
 <ds:datastoreItem xmlns:ds="http://schemas.openxmlformats.org/officeDocument/2006/customXml" ds:itemID="{3253B29C-1CCD-4FE8-A1C4-023A0910DF96}">
   <ds:schemaRefs>
     <ds:schemaRef ds:uri="http://schemas.microsoft.com/office/2006/metadata/contentType"/>
@@ -11042,28 +11604,10 @@
 </ds:datastoreItem>
 </file>
 
-<file path=customXml/itemProps2.xml><?xml version="1.0" encoding="utf-8"?>
+<file path=customXml/itemProps3.xml><?xml version="1.0" encoding="utf-8"?>
 <ds:datastoreItem xmlns:ds="http://schemas.openxmlformats.org/officeDocument/2006/customXml" ds:itemID="{B0CA13EC-1D3C-4D6F-8D1C-E8A452CFC79A}">
   <ds:schemaRefs>
     <ds:schemaRef ds:uri="http://schemas.microsoft.com/sharepoint/v3/contenttype/forms"/>
   </ds:schemaRefs>
 </ds:datastoreItem>
-</file>
-
-<file path=customXml/itemProps3.xml><?xml version="1.0" encoding="utf-8"?>
-<ds:datastoreItem xmlns:ds="http://schemas.openxmlformats.org/officeDocument/2006/customXml" ds:itemID="{7025FDD9-4C58-4084-9F89-0E6ADD6FFF55}">
-  <ds:schemaRefs>
-    <ds:schemaRef ds:uri="http://purl.org/dc/elements/1.1/"/>
-    <ds:schemaRef ds:uri="http://schemas.microsoft.com/office/2006/metadata/properties"/>
-    <ds:schemaRef ds:uri="http://schemas.microsoft.com/office/infopath/2007/PartnerControls"/>
-    <ds:schemaRef ds:uri="http://schemas.microsoft.com/sharepoint/v3"/>
-    <ds:schemaRef ds:uri="http://purl.org/dc/terms/"/>
-    <ds:schemaRef ds:uri="http://schemas.microsoft.com/office/2006/documentManagement/types"/>
-    <ds:schemaRef ds:uri="http://schemas.openxmlformats.org/package/2006/metadata/core-properties"/>
-    <ds:schemaRef ds:uri="230e9df3-be65-4c73-a93b-d1236ebd677e"/>
-    <ds:schemaRef ds:uri="27aa9422-7f1f-4c84-9cdf-302b1a67e513"/>
-    <ds:schemaRef ds:uri="http://www.w3.org/XML/1998/namespace"/>
-    <ds:schemaRef ds:uri="http://purl.org/dc/dcmitype/"/>
-  </ds:schemaRefs>
-</ds:datastoreItem>
 </file>
--- a/Slides/Module 5 - Using Redis.pptx
+++ b/Slides/Module 5 - Using Redis.pptx
@@ -5,33 +5,37 @@
     <p:sldMasterId id="2147483660" r:id="rId4"/>
   </p:sldMasterIdLst>
   <p:notesMasterIdLst>
-    <p:notesMasterId r:id="rId26"/>
+    <p:notesMasterId r:id="rId30"/>
   </p:notesMasterIdLst>
   <p:handoutMasterIdLst>
-    <p:handoutMasterId r:id="rId27"/>
+    <p:handoutMasterId r:id="rId31"/>
   </p:handoutMasterIdLst>
   <p:sldIdLst>
     <p:sldId id="277" r:id="rId5"/>
     <p:sldId id="278" r:id="rId6"/>
-    <p:sldId id="309" r:id="rId7"/>
-    <p:sldId id="310" r:id="rId8"/>
-    <p:sldId id="345" r:id="rId9"/>
-    <p:sldId id="344" r:id="rId10"/>
-    <p:sldId id="342" r:id="rId11"/>
-    <p:sldId id="343" r:id="rId12"/>
-    <p:sldId id="353" r:id="rId13"/>
-    <p:sldId id="351" r:id="rId14"/>
-    <p:sldId id="346" r:id="rId15"/>
-    <p:sldId id="358" r:id="rId16"/>
-    <p:sldId id="357" r:id="rId17"/>
-    <p:sldId id="349" r:id="rId18"/>
-    <p:sldId id="356" r:id="rId19"/>
-    <p:sldId id="347" r:id="rId20"/>
-    <p:sldId id="348" r:id="rId21"/>
-    <p:sldId id="352" r:id="rId22"/>
-    <p:sldId id="354" r:id="rId23"/>
-    <p:sldId id="355" r:id="rId24"/>
-    <p:sldId id="269" r:id="rId25"/>
+    <p:sldId id="360" r:id="rId7"/>
+    <p:sldId id="361" r:id="rId8"/>
+    <p:sldId id="359" r:id="rId9"/>
+    <p:sldId id="309" r:id="rId10"/>
+    <p:sldId id="362" r:id="rId11"/>
+    <p:sldId id="310" r:id="rId12"/>
+    <p:sldId id="345" r:id="rId13"/>
+    <p:sldId id="344" r:id="rId14"/>
+    <p:sldId id="342" r:id="rId15"/>
+    <p:sldId id="343" r:id="rId16"/>
+    <p:sldId id="353" r:id="rId17"/>
+    <p:sldId id="351" r:id="rId18"/>
+    <p:sldId id="346" r:id="rId19"/>
+    <p:sldId id="358" r:id="rId20"/>
+    <p:sldId id="357" r:id="rId21"/>
+    <p:sldId id="349" r:id="rId22"/>
+    <p:sldId id="356" r:id="rId23"/>
+    <p:sldId id="347" r:id="rId24"/>
+    <p:sldId id="348" r:id="rId25"/>
+    <p:sldId id="352" r:id="rId26"/>
+    <p:sldId id="354" r:id="rId27"/>
+    <p:sldId id="355" r:id="rId28"/>
+    <p:sldId id="269" r:id="rId29"/>
   </p:sldIdLst>
   <p:sldSz cx="12192000" cy="6858000"/>
   <p:notesSz cx="6858000" cy="9144000"/>
@@ -223,7 +227,7 @@
           <a:p>
             <a:fld id="{312E7B4A-039C-48A2-9B2C-AF16AA3873D8}" type="datetimeFigureOut">
               <a:rPr lang="en-US" smtClean="0"/>
-              <a:t>12/16/2014</a:t>
+              <a:t>12/17/2014</a:t>
             </a:fld>
             <a:endParaRPr lang="en-US"/>
           </a:p>
@@ -388,7 +392,7 @@
           <a:p>
             <a:fld id="{DA005A0C-54D9-45AA-87D4-C551D08DFCE1}" type="datetimeFigureOut">
               <a:rPr lang="en-US" smtClean="0"/>
-              <a:t>12/16/2014</a:t>
+              <a:t>12/17/2014</a:t>
             </a:fld>
             <a:endParaRPr lang="en-US"/>
           </a:p>
@@ -3600,6 +3604,2663 @@
       </p:grpSpPr>
       <p:sp>
         <p:nvSpPr>
+          <p:cNvPr id="2" name="Title 1"/>
+          <p:cNvSpPr>
+            <a:spLocks noGrp="1"/>
+          </p:cNvSpPr>
+          <p:nvPr>
+            <p:ph type="title"/>
+          </p:nvPr>
+        </p:nvSpPr>
+        <p:spPr/>
+        <p:txBody>
+          <a:bodyPr/>
+          <a:lstStyle/>
+          <a:p>
+            <a:r>
+              <a:rPr lang="en-CA" dirty="0" smtClean="0"/>
+              <a:t>You can store numbers instead of strings</a:t>
+            </a:r>
+            <a:endParaRPr lang="en-US" dirty="0"/>
+          </a:p>
+        </p:txBody>
+      </p:sp>
+      <p:sp>
+        <p:nvSpPr>
+          <p:cNvPr id="3" name="Content Placeholder 2"/>
+          <p:cNvSpPr>
+            <a:spLocks noGrp="1"/>
+          </p:cNvSpPr>
+          <p:nvPr>
+            <p:ph sz="quarter" idx="10"/>
+          </p:nvPr>
+        </p:nvSpPr>
+        <p:spPr/>
+        <p:txBody>
+          <a:bodyPr/>
+          <a:lstStyle/>
+          <a:p>
+            <a:pPr marL="0" lvl="0" indent="0">
+              <a:buNone/>
+            </a:pPr>
+            <a:r>
+              <a:rPr lang="en-US" altLang="en-US" sz="2800" dirty="0" err="1">
+                <a:solidFill>
+                  <a:srgbClr val="000000"/>
+                </a:solidFill>
+                <a:latin typeface="Consolas" panose="020B0609020204030204" pitchFamily="49" charset="0"/>
+                <a:cs typeface="Consolas" panose="020B0609020204030204" pitchFamily="49" charset="0"/>
+              </a:rPr>
+              <a:t>r.set</a:t>
+            </a:r>
+            <a:r>
+              <a:rPr lang="en-US" altLang="en-US" sz="2800" dirty="0">
+                <a:solidFill>
+                  <a:srgbClr val="000000"/>
+                </a:solidFill>
+                <a:latin typeface="Consolas" panose="020B0609020204030204" pitchFamily="49" charset="0"/>
+                <a:cs typeface="Consolas" panose="020B0609020204030204" pitchFamily="49" charset="0"/>
+              </a:rPr>
+              <a:t>(</a:t>
+            </a:r>
+            <a:r>
+              <a:rPr lang="en-US" altLang="en-US" sz="2800" dirty="0">
+                <a:solidFill>
+                  <a:srgbClr val="A31515"/>
+                </a:solidFill>
+                <a:latin typeface="Consolas" panose="020B0609020204030204" pitchFamily="49" charset="0"/>
+                <a:cs typeface="Consolas" panose="020B0609020204030204" pitchFamily="49" charset="0"/>
+              </a:rPr>
+              <a:t>'nbrVisitors'</a:t>
+            </a:r>
+            <a:r>
+              <a:rPr lang="en-US" altLang="en-US" sz="2800" dirty="0">
+                <a:solidFill>
+                  <a:srgbClr val="000000"/>
+                </a:solidFill>
+                <a:latin typeface="Consolas" panose="020B0609020204030204" pitchFamily="49" charset="0"/>
+                <a:cs typeface="Consolas" panose="020B0609020204030204" pitchFamily="49" charset="0"/>
+              </a:rPr>
+              <a:t>,0</a:t>
+            </a:r>
+            <a:r>
+              <a:rPr lang="en-US" altLang="en-US" sz="2800" dirty="0" smtClean="0">
+                <a:solidFill>
+                  <a:srgbClr val="000000"/>
+                </a:solidFill>
+                <a:latin typeface="Consolas" panose="020B0609020204030204" pitchFamily="49" charset="0"/>
+                <a:cs typeface="Consolas" panose="020B0609020204030204" pitchFamily="49" charset="0"/>
+              </a:rPr>
+              <a:t>)</a:t>
+            </a:r>
+          </a:p>
+          <a:p>
+            <a:pPr marL="0" indent="0">
+              <a:buNone/>
+            </a:pPr>
+            <a:r>
+              <a:rPr lang="en-CA" dirty="0" smtClean="0"/>
+              <a:t>When you store a number you have additional methods you can use to increment or decrement the stored value</a:t>
+            </a:r>
+          </a:p>
+          <a:p>
+            <a:pPr marL="0" indent="0">
+              <a:buNone/>
+            </a:pPr>
+            <a:endParaRPr lang="en-CA" dirty="0" smtClean="0"/>
+          </a:p>
+          <a:p>
+            <a:pPr marL="0" lvl="0" indent="0" defTabSz="914400" eaLnBrk="0" fontAlgn="base" hangingPunct="0">
+              <a:spcBef>
+                <a:spcPct val="0"/>
+              </a:spcBef>
+              <a:spcAft>
+                <a:spcPct val="0"/>
+              </a:spcAft>
+              <a:buNone/>
+            </a:pPr>
+            <a:r>
+              <a:rPr lang="en-US" altLang="en-US" sz="2800" dirty="0" err="1">
+                <a:solidFill>
+                  <a:srgbClr val="000000"/>
+                </a:solidFill>
+                <a:latin typeface="Consolas" panose="020B0609020204030204" pitchFamily="49" charset="0"/>
+                <a:cs typeface="Consolas" panose="020B0609020204030204" pitchFamily="49" charset="0"/>
+              </a:rPr>
+              <a:t>r.incr</a:t>
+            </a:r>
+            <a:r>
+              <a:rPr lang="en-US" altLang="en-US" sz="2800" dirty="0">
+                <a:solidFill>
+                  <a:srgbClr val="000000"/>
+                </a:solidFill>
+                <a:latin typeface="Consolas" panose="020B0609020204030204" pitchFamily="49" charset="0"/>
+                <a:cs typeface="Consolas" panose="020B0609020204030204" pitchFamily="49" charset="0"/>
+              </a:rPr>
+              <a:t>(</a:t>
+            </a:r>
+            <a:r>
+              <a:rPr lang="en-US" altLang="en-US" sz="2800" dirty="0">
+                <a:solidFill>
+                  <a:srgbClr val="A31515"/>
+                </a:solidFill>
+                <a:latin typeface="Consolas" panose="020B0609020204030204" pitchFamily="49" charset="0"/>
+                <a:cs typeface="Consolas" panose="020B0609020204030204" pitchFamily="49" charset="0"/>
+              </a:rPr>
+              <a:t>'</a:t>
+            </a:r>
+            <a:r>
+              <a:rPr lang="en-US" altLang="en-US" sz="2800" dirty="0" err="1">
+                <a:solidFill>
+                  <a:srgbClr val="A31515"/>
+                </a:solidFill>
+                <a:latin typeface="Consolas" panose="020B0609020204030204" pitchFamily="49" charset="0"/>
+                <a:cs typeface="Consolas" panose="020B0609020204030204" pitchFamily="49" charset="0"/>
+              </a:rPr>
+              <a:t>nbrVisitors</a:t>
+            </a:r>
+            <a:r>
+              <a:rPr lang="en-US" altLang="en-US" sz="2800" dirty="0">
+                <a:solidFill>
+                  <a:srgbClr val="A31515"/>
+                </a:solidFill>
+                <a:latin typeface="Consolas" panose="020B0609020204030204" pitchFamily="49" charset="0"/>
+                <a:cs typeface="Consolas" panose="020B0609020204030204" pitchFamily="49" charset="0"/>
+              </a:rPr>
+              <a:t>'</a:t>
+            </a:r>
+            <a:r>
+              <a:rPr lang="en-US" altLang="en-US" sz="2800" dirty="0">
+                <a:solidFill>
+                  <a:srgbClr val="000000"/>
+                </a:solidFill>
+                <a:latin typeface="Consolas" panose="020B0609020204030204" pitchFamily="49" charset="0"/>
+                <a:cs typeface="Consolas" panose="020B0609020204030204" pitchFamily="49" charset="0"/>
+              </a:rPr>
+              <a:t>)       </a:t>
+            </a:r>
+            <a:r>
+              <a:rPr lang="en-US" altLang="en-US" sz="2800" dirty="0">
+                <a:solidFill>
+                  <a:srgbClr val="008000"/>
+                </a:solidFill>
+                <a:latin typeface="Consolas" panose="020B0609020204030204" pitchFamily="49" charset="0"/>
+                <a:cs typeface="Consolas" panose="020B0609020204030204" pitchFamily="49" charset="0"/>
+              </a:rPr>
+              <a:t>#Increment </a:t>
+            </a:r>
+            <a:r>
+              <a:rPr lang="en-US" altLang="en-US" sz="2800" dirty="0" err="1">
+                <a:solidFill>
+                  <a:srgbClr val="008000"/>
+                </a:solidFill>
+                <a:latin typeface="Consolas" panose="020B0609020204030204" pitchFamily="49" charset="0"/>
+                <a:cs typeface="Consolas" panose="020B0609020204030204" pitchFamily="49" charset="0"/>
+              </a:rPr>
+              <a:t>nbrVisitors</a:t>
+            </a:r>
+            <a:r>
+              <a:rPr lang="en-US" altLang="en-US" sz="2800" dirty="0">
+                <a:solidFill>
+                  <a:srgbClr val="008000"/>
+                </a:solidFill>
+                <a:latin typeface="Consolas" panose="020B0609020204030204" pitchFamily="49" charset="0"/>
+                <a:cs typeface="Consolas" panose="020B0609020204030204" pitchFamily="49" charset="0"/>
+              </a:rPr>
+              <a:t> by 1</a:t>
+            </a:r>
+          </a:p>
+          <a:p>
+            <a:pPr marL="0" lvl="0" indent="0" defTabSz="914400" eaLnBrk="0" fontAlgn="base" hangingPunct="0">
+              <a:spcBef>
+                <a:spcPct val="0"/>
+              </a:spcBef>
+              <a:spcAft>
+                <a:spcPct val="0"/>
+              </a:spcAft>
+              <a:buNone/>
+            </a:pPr>
+            <a:r>
+              <a:rPr lang="en-US" altLang="en-US" sz="2800" dirty="0" err="1">
+                <a:solidFill>
+                  <a:srgbClr val="000000"/>
+                </a:solidFill>
+                <a:latin typeface="Consolas" panose="020B0609020204030204" pitchFamily="49" charset="0"/>
+                <a:cs typeface="Consolas" panose="020B0609020204030204" pitchFamily="49" charset="0"/>
+              </a:rPr>
+              <a:t>r.incrby</a:t>
+            </a:r>
+            <a:r>
+              <a:rPr lang="en-US" altLang="en-US" sz="2800" dirty="0">
+                <a:solidFill>
+                  <a:srgbClr val="000000"/>
+                </a:solidFill>
+                <a:latin typeface="Consolas" panose="020B0609020204030204" pitchFamily="49" charset="0"/>
+                <a:cs typeface="Consolas" panose="020B0609020204030204" pitchFamily="49" charset="0"/>
+              </a:rPr>
+              <a:t>(</a:t>
+            </a:r>
+            <a:r>
+              <a:rPr lang="en-US" altLang="en-US" sz="2800" dirty="0">
+                <a:solidFill>
+                  <a:srgbClr val="A31515"/>
+                </a:solidFill>
+                <a:latin typeface="Consolas" panose="020B0609020204030204" pitchFamily="49" charset="0"/>
+                <a:cs typeface="Consolas" panose="020B0609020204030204" pitchFamily="49" charset="0"/>
+              </a:rPr>
+              <a:t>'nbrVisitors'</a:t>
+            </a:r>
+            <a:r>
+              <a:rPr lang="en-US" altLang="en-US" sz="2800" dirty="0">
+                <a:solidFill>
+                  <a:srgbClr val="000000"/>
+                </a:solidFill>
+                <a:latin typeface="Consolas" panose="020B0609020204030204" pitchFamily="49" charset="0"/>
+                <a:cs typeface="Consolas" panose="020B0609020204030204" pitchFamily="49" charset="0"/>
+              </a:rPr>
+              <a:t>,5)   </a:t>
+            </a:r>
+            <a:r>
+              <a:rPr lang="en-US" altLang="en-US" sz="2800" dirty="0">
+                <a:solidFill>
+                  <a:srgbClr val="008000"/>
+                </a:solidFill>
+                <a:latin typeface="Consolas" panose="020B0609020204030204" pitchFamily="49" charset="0"/>
+                <a:cs typeface="Consolas" panose="020B0609020204030204" pitchFamily="49" charset="0"/>
+              </a:rPr>
+              <a:t>#</a:t>
+            </a:r>
+            <a:r>
+              <a:rPr lang="en-US" altLang="en-US" sz="2800" dirty="0" smtClean="0">
+                <a:solidFill>
+                  <a:srgbClr val="008000"/>
+                </a:solidFill>
+                <a:latin typeface="Consolas" panose="020B0609020204030204" pitchFamily="49" charset="0"/>
+                <a:cs typeface="Consolas" panose="020B0609020204030204" pitchFamily="49" charset="0"/>
+              </a:rPr>
+              <a:t>Increment</a:t>
+            </a:r>
+            <a:r>
+              <a:rPr lang="en-US" altLang="en-US" sz="2800" dirty="0">
+                <a:solidFill>
+                  <a:srgbClr val="008000"/>
+                </a:solidFill>
+                <a:latin typeface="Consolas" panose="020B0609020204030204" pitchFamily="49" charset="0"/>
+                <a:cs typeface="Consolas" panose="020B0609020204030204" pitchFamily="49" charset="0"/>
+              </a:rPr>
+              <a:t> </a:t>
+            </a:r>
+            <a:r>
+              <a:rPr lang="en-US" altLang="en-US" sz="2800" dirty="0" err="1">
+                <a:solidFill>
+                  <a:srgbClr val="008000"/>
+                </a:solidFill>
+                <a:latin typeface="Consolas" panose="020B0609020204030204" pitchFamily="49" charset="0"/>
+                <a:cs typeface="Consolas" panose="020B0609020204030204" pitchFamily="49" charset="0"/>
+              </a:rPr>
+              <a:t>nbrVisitors</a:t>
+            </a:r>
+            <a:r>
+              <a:rPr lang="en-US" altLang="en-US" sz="2800" dirty="0">
+                <a:solidFill>
+                  <a:srgbClr val="008000"/>
+                </a:solidFill>
+                <a:latin typeface="Consolas" panose="020B0609020204030204" pitchFamily="49" charset="0"/>
+                <a:cs typeface="Consolas" panose="020B0609020204030204" pitchFamily="49" charset="0"/>
+              </a:rPr>
+              <a:t> by 5</a:t>
+            </a:r>
+          </a:p>
+          <a:p>
+            <a:pPr marL="0" lvl="0" indent="0" defTabSz="914400" eaLnBrk="0" fontAlgn="base" hangingPunct="0">
+              <a:spcBef>
+                <a:spcPct val="0"/>
+              </a:spcBef>
+              <a:spcAft>
+                <a:spcPct val="0"/>
+              </a:spcAft>
+              <a:buNone/>
+            </a:pPr>
+            <a:r>
+              <a:rPr lang="en-US" altLang="en-US" sz="2800" dirty="0" err="1">
+                <a:solidFill>
+                  <a:srgbClr val="000000"/>
+                </a:solidFill>
+                <a:latin typeface="Consolas" panose="020B0609020204030204" pitchFamily="49" charset="0"/>
+                <a:cs typeface="Consolas" panose="020B0609020204030204" pitchFamily="49" charset="0"/>
+              </a:rPr>
+              <a:t>r.decr</a:t>
+            </a:r>
+            <a:r>
+              <a:rPr lang="en-US" altLang="en-US" sz="2800" dirty="0">
+                <a:solidFill>
+                  <a:srgbClr val="000000"/>
+                </a:solidFill>
+                <a:latin typeface="Consolas" panose="020B0609020204030204" pitchFamily="49" charset="0"/>
+                <a:cs typeface="Consolas" panose="020B0609020204030204" pitchFamily="49" charset="0"/>
+              </a:rPr>
+              <a:t>(</a:t>
+            </a:r>
+            <a:r>
+              <a:rPr lang="en-US" altLang="en-US" sz="2800" dirty="0">
+                <a:solidFill>
+                  <a:srgbClr val="A31515"/>
+                </a:solidFill>
+                <a:latin typeface="Consolas" panose="020B0609020204030204" pitchFamily="49" charset="0"/>
+                <a:cs typeface="Consolas" panose="020B0609020204030204" pitchFamily="49" charset="0"/>
+              </a:rPr>
+              <a:t>'</a:t>
+            </a:r>
+            <a:r>
+              <a:rPr lang="en-US" altLang="en-US" sz="2800" dirty="0" err="1">
+                <a:solidFill>
+                  <a:srgbClr val="A31515"/>
+                </a:solidFill>
+                <a:latin typeface="Consolas" panose="020B0609020204030204" pitchFamily="49" charset="0"/>
+                <a:cs typeface="Consolas" panose="020B0609020204030204" pitchFamily="49" charset="0"/>
+              </a:rPr>
+              <a:t>nbrVisitors</a:t>
+            </a:r>
+            <a:r>
+              <a:rPr lang="en-US" altLang="en-US" sz="2800" dirty="0">
+                <a:solidFill>
+                  <a:srgbClr val="A31515"/>
+                </a:solidFill>
+                <a:latin typeface="Consolas" panose="020B0609020204030204" pitchFamily="49" charset="0"/>
+                <a:cs typeface="Consolas" panose="020B0609020204030204" pitchFamily="49" charset="0"/>
+              </a:rPr>
+              <a:t>'</a:t>
+            </a:r>
+            <a:r>
+              <a:rPr lang="en-US" altLang="en-US" sz="2800" dirty="0">
+                <a:solidFill>
+                  <a:srgbClr val="000000"/>
+                </a:solidFill>
+                <a:latin typeface="Consolas" panose="020B0609020204030204" pitchFamily="49" charset="0"/>
+                <a:cs typeface="Consolas" panose="020B0609020204030204" pitchFamily="49" charset="0"/>
+              </a:rPr>
+              <a:t>)       </a:t>
+            </a:r>
+            <a:r>
+              <a:rPr lang="en-US" altLang="en-US" sz="2800" dirty="0">
+                <a:solidFill>
+                  <a:srgbClr val="008000"/>
+                </a:solidFill>
+                <a:latin typeface="Consolas" panose="020B0609020204030204" pitchFamily="49" charset="0"/>
+                <a:cs typeface="Consolas" panose="020B0609020204030204" pitchFamily="49" charset="0"/>
+              </a:rPr>
+              <a:t>#Decrement </a:t>
+            </a:r>
+            <a:r>
+              <a:rPr lang="en-US" altLang="en-US" sz="2800" dirty="0" err="1">
+                <a:solidFill>
+                  <a:srgbClr val="008000"/>
+                </a:solidFill>
+                <a:latin typeface="Consolas" panose="020B0609020204030204" pitchFamily="49" charset="0"/>
+                <a:cs typeface="Consolas" panose="020B0609020204030204" pitchFamily="49" charset="0"/>
+              </a:rPr>
+              <a:t>nbrVisitors</a:t>
+            </a:r>
+            <a:r>
+              <a:rPr lang="en-US" altLang="en-US" sz="2800" dirty="0">
+                <a:solidFill>
+                  <a:srgbClr val="008000"/>
+                </a:solidFill>
+                <a:latin typeface="Consolas" panose="020B0609020204030204" pitchFamily="49" charset="0"/>
+                <a:cs typeface="Consolas" panose="020B0609020204030204" pitchFamily="49" charset="0"/>
+              </a:rPr>
+              <a:t> by 1</a:t>
+            </a:r>
+            <a:endParaRPr lang="en-US" altLang="en-US" dirty="0">
+              <a:latin typeface="Arial" panose="020B0604020202020204" pitchFamily="34" charset="0"/>
+            </a:endParaRPr>
+          </a:p>
+          <a:p>
+            <a:pPr marL="0" indent="0">
+              <a:buNone/>
+            </a:pPr>
+            <a:endParaRPr lang="en-US" dirty="0"/>
+          </a:p>
+        </p:txBody>
+      </p:sp>
+    </p:spTree>
+    <p:extLst>
+      <p:ext uri="{BB962C8B-B14F-4D97-AF65-F5344CB8AC3E}">
+        <p14:creationId xmlns:p14="http://schemas.microsoft.com/office/powerpoint/2010/main" val="351493868"/>
+      </p:ext>
+    </p:extLst>
+  </p:cSld>
+  <p:clrMapOvr>
+    <a:masterClrMapping/>
+  </p:clrMapOvr>
+  <p:timing>
+    <p:tnLst>
+      <p:par>
+        <p:cTn id="1" dur="indefinite" restart="never" nodeType="tmRoot">
+          <p:childTnLst>
+            <p:seq concurrent="1" nextAc="seek">
+              <p:cTn id="2" dur="indefinite" nodeType="mainSeq">
+                <p:childTnLst>
+                  <p:par>
+                    <p:cTn id="3" fill="hold">
+                      <p:stCondLst>
+                        <p:cond delay="indefinite"/>
+                      </p:stCondLst>
+                      <p:childTnLst>
+                        <p:par>
+                          <p:cTn id="4" fill="hold">
+                            <p:stCondLst>
+                              <p:cond delay="0"/>
+                            </p:stCondLst>
+                            <p:childTnLst>
+                              <p:par>
+                                <p:cTn id="5" presetID="1" presetClass="entr" presetSubtype="0" fill="hold" nodeType="clickEffect">
+                                  <p:stCondLst>
+                                    <p:cond delay="0"/>
+                                  </p:stCondLst>
+                                  <p:childTnLst>
+                                    <p:set>
+                                      <p:cBhvr>
+                                        <p:cTn id="6" dur="1" fill="hold">
+                                          <p:stCondLst>
+                                            <p:cond delay="0"/>
+                                          </p:stCondLst>
+                                        </p:cTn>
+                                        <p:tgtEl>
+                                          <p:spTgt spid="3">
+                                            <p:txEl>
+                                              <p:pRg st="1" end="1"/>
+                                            </p:txEl>
+                                          </p:spTgt>
+                                        </p:tgtEl>
+                                        <p:attrNameLst>
+                                          <p:attrName>style.visibility</p:attrName>
+                                        </p:attrNameLst>
+                                      </p:cBhvr>
+                                      <p:to>
+                                        <p:strVal val="visible"/>
+                                      </p:to>
+                                    </p:set>
+                                  </p:childTnLst>
+                                </p:cTn>
+                              </p:par>
+                            </p:childTnLst>
+                          </p:cTn>
+                        </p:par>
+                      </p:childTnLst>
+                    </p:cTn>
+                  </p:par>
+                  <p:par>
+                    <p:cTn id="7" fill="hold">
+                      <p:stCondLst>
+                        <p:cond delay="indefinite"/>
+                      </p:stCondLst>
+                      <p:childTnLst>
+                        <p:par>
+                          <p:cTn id="8" fill="hold">
+                            <p:stCondLst>
+                              <p:cond delay="0"/>
+                            </p:stCondLst>
+                            <p:childTnLst>
+                              <p:par>
+                                <p:cTn id="9" presetID="1" presetClass="entr" presetSubtype="0" fill="hold" nodeType="clickEffect">
+                                  <p:stCondLst>
+                                    <p:cond delay="0"/>
+                                  </p:stCondLst>
+                                  <p:childTnLst>
+                                    <p:set>
+                                      <p:cBhvr>
+                                        <p:cTn id="10" dur="1" fill="hold">
+                                          <p:stCondLst>
+                                            <p:cond delay="0"/>
+                                          </p:stCondLst>
+                                        </p:cTn>
+                                        <p:tgtEl>
+                                          <p:spTgt spid="3">
+                                            <p:txEl>
+                                              <p:pRg st="3" end="3"/>
+                                            </p:txEl>
+                                          </p:spTgt>
+                                        </p:tgtEl>
+                                        <p:attrNameLst>
+                                          <p:attrName>style.visibility</p:attrName>
+                                        </p:attrNameLst>
+                                      </p:cBhvr>
+                                      <p:to>
+                                        <p:strVal val="visible"/>
+                                      </p:to>
+                                    </p:set>
+                                  </p:childTnLst>
+                                </p:cTn>
+                              </p:par>
+                            </p:childTnLst>
+                          </p:cTn>
+                        </p:par>
+                      </p:childTnLst>
+                    </p:cTn>
+                  </p:par>
+                  <p:par>
+                    <p:cTn id="11" fill="hold">
+                      <p:stCondLst>
+                        <p:cond delay="indefinite"/>
+                      </p:stCondLst>
+                      <p:childTnLst>
+                        <p:par>
+                          <p:cTn id="12" fill="hold">
+                            <p:stCondLst>
+                              <p:cond delay="0"/>
+                            </p:stCondLst>
+                            <p:childTnLst>
+                              <p:par>
+                                <p:cTn id="13" presetID="1" presetClass="entr" presetSubtype="0" fill="hold" nodeType="clickEffect">
+                                  <p:stCondLst>
+                                    <p:cond delay="0"/>
+                                  </p:stCondLst>
+                                  <p:childTnLst>
+                                    <p:set>
+                                      <p:cBhvr>
+                                        <p:cTn id="14" dur="1" fill="hold">
+                                          <p:stCondLst>
+                                            <p:cond delay="0"/>
+                                          </p:stCondLst>
+                                        </p:cTn>
+                                        <p:tgtEl>
+                                          <p:spTgt spid="3">
+                                            <p:txEl>
+                                              <p:pRg st="4" end="4"/>
+                                            </p:txEl>
+                                          </p:spTgt>
+                                        </p:tgtEl>
+                                        <p:attrNameLst>
+                                          <p:attrName>style.visibility</p:attrName>
+                                        </p:attrNameLst>
+                                      </p:cBhvr>
+                                      <p:to>
+                                        <p:strVal val="visible"/>
+                                      </p:to>
+                                    </p:set>
+                                  </p:childTnLst>
+                                </p:cTn>
+                              </p:par>
+                            </p:childTnLst>
+                          </p:cTn>
+                        </p:par>
+                      </p:childTnLst>
+                    </p:cTn>
+                  </p:par>
+                  <p:par>
+                    <p:cTn id="15" fill="hold">
+                      <p:stCondLst>
+                        <p:cond delay="indefinite"/>
+                      </p:stCondLst>
+                      <p:childTnLst>
+                        <p:par>
+                          <p:cTn id="16" fill="hold">
+                            <p:stCondLst>
+                              <p:cond delay="0"/>
+                            </p:stCondLst>
+                            <p:childTnLst>
+                              <p:par>
+                                <p:cTn id="17" presetID="1" presetClass="entr" presetSubtype="0" fill="hold" nodeType="clickEffect">
+                                  <p:stCondLst>
+                                    <p:cond delay="0"/>
+                                  </p:stCondLst>
+                                  <p:childTnLst>
+                                    <p:set>
+                                      <p:cBhvr>
+                                        <p:cTn id="18" dur="1" fill="hold">
+                                          <p:stCondLst>
+                                            <p:cond delay="0"/>
+                                          </p:stCondLst>
+                                        </p:cTn>
+                                        <p:tgtEl>
+                                          <p:spTgt spid="3">
+                                            <p:txEl>
+                                              <p:pRg st="5" end="5"/>
+                                            </p:txEl>
+                                          </p:spTgt>
+                                        </p:tgtEl>
+                                        <p:attrNameLst>
+                                          <p:attrName>style.visibility</p:attrName>
+                                        </p:attrNameLst>
+                                      </p:cBhvr>
+                                      <p:to>
+                                        <p:strVal val="visible"/>
+                                      </p:to>
+                                    </p:set>
+                                  </p:childTnLst>
+                                </p:cTn>
+                              </p:par>
+                            </p:childTnLst>
+                          </p:cTn>
+                        </p:par>
+                      </p:childTnLst>
+                    </p:cTn>
+                  </p:par>
+                </p:childTnLst>
+              </p:cTn>
+              <p:prevCondLst>
+                <p:cond evt="onPrev" delay="0">
+                  <p:tgtEl>
+                    <p:sldTgt/>
+                  </p:tgtEl>
+                </p:cond>
+              </p:prevCondLst>
+              <p:nextCondLst>
+                <p:cond evt="onNext" delay="0">
+                  <p:tgtEl>
+                    <p:sldTgt/>
+                  </p:tgtEl>
+                </p:cond>
+              </p:nextCondLst>
+            </p:seq>
+          </p:childTnLst>
+        </p:cTn>
+      </p:par>
+    </p:tnLst>
+  </p:timing>
+</p:sld>
+</file>
+
+<file path=ppt/slides/slide11.xml><?xml version="1.0" encoding="utf-8"?>
+<p:sld xmlns:a="http://schemas.openxmlformats.org/drawingml/2006/main" xmlns:r="http://schemas.openxmlformats.org/officeDocument/2006/relationships" xmlns:p="http://schemas.openxmlformats.org/presentationml/2006/main">
+  <p:cSld>
+    <p:spTree>
+      <p:nvGrpSpPr>
+        <p:cNvPr id="1" name=""/>
+        <p:cNvGrpSpPr/>
+        <p:nvPr/>
+      </p:nvGrpSpPr>
+      <p:grpSpPr>
+        <a:xfrm>
+          <a:off x="0" y="0"/>
+          <a:ext cx="0" cy="0"/>
+          <a:chOff x="0" y="0"/>
+          <a:chExt cx="0" cy="0"/>
+        </a:xfrm>
+      </p:grpSpPr>
+      <p:sp>
+        <p:nvSpPr>
+          <p:cNvPr id="6" name="Title 5"/>
+          <p:cNvSpPr>
+            <a:spLocks noGrp="1"/>
+          </p:cNvSpPr>
+          <p:nvPr>
+            <p:ph type="title"/>
+          </p:nvPr>
+        </p:nvSpPr>
+        <p:spPr/>
+        <p:txBody>
+          <a:bodyPr>
+            <a:normAutofit fontScale="90000"/>
+          </a:bodyPr>
+          <a:lstStyle/>
+          <a:p>
+            <a:r>
+              <a:rPr lang="en-CA" dirty="0" smtClean="0"/>
+              <a:t>What do you think will happen if you try to set a key that already exists?</a:t>
+            </a:r>
+            <a:r>
+              <a:rPr lang="en-US" dirty="0"/>
+              <a:t/>
+            </a:r>
+            <a:br>
+              <a:rPr lang="en-US" dirty="0"/>
+            </a:br>
+            <a:endParaRPr lang="en-US" dirty="0"/>
+          </a:p>
+        </p:txBody>
+      </p:sp>
+      <p:sp>
+        <p:nvSpPr>
+          <p:cNvPr id="5" name="Text Placeholder 4"/>
+          <p:cNvSpPr>
+            <a:spLocks noGrp="1"/>
+          </p:cNvSpPr>
+          <p:nvPr>
+            <p:ph sz="quarter" idx="10"/>
+          </p:nvPr>
+        </p:nvSpPr>
+        <p:spPr/>
+        <p:txBody>
+          <a:bodyPr/>
+          <a:lstStyle/>
+          <a:p>
+            <a:pPr marL="0" lvl="0" indent="0" defTabSz="914400" eaLnBrk="0" fontAlgn="base" hangingPunct="0">
+              <a:spcBef>
+                <a:spcPct val="0"/>
+              </a:spcBef>
+              <a:spcAft>
+                <a:spcPct val="0"/>
+              </a:spcAft>
+              <a:buNone/>
+            </a:pPr>
+            <a:r>
+              <a:rPr lang="en-US" altLang="en-US" dirty="0" err="1">
+                <a:solidFill>
+                  <a:srgbClr val="000000"/>
+                </a:solidFill>
+                <a:latin typeface="Consolas" panose="020B0609020204030204" pitchFamily="49" charset="0"/>
+                <a:cs typeface="Consolas" panose="020B0609020204030204" pitchFamily="49" charset="0"/>
+              </a:rPr>
+              <a:t>r.set</a:t>
+            </a:r>
+            <a:r>
+              <a:rPr lang="en-US" altLang="en-US" dirty="0">
+                <a:solidFill>
+                  <a:srgbClr val="000000"/>
+                </a:solidFill>
+                <a:latin typeface="Consolas" panose="020B0609020204030204" pitchFamily="49" charset="0"/>
+                <a:cs typeface="Consolas" panose="020B0609020204030204" pitchFamily="49" charset="0"/>
+              </a:rPr>
+              <a:t>(</a:t>
+            </a:r>
+            <a:r>
+              <a:rPr lang="en-US" altLang="en-US" dirty="0">
+                <a:solidFill>
+                  <a:srgbClr val="A31515"/>
+                </a:solidFill>
+                <a:latin typeface="Consolas" panose="020B0609020204030204" pitchFamily="49" charset="0"/>
+                <a:cs typeface="Consolas" panose="020B0609020204030204" pitchFamily="49" charset="0"/>
+              </a:rPr>
+              <a:t>'</a:t>
+            </a:r>
+            <a:r>
+              <a:rPr lang="en-US" altLang="en-US" dirty="0" err="1">
+                <a:solidFill>
+                  <a:srgbClr val="A31515"/>
+                </a:solidFill>
+                <a:latin typeface="Consolas" panose="020B0609020204030204" pitchFamily="49" charset="0"/>
+                <a:cs typeface="Consolas" panose="020B0609020204030204" pitchFamily="49" charset="0"/>
+              </a:rPr>
+              <a:t>firstname</a:t>
+            </a:r>
+            <a:r>
+              <a:rPr lang="en-US" altLang="en-US" dirty="0">
+                <a:solidFill>
+                  <a:srgbClr val="A31515"/>
+                </a:solidFill>
+                <a:latin typeface="Consolas" panose="020B0609020204030204" pitchFamily="49" charset="0"/>
+                <a:cs typeface="Consolas" panose="020B0609020204030204" pitchFamily="49" charset="0"/>
+              </a:rPr>
+              <a:t>'</a:t>
+            </a:r>
+            <a:r>
+              <a:rPr lang="en-US" altLang="en-US" dirty="0">
+                <a:solidFill>
+                  <a:srgbClr val="000000"/>
+                </a:solidFill>
+                <a:latin typeface="Consolas" panose="020B0609020204030204" pitchFamily="49" charset="0"/>
+                <a:cs typeface="Consolas" panose="020B0609020204030204" pitchFamily="49" charset="0"/>
+              </a:rPr>
+              <a:t>,</a:t>
+            </a:r>
+            <a:r>
+              <a:rPr lang="en-US" altLang="en-US" dirty="0">
+                <a:solidFill>
+                  <a:srgbClr val="A31515"/>
+                </a:solidFill>
+                <a:latin typeface="Consolas" panose="020B0609020204030204" pitchFamily="49" charset="0"/>
+                <a:cs typeface="Consolas" panose="020B0609020204030204" pitchFamily="49" charset="0"/>
+              </a:rPr>
+              <a:t>'Bill'</a:t>
+            </a:r>
+            <a:r>
+              <a:rPr lang="en-US" altLang="en-US" dirty="0">
+                <a:solidFill>
+                  <a:srgbClr val="000000"/>
+                </a:solidFill>
+                <a:latin typeface="Consolas" panose="020B0609020204030204" pitchFamily="49" charset="0"/>
+                <a:cs typeface="Consolas" panose="020B0609020204030204" pitchFamily="49" charset="0"/>
+              </a:rPr>
+              <a:t>)</a:t>
+            </a:r>
+            <a:endParaRPr lang="en-US" altLang="en-US" sz="3600" dirty="0">
+              <a:latin typeface="Arial" panose="020B0604020202020204" pitchFamily="34" charset="0"/>
+            </a:endParaRPr>
+          </a:p>
+          <a:p>
+            <a:pPr marL="0" lvl="0" indent="0" defTabSz="914400" eaLnBrk="0" fontAlgn="base" hangingPunct="0">
+              <a:spcBef>
+                <a:spcPct val="0"/>
+              </a:spcBef>
+              <a:spcAft>
+                <a:spcPct val="0"/>
+              </a:spcAft>
+              <a:buNone/>
+            </a:pPr>
+            <a:endParaRPr lang="en-US" altLang="en-US" dirty="0" smtClean="0">
+              <a:solidFill>
+                <a:srgbClr val="000000"/>
+              </a:solidFill>
+              <a:latin typeface="Consolas" panose="020B0609020204030204" pitchFamily="49" charset="0"/>
+              <a:cs typeface="Consolas" panose="020B0609020204030204" pitchFamily="49" charset="0"/>
+            </a:endParaRPr>
+          </a:p>
+          <a:p>
+            <a:pPr marL="0" lvl="0" indent="0" defTabSz="914400" eaLnBrk="0" fontAlgn="base" hangingPunct="0">
+              <a:spcBef>
+                <a:spcPct val="0"/>
+              </a:spcBef>
+              <a:spcAft>
+                <a:spcPct val="0"/>
+              </a:spcAft>
+              <a:buNone/>
+            </a:pPr>
+            <a:r>
+              <a:rPr lang="en-US" altLang="en-US" dirty="0" err="1" smtClean="0">
+                <a:solidFill>
+                  <a:srgbClr val="000000"/>
+                </a:solidFill>
+                <a:latin typeface="Consolas" panose="020B0609020204030204" pitchFamily="49" charset="0"/>
+                <a:cs typeface="Consolas" panose="020B0609020204030204" pitchFamily="49" charset="0"/>
+              </a:rPr>
+              <a:t>r.set</a:t>
+            </a:r>
+            <a:r>
+              <a:rPr lang="en-US" altLang="en-US" dirty="0">
+                <a:solidFill>
+                  <a:srgbClr val="000000"/>
+                </a:solidFill>
+                <a:latin typeface="Consolas" panose="020B0609020204030204" pitchFamily="49" charset="0"/>
+                <a:cs typeface="Consolas" panose="020B0609020204030204" pitchFamily="49" charset="0"/>
+              </a:rPr>
+              <a:t>(</a:t>
+            </a:r>
+            <a:r>
+              <a:rPr lang="en-US" altLang="en-US" dirty="0">
+                <a:solidFill>
+                  <a:srgbClr val="A31515"/>
+                </a:solidFill>
+                <a:latin typeface="Consolas" panose="020B0609020204030204" pitchFamily="49" charset="0"/>
+                <a:cs typeface="Consolas" panose="020B0609020204030204" pitchFamily="49" charset="0"/>
+              </a:rPr>
+              <a:t>'</a:t>
+            </a:r>
+            <a:r>
+              <a:rPr lang="en-US" altLang="en-US" dirty="0" err="1">
+                <a:solidFill>
+                  <a:srgbClr val="A31515"/>
+                </a:solidFill>
+                <a:latin typeface="Consolas" panose="020B0609020204030204" pitchFamily="49" charset="0"/>
+                <a:cs typeface="Consolas" panose="020B0609020204030204" pitchFamily="49" charset="0"/>
+              </a:rPr>
+              <a:t>firstname</a:t>
+            </a:r>
+            <a:r>
+              <a:rPr lang="en-US" altLang="en-US" dirty="0">
+                <a:solidFill>
+                  <a:srgbClr val="A31515"/>
+                </a:solidFill>
+                <a:latin typeface="Consolas" panose="020B0609020204030204" pitchFamily="49" charset="0"/>
+                <a:cs typeface="Consolas" panose="020B0609020204030204" pitchFamily="49" charset="0"/>
+              </a:rPr>
+              <a:t>'</a:t>
+            </a:r>
+            <a:r>
+              <a:rPr lang="en-US" altLang="en-US" dirty="0">
+                <a:solidFill>
+                  <a:srgbClr val="000000"/>
+                </a:solidFill>
+                <a:latin typeface="Consolas" panose="020B0609020204030204" pitchFamily="49" charset="0"/>
+                <a:cs typeface="Consolas" panose="020B0609020204030204" pitchFamily="49" charset="0"/>
+              </a:rPr>
+              <a:t>,</a:t>
+            </a:r>
+            <a:r>
+              <a:rPr lang="en-US" altLang="en-US" dirty="0" smtClean="0">
+                <a:solidFill>
+                  <a:srgbClr val="A31515"/>
+                </a:solidFill>
+                <a:latin typeface="Consolas" panose="020B0609020204030204" pitchFamily="49" charset="0"/>
+                <a:cs typeface="Consolas" panose="020B0609020204030204" pitchFamily="49" charset="0"/>
+              </a:rPr>
+              <a:t>'Satya'</a:t>
+            </a:r>
+            <a:r>
+              <a:rPr lang="en-US" altLang="en-US" dirty="0" smtClean="0">
+                <a:solidFill>
+                  <a:srgbClr val="000000"/>
+                </a:solidFill>
+                <a:latin typeface="Consolas" panose="020B0609020204030204" pitchFamily="49" charset="0"/>
+                <a:cs typeface="Consolas" panose="020B0609020204030204" pitchFamily="49" charset="0"/>
+              </a:rPr>
+              <a:t>)</a:t>
+            </a:r>
+            <a:endParaRPr lang="en-US" altLang="en-US" sz="3600" dirty="0">
+              <a:latin typeface="Arial" panose="020B0604020202020204" pitchFamily="34" charset="0"/>
+            </a:endParaRPr>
+          </a:p>
+          <a:p>
+            <a:pPr marL="0" indent="0">
+              <a:buNone/>
+            </a:pPr>
+            <a:endParaRPr lang="en-CA" dirty="0" smtClean="0"/>
+          </a:p>
+          <a:p>
+            <a:pPr marL="0" indent="0">
+              <a:buNone/>
+            </a:pPr>
+            <a:r>
+              <a:rPr lang="en-CA" dirty="0" smtClean="0"/>
+              <a:t>It </a:t>
+            </a:r>
+            <a:r>
+              <a:rPr lang="en-CA" dirty="0"/>
+              <a:t>will overwrite the existing value</a:t>
+            </a:r>
+          </a:p>
+          <a:p>
+            <a:pPr marL="0" indent="0">
+              <a:buNone/>
+            </a:pPr>
+            <a:endParaRPr lang="en-US" dirty="0"/>
+          </a:p>
+        </p:txBody>
+      </p:sp>
+      <p:graphicFrame>
+        <p:nvGraphicFramePr>
+          <p:cNvPr id="3" name="Table 2"/>
+          <p:cNvGraphicFramePr>
+            <a:graphicFrameLocks noGrp="1"/>
+          </p:cNvGraphicFramePr>
+          <p:nvPr>
+            <p:extLst>
+              <p:ext uri="{D42A27DB-BD31-4B8C-83A1-F6EECF244321}">
+                <p14:modId xmlns:p14="http://schemas.microsoft.com/office/powerpoint/2010/main" val="703715876"/>
+              </p:ext>
+            </p:extLst>
+          </p:nvPr>
+        </p:nvGraphicFramePr>
+        <p:xfrm>
+          <a:off x="2707409" y="4377266"/>
+          <a:ext cx="5532582" cy="741680"/>
+        </p:xfrm>
+        <a:graphic>
+          <a:graphicData uri="http://schemas.openxmlformats.org/drawingml/2006/table">
+            <a:tbl>
+              <a:tblPr firstRow="1" bandRow="1">
+                <a:tableStyleId>{5C22544A-7EE6-4342-B048-85BDC9FD1C3A}</a:tableStyleId>
+              </a:tblPr>
+              <a:tblGrid>
+                <a:gridCol w="2633518"/>
+                <a:gridCol w="2899064"/>
+              </a:tblGrid>
+              <a:tr h="370840">
+                <a:tc>
+                  <a:txBody>
+                    <a:bodyPr/>
+                    <a:lstStyle/>
+                    <a:p>
+                      <a:r>
+                        <a:rPr lang="en-CA" dirty="0" smtClean="0"/>
+                        <a:t>Key</a:t>
+                      </a:r>
+                      <a:endParaRPr lang="en-US" dirty="0"/>
+                    </a:p>
+                  </a:txBody>
+                  <a:tcPr/>
+                </a:tc>
+                <a:tc>
+                  <a:txBody>
+                    <a:bodyPr/>
+                    <a:lstStyle/>
+                    <a:p>
+                      <a:r>
+                        <a:rPr lang="en-CA" dirty="0" smtClean="0"/>
+                        <a:t>Value</a:t>
+                      </a:r>
+                      <a:endParaRPr lang="en-US" dirty="0"/>
+                    </a:p>
+                  </a:txBody>
+                  <a:tcPr/>
+                </a:tc>
+              </a:tr>
+              <a:tr h="370840">
+                <a:tc>
+                  <a:txBody>
+                    <a:bodyPr/>
+                    <a:lstStyle/>
+                    <a:p>
+                      <a:r>
+                        <a:rPr lang="en-CA" dirty="0" err="1" smtClean="0"/>
+                        <a:t>firstname</a:t>
+                      </a:r>
+                      <a:endParaRPr lang="en-US" dirty="0"/>
+                    </a:p>
+                  </a:txBody>
+                  <a:tcPr/>
+                </a:tc>
+                <a:tc>
+                  <a:txBody>
+                    <a:bodyPr/>
+                    <a:lstStyle/>
+                    <a:p>
+                      <a:r>
+                        <a:rPr lang="en-CA" dirty="0" smtClean="0"/>
+                        <a:t>Bill</a:t>
+                      </a:r>
+                      <a:endParaRPr lang="en-US" dirty="0"/>
+                    </a:p>
+                  </a:txBody>
+                  <a:tcPr/>
+                </a:tc>
+              </a:tr>
+            </a:tbl>
+          </a:graphicData>
+        </a:graphic>
+      </p:graphicFrame>
+      <p:sp>
+        <p:nvSpPr>
+          <p:cNvPr id="2" name="Multiply 1"/>
+          <p:cNvSpPr/>
+          <p:nvPr/>
+        </p:nvSpPr>
+        <p:spPr>
+          <a:xfrm>
+            <a:off x="5309755" y="4800600"/>
+            <a:ext cx="581890" cy="259773"/>
+          </a:xfrm>
+          <a:prstGeom prst="mathMultiply">
+            <a:avLst/>
+          </a:prstGeom>
+          <a:solidFill>
+            <a:srgbClr val="FF0000"/>
+          </a:solidFill>
+          <a:ln>
+            <a:solidFill>
+              <a:srgbClr val="FF0000"/>
+            </a:solidFill>
+          </a:ln>
+        </p:spPr>
+        <p:style>
+          <a:lnRef idx="2">
+            <a:schemeClr val="accent1">
+              <a:shade val="50000"/>
+            </a:schemeClr>
+          </a:lnRef>
+          <a:fillRef idx="1">
+            <a:schemeClr val="accent1"/>
+          </a:fillRef>
+          <a:effectRef idx="0">
+            <a:schemeClr val="accent1"/>
+          </a:effectRef>
+          <a:fontRef idx="minor">
+            <a:schemeClr val="lt1"/>
+          </a:fontRef>
+        </p:style>
+        <p:txBody>
+          <a:bodyPr rtlCol="0" anchor="ctr"/>
+          <a:lstStyle/>
+          <a:p>
+            <a:pPr algn="ctr"/>
+            <a:endParaRPr lang="en-US"/>
+          </a:p>
+        </p:txBody>
+      </p:sp>
+      <p:sp>
+        <p:nvSpPr>
+          <p:cNvPr id="4" name="TextBox 3"/>
+          <p:cNvSpPr txBox="1"/>
+          <p:nvPr/>
+        </p:nvSpPr>
+        <p:spPr>
+          <a:xfrm>
+            <a:off x="5850081" y="4727409"/>
+            <a:ext cx="687239" cy="369332"/>
+          </a:xfrm>
+          <a:prstGeom prst="rect">
+            <a:avLst/>
+          </a:prstGeom>
+          <a:noFill/>
+        </p:spPr>
+        <p:txBody>
+          <a:bodyPr wrap="none" rtlCol="0">
+            <a:spAutoFit/>
+          </a:bodyPr>
+          <a:lstStyle/>
+          <a:p>
+            <a:r>
+              <a:rPr lang="en-CA" dirty="0" smtClean="0"/>
+              <a:t>Satya</a:t>
+            </a:r>
+            <a:endParaRPr lang="en-US" dirty="0"/>
+          </a:p>
+        </p:txBody>
+      </p:sp>
+    </p:spTree>
+    <p:extLst>
+      <p:ext uri="{BB962C8B-B14F-4D97-AF65-F5344CB8AC3E}">
+        <p14:creationId xmlns:p14="http://schemas.microsoft.com/office/powerpoint/2010/main" val="3298718320"/>
+      </p:ext>
+    </p:extLst>
+  </p:cSld>
+  <p:clrMapOvr>
+    <a:masterClrMapping/>
+  </p:clrMapOvr>
+  <p:timing>
+    <p:tnLst>
+      <p:par>
+        <p:cTn id="1" dur="indefinite" restart="never" nodeType="tmRoot">
+          <p:childTnLst>
+            <p:seq concurrent="1" nextAc="seek">
+              <p:cTn id="2" dur="indefinite" nodeType="mainSeq">
+                <p:childTnLst>
+                  <p:par>
+                    <p:cTn id="3" fill="hold">
+                      <p:stCondLst>
+                        <p:cond delay="indefinite"/>
+                        <p:cond evt="onBegin" delay="0">
+                          <p:tn val="2"/>
+                        </p:cond>
+                      </p:stCondLst>
+                      <p:childTnLst>
+                        <p:par>
+                          <p:cTn id="4" fill="hold">
+                            <p:stCondLst>
+                              <p:cond delay="0"/>
+                            </p:stCondLst>
+                            <p:childTnLst>
+                              <p:par>
+                                <p:cTn id="5" presetID="1" presetClass="entr" presetSubtype="0" fill="hold" nodeType="withEffect">
+                                  <p:stCondLst>
+                                    <p:cond delay="0"/>
+                                  </p:stCondLst>
+                                  <p:childTnLst>
+                                    <p:set>
+                                      <p:cBhvr>
+                                        <p:cTn id="6" dur="1" fill="hold">
+                                          <p:stCondLst>
+                                            <p:cond delay="0"/>
+                                          </p:stCondLst>
+                                        </p:cTn>
+                                        <p:tgtEl>
+                                          <p:spTgt spid="3"/>
+                                        </p:tgtEl>
+                                        <p:attrNameLst>
+                                          <p:attrName>style.visibility</p:attrName>
+                                        </p:attrNameLst>
+                                      </p:cBhvr>
+                                      <p:to>
+                                        <p:strVal val="visible"/>
+                                      </p:to>
+                                    </p:set>
+                                  </p:childTnLst>
+                                </p:cTn>
+                              </p:par>
+                            </p:childTnLst>
+                          </p:cTn>
+                        </p:par>
+                      </p:childTnLst>
+                    </p:cTn>
+                  </p:par>
+                  <p:par>
+                    <p:cTn id="7" fill="hold">
+                      <p:stCondLst>
+                        <p:cond delay="indefinite"/>
+                      </p:stCondLst>
+                      <p:childTnLst>
+                        <p:par>
+                          <p:cTn id="8" fill="hold">
+                            <p:stCondLst>
+                              <p:cond delay="0"/>
+                            </p:stCondLst>
+                            <p:childTnLst>
+                              <p:par>
+                                <p:cTn id="9" presetID="1" presetClass="entr" presetSubtype="0" fill="hold" grpId="0" nodeType="clickEffect">
+                                  <p:stCondLst>
+                                    <p:cond delay="0"/>
+                                  </p:stCondLst>
+                                  <p:childTnLst>
+                                    <p:set>
+                                      <p:cBhvr>
+                                        <p:cTn id="10" dur="1" fill="hold">
+                                          <p:stCondLst>
+                                            <p:cond delay="0"/>
+                                          </p:stCondLst>
+                                        </p:cTn>
+                                        <p:tgtEl>
+                                          <p:spTgt spid="5">
+                                            <p:txEl>
+                                              <p:pRg st="0" end="0"/>
+                                            </p:txEl>
+                                          </p:spTgt>
+                                        </p:tgtEl>
+                                        <p:attrNameLst>
+                                          <p:attrName>style.visibility</p:attrName>
+                                        </p:attrNameLst>
+                                      </p:cBhvr>
+                                      <p:to>
+                                        <p:strVal val="visible"/>
+                                      </p:to>
+                                    </p:set>
+                                  </p:childTnLst>
+                                </p:cTn>
+                              </p:par>
+                            </p:childTnLst>
+                          </p:cTn>
+                        </p:par>
+                      </p:childTnLst>
+                    </p:cTn>
+                  </p:par>
+                  <p:par>
+                    <p:cTn id="11" fill="hold">
+                      <p:stCondLst>
+                        <p:cond delay="indefinite"/>
+                      </p:stCondLst>
+                      <p:childTnLst>
+                        <p:par>
+                          <p:cTn id="12" fill="hold">
+                            <p:stCondLst>
+                              <p:cond delay="0"/>
+                            </p:stCondLst>
+                            <p:childTnLst>
+                              <p:par>
+                                <p:cTn id="13" presetID="1" presetClass="entr" presetSubtype="0" fill="hold" grpId="0" nodeType="clickEffect">
+                                  <p:stCondLst>
+                                    <p:cond delay="0"/>
+                                  </p:stCondLst>
+                                  <p:childTnLst>
+                                    <p:set>
+                                      <p:cBhvr>
+                                        <p:cTn id="14" dur="1" fill="hold">
+                                          <p:stCondLst>
+                                            <p:cond delay="0"/>
+                                          </p:stCondLst>
+                                        </p:cTn>
+                                        <p:tgtEl>
+                                          <p:spTgt spid="5">
+                                            <p:txEl>
+                                              <p:pRg st="2" end="2"/>
+                                            </p:txEl>
+                                          </p:spTgt>
+                                        </p:tgtEl>
+                                        <p:attrNameLst>
+                                          <p:attrName>style.visibility</p:attrName>
+                                        </p:attrNameLst>
+                                      </p:cBhvr>
+                                      <p:to>
+                                        <p:strVal val="visible"/>
+                                      </p:to>
+                                    </p:set>
+                                  </p:childTnLst>
+                                </p:cTn>
+                              </p:par>
+                            </p:childTnLst>
+                          </p:cTn>
+                        </p:par>
+                      </p:childTnLst>
+                    </p:cTn>
+                  </p:par>
+                  <p:par>
+                    <p:cTn id="15" fill="hold">
+                      <p:stCondLst>
+                        <p:cond delay="indefinite"/>
+                      </p:stCondLst>
+                      <p:childTnLst>
+                        <p:par>
+                          <p:cTn id="16" fill="hold">
+                            <p:stCondLst>
+                              <p:cond delay="0"/>
+                            </p:stCondLst>
+                            <p:childTnLst>
+                              <p:par>
+                                <p:cTn id="17" presetID="1" presetClass="entr" presetSubtype="0" fill="hold" grpId="0" nodeType="clickEffect">
+                                  <p:stCondLst>
+                                    <p:cond delay="0"/>
+                                  </p:stCondLst>
+                                  <p:childTnLst>
+                                    <p:set>
+                                      <p:cBhvr>
+                                        <p:cTn id="18" dur="1" fill="hold">
+                                          <p:stCondLst>
+                                            <p:cond delay="0"/>
+                                          </p:stCondLst>
+                                        </p:cTn>
+                                        <p:tgtEl>
+                                          <p:spTgt spid="5">
+                                            <p:txEl>
+                                              <p:pRg st="4" end="4"/>
+                                            </p:txEl>
+                                          </p:spTgt>
+                                        </p:tgtEl>
+                                        <p:attrNameLst>
+                                          <p:attrName>style.visibility</p:attrName>
+                                        </p:attrNameLst>
+                                      </p:cBhvr>
+                                      <p:to>
+                                        <p:strVal val="visible"/>
+                                      </p:to>
+                                    </p:set>
+                                  </p:childTnLst>
+                                </p:cTn>
+                              </p:par>
+                            </p:childTnLst>
+                          </p:cTn>
+                        </p:par>
+                      </p:childTnLst>
+                    </p:cTn>
+                  </p:par>
+                  <p:par>
+                    <p:cTn id="19" fill="hold">
+                      <p:stCondLst>
+                        <p:cond delay="indefinite"/>
+                      </p:stCondLst>
+                      <p:childTnLst>
+                        <p:par>
+                          <p:cTn id="20" fill="hold">
+                            <p:stCondLst>
+                              <p:cond delay="0"/>
+                            </p:stCondLst>
+                            <p:childTnLst>
+                              <p:par>
+                                <p:cTn id="21" presetID="1" presetClass="entr" presetSubtype="0" fill="hold" grpId="0" nodeType="clickEffect">
+                                  <p:stCondLst>
+                                    <p:cond delay="0"/>
+                                  </p:stCondLst>
+                                  <p:childTnLst>
+                                    <p:set>
+                                      <p:cBhvr>
+                                        <p:cTn id="22" dur="1" fill="hold">
+                                          <p:stCondLst>
+                                            <p:cond delay="0"/>
+                                          </p:stCondLst>
+                                        </p:cTn>
+                                        <p:tgtEl>
+                                          <p:spTgt spid="2"/>
+                                        </p:tgtEl>
+                                        <p:attrNameLst>
+                                          <p:attrName>style.visibility</p:attrName>
+                                        </p:attrNameLst>
+                                      </p:cBhvr>
+                                      <p:to>
+                                        <p:strVal val="visible"/>
+                                      </p:to>
+                                    </p:set>
+                                  </p:childTnLst>
+                                </p:cTn>
+                              </p:par>
+                              <p:par>
+                                <p:cTn id="23" presetID="1" presetClass="entr" presetSubtype="0" fill="hold" grpId="0" nodeType="withEffect">
+                                  <p:stCondLst>
+                                    <p:cond delay="0"/>
+                                  </p:stCondLst>
+                                  <p:childTnLst>
+                                    <p:set>
+                                      <p:cBhvr>
+                                        <p:cTn id="24" dur="1" fill="hold">
+                                          <p:stCondLst>
+                                            <p:cond delay="0"/>
+                                          </p:stCondLst>
+                                        </p:cTn>
+                                        <p:tgtEl>
+                                          <p:spTgt spid="4"/>
+                                        </p:tgtEl>
+                                        <p:attrNameLst>
+                                          <p:attrName>style.visibility</p:attrName>
+                                        </p:attrNameLst>
+                                      </p:cBhvr>
+                                      <p:to>
+                                        <p:strVal val="visible"/>
+                                      </p:to>
+                                    </p:set>
+                                  </p:childTnLst>
+                                </p:cTn>
+                              </p:par>
+                            </p:childTnLst>
+                          </p:cTn>
+                        </p:par>
+                      </p:childTnLst>
+                    </p:cTn>
+                  </p:par>
+                </p:childTnLst>
+              </p:cTn>
+              <p:prevCondLst>
+                <p:cond evt="onPrev" delay="0">
+                  <p:tgtEl>
+                    <p:sldTgt/>
+                  </p:tgtEl>
+                </p:cond>
+              </p:prevCondLst>
+              <p:nextCondLst>
+                <p:cond evt="onNext" delay="0">
+                  <p:tgtEl>
+                    <p:sldTgt/>
+                  </p:tgtEl>
+                </p:cond>
+              </p:nextCondLst>
+            </p:seq>
+          </p:childTnLst>
+        </p:cTn>
+      </p:par>
+    </p:tnLst>
+    <p:bldLst>
+      <p:bldP spid="5" grpId="0" uiExpand="1" build="p"/>
+      <p:bldP spid="2" grpId="0" animBg="1"/>
+      <p:bldP spid="4" grpId="0"/>
+    </p:bldLst>
+  </p:timing>
+</p:sld>
+</file>
+
+<file path=ppt/slides/slide12.xml><?xml version="1.0" encoding="utf-8"?>
+<p:sld xmlns:a="http://schemas.openxmlformats.org/drawingml/2006/main" xmlns:r="http://schemas.openxmlformats.org/officeDocument/2006/relationships" xmlns:p="http://schemas.openxmlformats.org/presentationml/2006/main">
+  <p:cSld>
+    <p:spTree>
+      <p:nvGrpSpPr>
+        <p:cNvPr id="1" name=""/>
+        <p:cNvGrpSpPr/>
+        <p:nvPr/>
+      </p:nvGrpSpPr>
+      <p:grpSpPr>
+        <a:xfrm>
+          <a:off x="0" y="0"/>
+          <a:ext cx="0" cy="0"/>
+          <a:chOff x="0" y="0"/>
+          <a:chExt cx="0" cy="0"/>
+        </a:xfrm>
+      </p:grpSpPr>
+      <p:sp>
+        <p:nvSpPr>
+          <p:cNvPr id="6" name="Title 5"/>
+          <p:cNvSpPr>
+            <a:spLocks noGrp="1"/>
+          </p:cNvSpPr>
+          <p:nvPr>
+            <p:ph type="title"/>
+          </p:nvPr>
+        </p:nvSpPr>
+        <p:spPr/>
+        <p:txBody>
+          <a:bodyPr>
+            <a:normAutofit fontScale="90000"/>
+          </a:bodyPr>
+          <a:lstStyle/>
+          <a:p>
+            <a:r>
+              <a:rPr lang="en-CA" dirty="0" smtClean="0"/>
+              <a:t>What if I don’t want to overwrite an existing value?</a:t>
+            </a:r>
+            <a:endParaRPr lang="en-US" dirty="0"/>
+          </a:p>
+        </p:txBody>
+      </p:sp>
+      <p:sp>
+        <p:nvSpPr>
+          <p:cNvPr id="5" name="Text Placeholder 4"/>
+          <p:cNvSpPr>
+            <a:spLocks noGrp="1"/>
+          </p:cNvSpPr>
+          <p:nvPr>
+            <p:ph sz="quarter" idx="10"/>
+          </p:nvPr>
+        </p:nvSpPr>
+        <p:spPr/>
+        <p:txBody>
+          <a:bodyPr/>
+          <a:lstStyle/>
+          <a:p>
+            <a:pPr marL="0" indent="0">
+              <a:buNone/>
+            </a:pPr>
+            <a:r>
+              <a:rPr lang="en-CA" dirty="0" smtClean="0"/>
+              <a:t>You can use the </a:t>
+            </a:r>
+            <a:r>
+              <a:rPr lang="en-CA" b="1" dirty="0" smtClean="0"/>
+              <a:t>exists</a:t>
+            </a:r>
+            <a:r>
+              <a:rPr lang="en-CA" dirty="0" smtClean="0"/>
+              <a:t> function to check it the key already exists</a:t>
+            </a:r>
+          </a:p>
+          <a:p>
+            <a:pPr marL="0" indent="0">
+              <a:buNone/>
+            </a:pPr>
+            <a:endParaRPr lang="en-CA" dirty="0"/>
+          </a:p>
+          <a:p>
+            <a:pPr marL="0" lvl="0" indent="0" defTabSz="914400" eaLnBrk="0" fontAlgn="base" hangingPunct="0">
+              <a:spcBef>
+                <a:spcPct val="0"/>
+              </a:spcBef>
+              <a:spcAft>
+                <a:spcPct val="0"/>
+              </a:spcAft>
+              <a:buNone/>
+            </a:pPr>
+            <a:r>
+              <a:rPr lang="en-US" altLang="en-US" dirty="0">
+                <a:solidFill>
+                  <a:srgbClr val="0000FF"/>
+                </a:solidFill>
+                <a:latin typeface="Consolas" panose="020B0609020204030204" pitchFamily="49" charset="0"/>
+                <a:cs typeface="Consolas" panose="020B0609020204030204" pitchFamily="49" charset="0"/>
+              </a:rPr>
+              <a:t>if</a:t>
+            </a:r>
+            <a:r>
+              <a:rPr lang="en-US" altLang="en-US" dirty="0">
+                <a:solidFill>
+                  <a:srgbClr val="000000"/>
+                </a:solidFill>
+                <a:latin typeface="Consolas" panose="020B0609020204030204" pitchFamily="49" charset="0"/>
+                <a:cs typeface="Consolas" panose="020B0609020204030204" pitchFamily="49" charset="0"/>
+              </a:rPr>
+              <a:t> </a:t>
+            </a:r>
+            <a:r>
+              <a:rPr lang="en-US" altLang="en-US" dirty="0">
+                <a:solidFill>
+                  <a:srgbClr val="0000FF"/>
+                </a:solidFill>
+                <a:latin typeface="Consolas" panose="020B0609020204030204" pitchFamily="49" charset="0"/>
+                <a:cs typeface="Consolas" panose="020B0609020204030204" pitchFamily="49" charset="0"/>
+              </a:rPr>
+              <a:t>not</a:t>
+            </a:r>
+            <a:r>
+              <a:rPr lang="en-US" altLang="en-US" dirty="0">
+                <a:solidFill>
+                  <a:srgbClr val="000000"/>
+                </a:solidFill>
+                <a:latin typeface="Consolas" panose="020B0609020204030204" pitchFamily="49" charset="0"/>
+                <a:cs typeface="Consolas" panose="020B0609020204030204" pitchFamily="49" charset="0"/>
+              </a:rPr>
+              <a:t> </a:t>
+            </a:r>
+            <a:r>
+              <a:rPr lang="en-US" altLang="en-US" dirty="0" err="1">
+                <a:solidFill>
+                  <a:srgbClr val="000000"/>
+                </a:solidFill>
+                <a:latin typeface="Consolas" panose="020B0609020204030204" pitchFamily="49" charset="0"/>
+                <a:cs typeface="Consolas" panose="020B0609020204030204" pitchFamily="49" charset="0"/>
+              </a:rPr>
+              <a:t>r.exists</a:t>
+            </a:r>
+            <a:r>
+              <a:rPr lang="en-US" altLang="en-US" dirty="0">
+                <a:solidFill>
+                  <a:srgbClr val="000000"/>
+                </a:solidFill>
+                <a:latin typeface="Consolas" panose="020B0609020204030204" pitchFamily="49" charset="0"/>
+                <a:cs typeface="Consolas" panose="020B0609020204030204" pitchFamily="49" charset="0"/>
+              </a:rPr>
+              <a:t>(</a:t>
+            </a:r>
+            <a:r>
+              <a:rPr lang="en-US" altLang="en-US" dirty="0">
+                <a:solidFill>
+                  <a:srgbClr val="A31515"/>
+                </a:solidFill>
+                <a:latin typeface="Consolas" panose="020B0609020204030204" pitchFamily="49" charset="0"/>
+                <a:cs typeface="Consolas" panose="020B0609020204030204" pitchFamily="49" charset="0"/>
+              </a:rPr>
+              <a:t>'</a:t>
+            </a:r>
+            <a:r>
+              <a:rPr lang="en-US" altLang="en-US" dirty="0" err="1">
+                <a:solidFill>
+                  <a:srgbClr val="A31515"/>
+                </a:solidFill>
+                <a:latin typeface="Consolas" panose="020B0609020204030204" pitchFamily="49" charset="0"/>
+                <a:cs typeface="Consolas" panose="020B0609020204030204" pitchFamily="49" charset="0"/>
+              </a:rPr>
+              <a:t>firstname</a:t>
+            </a:r>
+            <a:r>
+              <a:rPr lang="en-US" altLang="en-US" dirty="0">
+                <a:solidFill>
+                  <a:srgbClr val="A31515"/>
+                </a:solidFill>
+                <a:latin typeface="Consolas" panose="020B0609020204030204" pitchFamily="49" charset="0"/>
+                <a:cs typeface="Consolas" panose="020B0609020204030204" pitchFamily="49" charset="0"/>
+              </a:rPr>
+              <a:t>'</a:t>
+            </a:r>
+            <a:r>
+              <a:rPr lang="en-US" altLang="en-US" dirty="0">
+                <a:solidFill>
+                  <a:srgbClr val="000000"/>
+                </a:solidFill>
+                <a:latin typeface="Consolas" panose="020B0609020204030204" pitchFamily="49" charset="0"/>
+                <a:cs typeface="Consolas" panose="020B0609020204030204" pitchFamily="49" charset="0"/>
+              </a:rPr>
+              <a:t>) :</a:t>
+            </a:r>
+          </a:p>
+          <a:p>
+            <a:pPr marL="0" lvl="0" indent="0" defTabSz="914400" eaLnBrk="0" fontAlgn="base" hangingPunct="0">
+              <a:spcBef>
+                <a:spcPct val="0"/>
+              </a:spcBef>
+              <a:spcAft>
+                <a:spcPct val="0"/>
+              </a:spcAft>
+              <a:buNone/>
+            </a:pPr>
+            <a:r>
+              <a:rPr lang="en-US" altLang="en-US" dirty="0">
+                <a:solidFill>
+                  <a:srgbClr val="000000"/>
+                </a:solidFill>
+                <a:latin typeface="Consolas" panose="020B0609020204030204" pitchFamily="49" charset="0"/>
+                <a:cs typeface="Consolas" panose="020B0609020204030204" pitchFamily="49" charset="0"/>
+              </a:rPr>
+              <a:t>     </a:t>
+            </a:r>
+            <a:r>
+              <a:rPr lang="en-US" altLang="en-US" dirty="0" smtClean="0">
+                <a:solidFill>
+                  <a:srgbClr val="000000"/>
+                </a:solidFill>
+                <a:latin typeface="Consolas" panose="020B0609020204030204" pitchFamily="49" charset="0"/>
+                <a:cs typeface="Consolas" panose="020B0609020204030204" pitchFamily="49" charset="0"/>
+              </a:rPr>
+              <a:t>	</a:t>
+            </a:r>
+            <a:r>
+              <a:rPr lang="en-US" altLang="en-US" dirty="0" err="1">
+                <a:solidFill>
+                  <a:srgbClr val="000000"/>
+                </a:solidFill>
+                <a:latin typeface="Consolas" panose="020B0609020204030204" pitchFamily="49" charset="0"/>
+                <a:cs typeface="Consolas" panose="020B0609020204030204" pitchFamily="49" charset="0"/>
+              </a:rPr>
+              <a:t>r.set</a:t>
+            </a:r>
+            <a:r>
+              <a:rPr lang="en-US" altLang="en-US" dirty="0">
+                <a:solidFill>
+                  <a:srgbClr val="000000"/>
+                </a:solidFill>
+                <a:latin typeface="Consolas" panose="020B0609020204030204" pitchFamily="49" charset="0"/>
+                <a:cs typeface="Consolas" panose="020B0609020204030204" pitchFamily="49" charset="0"/>
+              </a:rPr>
+              <a:t>(</a:t>
+            </a:r>
+            <a:r>
+              <a:rPr lang="en-US" altLang="en-US" dirty="0">
+                <a:solidFill>
+                  <a:srgbClr val="A31515"/>
+                </a:solidFill>
+                <a:latin typeface="Consolas" panose="020B0609020204030204" pitchFamily="49" charset="0"/>
+                <a:cs typeface="Consolas" panose="020B0609020204030204" pitchFamily="49" charset="0"/>
+              </a:rPr>
+              <a:t>'</a:t>
+            </a:r>
+            <a:r>
+              <a:rPr lang="en-US" altLang="en-US" dirty="0" err="1">
+                <a:solidFill>
+                  <a:srgbClr val="A31515"/>
+                </a:solidFill>
+                <a:latin typeface="Consolas" panose="020B0609020204030204" pitchFamily="49" charset="0"/>
+                <a:cs typeface="Consolas" panose="020B0609020204030204" pitchFamily="49" charset="0"/>
+              </a:rPr>
+              <a:t>firstname</a:t>
+            </a:r>
+            <a:r>
+              <a:rPr lang="en-US" altLang="en-US" dirty="0">
+                <a:solidFill>
+                  <a:srgbClr val="A31515"/>
+                </a:solidFill>
+                <a:latin typeface="Consolas" panose="020B0609020204030204" pitchFamily="49" charset="0"/>
+                <a:cs typeface="Consolas" panose="020B0609020204030204" pitchFamily="49" charset="0"/>
+              </a:rPr>
+              <a:t>'</a:t>
+            </a:r>
+            <a:r>
+              <a:rPr lang="en-US" altLang="en-US" dirty="0">
+                <a:solidFill>
+                  <a:srgbClr val="000000"/>
+                </a:solidFill>
+                <a:latin typeface="Consolas" panose="020B0609020204030204" pitchFamily="49" charset="0"/>
+                <a:cs typeface="Consolas" panose="020B0609020204030204" pitchFamily="49" charset="0"/>
+              </a:rPr>
+              <a:t>,</a:t>
+            </a:r>
+            <a:r>
+              <a:rPr lang="en-US" altLang="en-US" dirty="0">
+                <a:solidFill>
+                  <a:srgbClr val="A31515"/>
+                </a:solidFill>
+                <a:latin typeface="Consolas" panose="020B0609020204030204" pitchFamily="49" charset="0"/>
+                <a:cs typeface="Consolas" panose="020B0609020204030204" pitchFamily="49" charset="0"/>
+              </a:rPr>
+              <a:t>'Bill'</a:t>
+            </a:r>
+            <a:r>
+              <a:rPr lang="en-US" altLang="en-US" dirty="0">
+                <a:solidFill>
+                  <a:srgbClr val="000000"/>
+                </a:solidFill>
+                <a:latin typeface="Consolas" panose="020B0609020204030204" pitchFamily="49" charset="0"/>
+                <a:cs typeface="Consolas" panose="020B0609020204030204" pitchFamily="49" charset="0"/>
+              </a:rPr>
+              <a:t>)</a:t>
+            </a:r>
+            <a:endParaRPr lang="en-US" altLang="en-US" sz="3600" dirty="0">
+              <a:latin typeface="Arial" panose="020B0604020202020204" pitchFamily="34" charset="0"/>
+            </a:endParaRPr>
+          </a:p>
+          <a:p>
+            <a:pPr marL="0" indent="0">
+              <a:buNone/>
+            </a:pPr>
+            <a:endParaRPr lang="en-US" dirty="0"/>
+          </a:p>
+        </p:txBody>
+      </p:sp>
+    </p:spTree>
+    <p:extLst>
+      <p:ext uri="{BB962C8B-B14F-4D97-AF65-F5344CB8AC3E}">
+        <p14:creationId xmlns:p14="http://schemas.microsoft.com/office/powerpoint/2010/main" val="3571597651"/>
+      </p:ext>
+    </p:extLst>
+  </p:cSld>
+  <p:clrMapOvr>
+    <a:masterClrMapping/>
+  </p:clrMapOvr>
+  <p:timing>
+    <p:tnLst>
+      <p:par>
+        <p:cTn id="1" dur="indefinite" restart="never" nodeType="tmRoot">
+          <p:childTnLst>
+            <p:seq concurrent="1" nextAc="seek">
+              <p:cTn id="2" dur="indefinite" nodeType="mainSeq">
+                <p:childTnLst>
+                  <p:par>
+                    <p:cTn id="3" fill="hold">
+                      <p:stCondLst>
+                        <p:cond delay="indefinite"/>
+                      </p:stCondLst>
+                      <p:childTnLst>
+                        <p:par>
+                          <p:cTn id="4" fill="hold">
+                            <p:stCondLst>
+                              <p:cond delay="0"/>
+                            </p:stCondLst>
+                            <p:childTnLst>
+                              <p:par>
+                                <p:cTn id="5" presetID="1" presetClass="entr" presetSubtype="0" fill="hold" grpId="0" nodeType="clickEffect">
+                                  <p:stCondLst>
+                                    <p:cond delay="0"/>
+                                  </p:stCondLst>
+                                  <p:childTnLst>
+                                    <p:set>
+                                      <p:cBhvr>
+                                        <p:cTn id="6" dur="1" fill="hold">
+                                          <p:stCondLst>
+                                            <p:cond delay="0"/>
+                                          </p:stCondLst>
+                                        </p:cTn>
+                                        <p:tgtEl>
+                                          <p:spTgt spid="5">
+                                            <p:txEl>
+                                              <p:pRg st="0" end="0"/>
+                                            </p:txEl>
+                                          </p:spTgt>
+                                        </p:tgtEl>
+                                        <p:attrNameLst>
+                                          <p:attrName>style.visibility</p:attrName>
+                                        </p:attrNameLst>
+                                      </p:cBhvr>
+                                      <p:to>
+                                        <p:strVal val="visible"/>
+                                      </p:to>
+                                    </p:set>
+                                  </p:childTnLst>
+                                </p:cTn>
+                              </p:par>
+                            </p:childTnLst>
+                          </p:cTn>
+                        </p:par>
+                      </p:childTnLst>
+                    </p:cTn>
+                  </p:par>
+                  <p:par>
+                    <p:cTn id="7" fill="hold">
+                      <p:stCondLst>
+                        <p:cond delay="indefinite"/>
+                      </p:stCondLst>
+                      <p:childTnLst>
+                        <p:par>
+                          <p:cTn id="8" fill="hold">
+                            <p:stCondLst>
+                              <p:cond delay="0"/>
+                            </p:stCondLst>
+                            <p:childTnLst>
+                              <p:par>
+                                <p:cTn id="9" presetID="1" presetClass="entr" presetSubtype="0" fill="hold" grpId="0" nodeType="clickEffect">
+                                  <p:stCondLst>
+                                    <p:cond delay="0"/>
+                                  </p:stCondLst>
+                                  <p:childTnLst>
+                                    <p:set>
+                                      <p:cBhvr>
+                                        <p:cTn id="10" dur="1" fill="hold">
+                                          <p:stCondLst>
+                                            <p:cond delay="0"/>
+                                          </p:stCondLst>
+                                        </p:cTn>
+                                        <p:tgtEl>
+                                          <p:spTgt spid="5">
+                                            <p:txEl>
+                                              <p:pRg st="2" end="2"/>
+                                            </p:txEl>
+                                          </p:spTgt>
+                                        </p:tgtEl>
+                                        <p:attrNameLst>
+                                          <p:attrName>style.visibility</p:attrName>
+                                        </p:attrNameLst>
+                                      </p:cBhvr>
+                                      <p:to>
+                                        <p:strVal val="visible"/>
+                                      </p:to>
+                                    </p:set>
+                                  </p:childTnLst>
+                                </p:cTn>
+                              </p:par>
+                              <p:par>
+                                <p:cTn id="11" presetID="1" presetClass="entr" presetSubtype="0" fill="hold" grpId="0" nodeType="withEffect">
+                                  <p:stCondLst>
+                                    <p:cond delay="0"/>
+                                  </p:stCondLst>
+                                  <p:childTnLst>
+                                    <p:set>
+                                      <p:cBhvr>
+                                        <p:cTn id="12" dur="1" fill="hold">
+                                          <p:stCondLst>
+                                            <p:cond delay="0"/>
+                                          </p:stCondLst>
+                                        </p:cTn>
+                                        <p:tgtEl>
+                                          <p:spTgt spid="5">
+                                            <p:txEl>
+                                              <p:pRg st="3" end="3"/>
+                                            </p:txEl>
+                                          </p:spTgt>
+                                        </p:tgtEl>
+                                        <p:attrNameLst>
+                                          <p:attrName>style.visibility</p:attrName>
+                                        </p:attrNameLst>
+                                      </p:cBhvr>
+                                      <p:to>
+                                        <p:strVal val="visible"/>
+                                      </p:to>
+                                    </p:set>
+                                  </p:childTnLst>
+                                </p:cTn>
+                              </p:par>
+                            </p:childTnLst>
+                          </p:cTn>
+                        </p:par>
+                      </p:childTnLst>
+                    </p:cTn>
+                  </p:par>
+                </p:childTnLst>
+              </p:cTn>
+              <p:prevCondLst>
+                <p:cond evt="onPrev" delay="0">
+                  <p:tgtEl>
+                    <p:sldTgt/>
+                  </p:tgtEl>
+                </p:cond>
+              </p:prevCondLst>
+              <p:nextCondLst>
+                <p:cond evt="onNext" delay="0">
+                  <p:tgtEl>
+                    <p:sldTgt/>
+                  </p:tgtEl>
+                </p:cond>
+              </p:nextCondLst>
+            </p:seq>
+          </p:childTnLst>
+        </p:cTn>
+      </p:par>
+    </p:tnLst>
+    <p:bldLst>
+      <p:bldP spid="5" grpId="0" uiExpand="1" build="p"/>
+    </p:bldLst>
+  </p:timing>
+</p:sld>
+</file>
+
+<file path=ppt/slides/slide13.xml><?xml version="1.0" encoding="utf-8"?>
+<p:sld xmlns:a="http://schemas.openxmlformats.org/drawingml/2006/main" xmlns:r="http://schemas.openxmlformats.org/officeDocument/2006/relationships" xmlns:p="http://schemas.openxmlformats.org/presentationml/2006/main">
+  <p:cSld>
+    <p:spTree>
+      <p:nvGrpSpPr>
+        <p:cNvPr id="1" name=""/>
+        <p:cNvGrpSpPr/>
+        <p:nvPr/>
+      </p:nvGrpSpPr>
+      <p:grpSpPr>
+        <a:xfrm>
+          <a:off x="0" y="0"/>
+          <a:ext cx="0" cy="0"/>
+          <a:chOff x="0" y="0"/>
+          <a:chExt cx="0" cy="0"/>
+        </a:xfrm>
+      </p:grpSpPr>
+      <p:sp>
+        <p:nvSpPr>
+          <p:cNvPr id="6" name="Title 5"/>
+          <p:cNvSpPr>
+            <a:spLocks noGrp="1"/>
+          </p:cNvSpPr>
+          <p:nvPr>
+            <p:ph type="title"/>
+          </p:nvPr>
+        </p:nvSpPr>
+        <p:spPr/>
+        <p:txBody>
+          <a:bodyPr>
+            <a:normAutofit fontScale="90000"/>
+          </a:bodyPr>
+          <a:lstStyle/>
+          <a:p>
+            <a:r>
+              <a:rPr lang="en-CA" dirty="0" smtClean="0"/>
+              <a:t>If the key already exists, can I append to what is already there instead of overwriting it?</a:t>
+            </a:r>
+            <a:r>
+              <a:rPr lang="en-US" dirty="0"/>
+              <a:t/>
+            </a:r>
+            <a:br>
+              <a:rPr lang="en-US" dirty="0"/>
+            </a:br>
+            <a:endParaRPr lang="en-US" dirty="0"/>
+          </a:p>
+        </p:txBody>
+      </p:sp>
+      <p:sp>
+        <p:nvSpPr>
+          <p:cNvPr id="5" name="Text Placeholder 4"/>
+          <p:cNvSpPr>
+            <a:spLocks noGrp="1"/>
+          </p:cNvSpPr>
+          <p:nvPr>
+            <p:ph sz="quarter" idx="10"/>
+          </p:nvPr>
+        </p:nvSpPr>
+        <p:spPr/>
+        <p:txBody>
+          <a:bodyPr/>
+          <a:lstStyle/>
+          <a:p>
+            <a:pPr marL="0" indent="0">
+              <a:buNone/>
+            </a:pPr>
+            <a:r>
+              <a:rPr lang="en-CA" dirty="0" smtClean="0"/>
+              <a:t>Sure! Just use the append function</a:t>
+            </a:r>
+          </a:p>
+          <a:p>
+            <a:pPr marL="0" indent="0">
+              <a:buNone/>
+            </a:pPr>
+            <a:endParaRPr lang="en-CA" dirty="0" smtClean="0"/>
+          </a:p>
+          <a:p>
+            <a:pPr marL="0" lvl="0" indent="0" defTabSz="914400" eaLnBrk="0" fontAlgn="base" hangingPunct="0">
+              <a:spcBef>
+                <a:spcPct val="0"/>
+              </a:spcBef>
+              <a:spcAft>
+                <a:spcPct val="0"/>
+              </a:spcAft>
+              <a:buNone/>
+            </a:pPr>
+            <a:r>
+              <a:rPr lang="en-US" altLang="en-US" dirty="0">
+                <a:solidFill>
+                  <a:srgbClr val="0000FF"/>
+                </a:solidFill>
+                <a:latin typeface="Consolas" panose="020B0609020204030204" pitchFamily="49" charset="0"/>
+                <a:cs typeface="Consolas" panose="020B0609020204030204" pitchFamily="49" charset="0"/>
+              </a:rPr>
+              <a:t>if</a:t>
+            </a:r>
+            <a:r>
+              <a:rPr lang="en-US" altLang="en-US" dirty="0">
+                <a:solidFill>
+                  <a:srgbClr val="000000"/>
+                </a:solidFill>
+                <a:latin typeface="Consolas" panose="020B0609020204030204" pitchFamily="49" charset="0"/>
+                <a:cs typeface="Consolas" panose="020B0609020204030204" pitchFamily="49" charset="0"/>
+              </a:rPr>
+              <a:t> </a:t>
+            </a:r>
+            <a:r>
+              <a:rPr lang="en-US" altLang="en-US" dirty="0" err="1">
+                <a:solidFill>
+                  <a:srgbClr val="000000"/>
+                </a:solidFill>
+                <a:latin typeface="Consolas" panose="020B0609020204030204" pitchFamily="49" charset="0"/>
+                <a:cs typeface="Consolas" panose="020B0609020204030204" pitchFamily="49" charset="0"/>
+              </a:rPr>
+              <a:t>r.exists</a:t>
+            </a:r>
+            <a:r>
+              <a:rPr lang="en-US" altLang="en-US" dirty="0">
+                <a:solidFill>
+                  <a:srgbClr val="000000"/>
+                </a:solidFill>
+                <a:latin typeface="Consolas" panose="020B0609020204030204" pitchFamily="49" charset="0"/>
+                <a:cs typeface="Consolas" panose="020B0609020204030204" pitchFamily="49" charset="0"/>
+              </a:rPr>
+              <a:t>(</a:t>
+            </a:r>
+            <a:r>
+              <a:rPr lang="en-US" altLang="en-US" dirty="0">
+                <a:solidFill>
+                  <a:srgbClr val="A31515"/>
+                </a:solidFill>
+                <a:latin typeface="Consolas" panose="020B0609020204030204" pitchFamily="49" charset="0"/>
+                <a:cs typeface="Consolas" panose="020B0609020204030204" pitchFamily="49" charset="0"/>
+              </a:rPr>
+              <a:t>'</a:t>
+            </a:r>
+            <a:r>
+              <a:rPr lang="en-US" altLang="en-US" dirty="0" err="1">
+                <a:solidFill>
+                  <a:srgbClr val="A31515"/>
+                </a:solidFill>
+                <a:latin typeface="Consolas" panose="020B0609020204030204" pitchFamily="49" charset="0"/>
+                <a:cs typeface="Consolas" panose="020B0609020204030204" pitchFamily="49" charset="0"/>
+              </a:rPr>
+              <a:t>firstname</a:t>
+            </a:r>
+            <a:r>
+              <a:rPr lang="en-US" altLang="en-US" dirty="0">
+                <a:solidFill>
+                  <a:srgbClr val="A31515"/>
+                </a:solidFill>
+                <a:latin typeface="Consolas" panose="020B0609020204030204" pitchFamily="49" charset="0"/>
+                <a:cs typeface="Consolas" panose="020B0609020204030204" pitchFamily="49" charset="0"/>
+              </a:rPr>
+              <a:t>'</a:t>
+            </a:r>
+            <a:r>
+              <a:rPr lang="en-US" altLang="en-US" dirty="0">
+                <a:solidFill>
+                  <a:srgbClr val="000000"/>
+                </a:solidFill>
+                <a:latin typeface="Consolas" panose="020B0609020204030204" pitchFamily="49" charset="0"/>
+                <a:cs typeface="Consolas" panose="020B0609020204030204" pitchFamily="49" charset="0"/>
+              </a:rPr>
+              <a:t>) :</a:t>
+            </a:r>
+          </a:p>
+          <a:p>
+            <a:pPr marL="0" lvl="0" indent="0" defTabSz="914400" eaLnBrk="0" fontAlgn="base" hangingPunct="0">
+              <a:spcBef>
+                <a:spcPct val="0"/>
+              </a:spcBef>
+              <a:spcAft>
+                <a:spcPct val="0"/>
+              </a:spcAft>
+              <a:buNone/>
+            </a:pPr>
+            <a:r>
+              <a:rPr lang="en-US" altLang="en-US" dirty="0">
+                <a:solidFill>
+                  <a:srgbClr val="000000"/>
+                </a:solidFill>
+                <a:latin typeface="Consolas" panose="020B0609020204030204" pitchFamily="49" charset="0"/>
+                <a:cs typeface="Consolas" panose="020B0609020204030204" pitchFamily="49" charset="0"/>
+              </a:rPr>
+              <a:t>        </a:t>
+            </a:r>
+            <a:r>
+              <a:rPr lang="en-US" altLang="en-US" dirty="0" err="1" smtClean="0">
+                <a:solidFill>
+                  <a:srgbClr val="000000"/>
+                </a:solidFill>
+                <a:latin typeface="Consolas" panose="020B0609020204030204" pitchFamily="49" charset="0"/>
+                <a:cs typeface="Consolas" panose="020B0609020204030204" pitchFamily="49" charset="0"/>
+              </a:rPr>
+              <a:t>r.append</a:t>
+            </a:r>
+            <a:r>
+              <a:rPr lang="en-US" altLang="en-US" dirty="0">
+                <a:solidFill>
+                  <a:srgbClr val="000000"/>
+                </a:solidFill>
+                <a:latin typeface="Consolas" panose="020B0609020204030204" pitchFamily="49" charset="0"/>
+                <a:cs typeface="Consolas" panose="020B0609020204030204" pitchFamily="49" charset="0"/>
+              </a:rPr>
+              <a:t>(</a:t>
+            </a:r>
+            <a:r>
+              <a:rPr lang="en-US" altLang="en-US" dirty="0">
+                <a:solidFill>
+                  <a:srgbClr val="A31515"/>
+                </a:solidFill>
+                <a:latin typeface="Consolas" panose="020B0609020204030204" pitchFamily="49" charset="0"/>
+                <a:cs typeface="Consolas" panose="020B0609020204030204" pitchFamily="49" charset="0"/>
+              </a:rPr>
+              <a:t>'</a:t>
+            </a:r>
+            <a:r>
+              <a:rPr lang="en-US" altLang="en-US" dirty="0" err="1">
+                <a:solidFill>
+                  <a:srgbClr val="A31515"/>
+                </a:solidFill>
+                <a:latin typeface="Consolas" panose="020B0609020204030204" pitchFamily="49" charset="0"/>
+                <a:cs typeface="Consolas" panose="020B0609020204030204" pitchFamily="49" charset="0"/>
+              </a:rPr>
+              <a:t>firstname</a:t>
+            </a:r>
+            <a:r>
+              <a:rPr lang="en-US" altLang="en-US" dirty="0">
+                <a:solidFill>
+                  <a:srgbClr val="A31515"/>
+                </a:solidFill>
+                <a:latin typeface="Consolas" panose="020B0609020204030204" pitchFamily="49" charset="0"/>
+                <a:cs typeface="Consolas" panose="020B0609020204030204" pitchFamily="49" charset="0"/>
+              </a:rPr>
+              <a:t>'</a:t>
+            </a:r>
+            <a:r>
+              <a:rPr lang="en-US" altLang="en-US" dirty="0">
+                <a:solidFill>
+                  <a:srgbClr val="000000"/>
+                </a:solidFill>
+                <a:latin typeface="Consolas" panose="020B0609020204030204" pitchFamily="49" charset="0"/>
+                <a:cs typeface="Consolas" panose="020B0609020204030204" pitchFamily="49" charset="0"/>
+              </a:rPr>
+              <a:t>,</a:t>
+            </a:r>
+            <a:r>
+              <a:rPr lang="en-US" altLang="en-US" dirty="0">
+                <a:solidFill>
+                  <a:srgbClr val="A31515"/>
+                </a:solidFill>
+                <a:latin typeface="Consolas" panose="020B0609020204030204" pitchFamily="49" charset="0"/>
+                <a:cs typeface="Consolas" panose="020B0609020204030204" pitchFamily="49" charset="0"/>
+              </a:rPr>
+              <a:t>'Gates'</a:t>
+            </a:r>
+            <a:r>
+              <a:rPr lang="en-US" altLang="en-US" dirty="0">
+                <a:solidFill>
+                  <a:srgbClr val="000000"/>
+                </a:solidFill>
+                <a:latin typeface="Consolas" panose="020B0609020204030204" pitchFamily="49" charset="0"/>
+                <a:cs typeface="Consolas" panose="020B0609020204030204" pitchFamily="49" charset="0"/>
+              </a:rPr>
+              <a:t>)</a:t>
+            </a:r>
+          </a:p>
+          <a:p>
+            <a:pPr marL="0" lvl="0" indent="0" defTabSz="914400" eaLnBrk="0" fontAlgn="base" hangingPunct="0">
+              <a:spcBef>
+                <a:spcPct val="0"/>
+              </a:spcBef>
+              <a:spcAft>
+                <a:spcPct val="0"/>
+              </a:spcAft>
+              <a:buNone/>
+            </a:pPr>
+            <a:r>
+              <a:rPr lang="en-US" altLang="en-US" dirty="0" smtClean="0">
+                <a:solidFill>
+                  <a:srgbClr val="0000FF"/>
+                </a:solidFill>
+                <a:latin typeface="Consolas" panose="020B0609020204030204" pitchFamily="49" charset="0"/>
+                <a:cs typeface="Consolas" panose="020B0609020204030204" pitchFamily="49" charset="0"/>
+              </a:rPr>
+              <a:t>else</a:t>
+            </a:r>
+            <a:r>
+              <a:rPr lang="en-US" altLang="en-US" dirty="0">
+                <a:solidFill>
+                  <a:srgbClr val="000000"/>
+                </a:solidFill>
+                <a:latin typeface="Consolas" panose="020B0609020204030204" pitchFamily="49" charset="0"/>
+                <a:cs typeface="Consolas" panose="020B0609020204030204" pitchFamily="49" charset="0"/>
+              </a:rPr>
+              <a:t>:</a:t>
+            </a:r>
+          </a:p>
+          <a:p>
+            <a:pPr marL="0" lvl="0" indent="0" defTabSz="914400" eaLnBrk="0" fontAlgn="base" hangingPunct="0">
+              <a:spcBef>
+                <a:spcPct val="0"/>
+              </a:spcBef>
+              <a:spcAft>
+                <a:spcPct val="0"/>
+              </a:spcAft>
+              <a:buNone/>
+            </a:pPr>
+            <a:r>
+              <a:rPr lang="en-US" altLang="en-US" dirty="0">
+                <a:solidFill>
+                  <a:srgbClr val="000000"/>
+                </a:solidFill>
+                <a:latin typeface="Consolas" panose="020B0609020204030204" pitchFamily="49" charset="0"/>
+                <a:cs typeface="Consolas" panose="020B0609020204030204" pitchFamily="49" charset="0"/>
+              </a:rPr>
+              <a:t>        </a:t>
+            </a:r>
+            <a:r>
+              <a:rPr lang="en-US" altLang="en-US" dirty="0" err="1" smtClean="0">
+                <a:solidFill>
+                  <a:srgbClr val="000000"/>
+                </a:solidFill>
+                <a:latin typeface="Consolas" panose="020B0609020204030204" pitchFamily="49" charset="0"/>
+                <a:cs typeface="Consolas" panose="020B0609020204030204" pitchFamily="49" charset="0"/>
+              </a:rPr>
+              <a:t>r.set</a:t>
+            </a:r>
+            <a:r>
+              <a:rPr lang="en-US" altLang="en-US" dirty="0">
+                <a:solidFill>
+                  <a:srgbClr val="000000"/>
+                </a:solidFill>
+                <a:latin typeface="Consolas" panose="020B0609020204030204" pitchFamily="49" charset="0"/>
+                <a:cs typeface="Consolas" panose="020B0609020204030204" pitchFamily="49" charset="0"/>
+              </a:rPr>
+              <a:t>(</a:t>
+            </a:r>
+            <a:r>
+              <a:rPr lang="en-US" altLang="en-US" dirty="0">
+                <a:solidFill>
+                  <a:srgbClr val="A31515"/>
+                </a:solidFill>
+                <a:latin typeface="Consolas" panose="020B0609020204030204" pitchFamily="49" charset="0"/>
+                <a:cs typeface="Consolas" panose="020B0609020204030204" pitchFamily="49" charset="0"/>
+              </a:rPr>
+              <a:t>'</a:t>
+            </a:r>
+            <a:r>
+              <a:rPr lang="en-US" altLang="en-US" dirty="0" err="1">
+                <a:solidFill>
+                  <a:srgbClr val="A31515"/>
+                </a:solidFill>
+                <a:latin typeface="Consolas" panose="020B0609020204030204" pitchFamily="49" charset="0"/>
+                <a:cs typeface="Consolas" panose="020B0609020204030204" pitchFamily="49" charset="0"/>
+              </a:rPr>
+              <a:t>firstname</a:t>
+            </a:r>
+            <a:r>
+              <a:rPr lang="en-US" altLang="en-US" dirty="0">
+                <a:solidFill>
+                  <a:srgbClr val="A31515"/>
+                </a:solidFill>
+                <a:latin typeface="Consolas" panose="020B0609020204030204" pitchFamily="49" charset="0"/>
+                <a:cs typeface="Consolas" panose="020B0609020204030204" pitchFamily="49" charset="0"/>
+              </a:rPr>
+              <a:t>'</a:t>
+            </a:r>
+            <a:r>
+              <a:rPr lang="en-US" altLang="en-US" dirty="0">
+                <a:solidFill>
+                  <a:srgbClr val="000000"/>
+                </a:solidFill>
+                <a:latin typeface="Consolas" panose="020B0609020204030204" pitchFamily="49" charset="0"/>
+                <a:cs typeface="Consolas" panose="020B0609020204030204" pitchFamily="49" charset="0"/>
+              </a:rPr>
+              <a:t>,</a:t>
+            </a:r>
+            <a:r>
+              <a:rPr lang="en-US" altLang="en-US" dirty="0">
+                <a:solidFill>
+                  <a:srgbClr val="A31515"/>
+                </a:solidFill>
+                <a:latin typeface="Consolas" panose="020B0609020204030204" pitchFamily="49" charset="0"/>
+                <a:cs typeface="Consolas" panose="020B0609020204030204" pitchFamily="49" charset="0"/>
+              </a:rPr>
+              <a:t>'Bill'</a:t>
+            </a:r>
+            <a:r>
+              <a:rPr lang="en-US" altLang="en-US" dirty="0">
+                <a:solidFill>
+                  <a:srgbClr val="000000"/>
+                </a:solidFill>
+                <a:latin typeface="Consolas" panose="020B0609020204030204" pitchFamily="49" charset="0"/>
+                <a:cs typeface="Consolas" panose="020B0609020204030204" pitchFamily="49" charset="0"/>
+              </a:rPr>
+              <a:t>)</a:t>
+            </a:r>
+            <a:endParaRPr lang="en-US" altLang="en-US" sz="3600" dirty="0">
+              <a:latin typeface="Arial" panose="020B0604020202020204" pitchFamily="34" charset="0"/>
+            </a:endParaRPr>
+          </a:p>
+          <a:p>
+            <a:pPr marL="0" indent="0">
+              <a:buNone/>
+            </a:pPr>
+            <a:endParaRPr lang="en-CA" dirty="0" smtClean="0"/>
+          </a:p>
+        </p:txBody>
+      </p:sp>
+      <p:sp>
+        <p:nvSpPr>
+          <p:cNvPr id="2" name="Rectangle 1"/>
+          <p:cNvSpPr>
+            <a:spLocks noChangeArrowheads="1"/>
+          </p:cNvSpPr>
+          <p:nvPr/>
+        </p:nvSpPr>
+        <p:spPr bwMode="auto">
+          <a:xfrm>
+            <a:off x="0" y="43934"/>
+            <a:ext cx="184731" cy="369332"/>
+          </a:xfrm>
+          <a:prstGeom prst="rect">
+            <a:avLst/>
+          </a:prstGeom>
+          <a:solidFill>
+            <a:srgbClr val="FFFFFF"/>
+          </a:solidFill>
+          <a:ln>
+            <a:noFill/>
+          </a:ln>
+          <a:effectLst/>
+          <a:extLst>
+            <a:ext uri="{91240B29-F687-4F45-9708-019B960494DF}">
+              <a14:hiddenLine xmlns:a14="http://schemas.microsoft.com/office/drawing/2010/main" w="9525">
+                <a:solidFill>
+                  <a:schemeClr val="tx1"/>
+                </a:solidFill>
+                <a:miter lim="800000"/>
+                <a:headEnd/>
+                <a:tailEnd/>
+              </a14:hiddenLine>
+            </a:ext>
+            <a:ext uri="{AF507438-7753-43E0-B8FC-AC1667EBCBE1}">
+              <a14:hiddenEffects xmlns:a14="http://schemas.microsoft.com/office/drawing/2010/main">
+                <a:effectLst>
+                  <a:outerShdw dist="35921" dir="2700000" algn="ctr" rotWithShape="0">
+                    <a:schemeClr val="bg2"/>
+                  </a:outerShdw>
+                </a:effectLst>
+              </a14:hiddenEffects>
+            </a:ext>
+          </a:extLst>
+        </p:spPr>
+        <p:txBody>
+          <a:bodyPr vert="horz" wrap="none" lIns="91440" tIns="45720" rIns="91440" bIns="45720" numCol="1" anchor="ctr" anchorCtr="0" compatLnSpc="1">
+            <a:prstTxWarp prst="textNoShape">
+              <a:avLst/>
+            </a:prstTxWarp>
+            <a:spAutoFit/>
+          </a:bodyPr>
+          <a:lstStyle/>
+          <a:p>
+            <a:pPr marL="0" marR="0" lvl="0" indent="0" algn="l" defTabSz="914400" rtl="0" eaLnBrk="0" fontAlgn="base" latinLnBrk="0" hangingPunct="0">
+              <a:lnSpc>
+                <a:spcPct val="100000"/>
+              </a:lnSpc>
+              <a:spcBef>
+                <a:spcPct val="0"/>
+              </a:spcBef>
+              <a:spcAft>
+                <a:spcPct val="0"/>
+              </a:spcAft>
+              <a:buClrTx/>
+              <a:buSzTx/>
+              <a:buFontTx/>
+              <a:buNone/>
+              <a:tabLst/>
+            </a:pPr>
+            <a:endParaRPr kumimoji="0" lang="en-US" altLang="en-US" sz="1800" b="0" i="0" u="none" strike="noStrike" cap="none" normalizeH="0" baseline="0" dirty="0" smtClean="0">
+              <a:ln>
+                <a:noFill/>
+              </a:ln>
+              <a:solidFill>
+                <a:schemeClr val="tx1"/>
+              </a:solidFill>
+              <a:effectLst/>
+              <a:latin typeface="Arial" panose="020B0604020202020204" pitchFamily="34" charset="0"/>
+            </a:endParaRPr>
+          </a:p>
+        </p:txBody>
+      </p:sp>
+    </p:spTree>
+    <p:extLst>
+      <p:ext uri="{BB962C8B-B14F-4D97-AF65-F5344CB8AC3E}">
+        <p14:creationId xmlns:p14="http://schemas.microsoft.com/office/powerpoint/2010/main" val="637449131"/>
+      </p:ext>
+    </p:extLst>
+  </p:cSld>
+  <p:clrMapOvr>
+    <a:masterClrMapping/>
+  </p:clrMapOvr>
+  <p:timing>
+    <p:tnLst>
+      <p:par>
+        <p:cTn id="1" dur="indefinite" restart="never" nodeType="tmRoot">
+          <p:childTnLst>
+            <p:seq concurrent="1" nextAc="seek">
+              <p:cTn id="2" dur="indefinite" nodeType="mainSeq">
+                <p:childTnLst>
+                  <p:par>
+                    <p:cTn id="3" fill="hold">
+                      <p:stCondLst>
+                        <p:cond delay="indefinite"/>
+                      </p:stCondLst>
+                      <p:childTnLst>
+                        <p:par>
+                          <p:cTn id="4" fill="hold">
+                            <p:stCondLst>
+                              <p:cond delay="0"/>
+                            </p:stCondLst>
+                            <p:childTnLst>
+                              <p:par>
+                                <p:cTn id="5" presetID="1" presetClass="entr" presetSubtype="0" fill="hold" nodeType="clickEffect">
+                                  <p:stCondLst>
+                                    <p:cond delay="0"/>
+                                  </p:stCondLst>
+                                  <p:childTnLst>
+                                    <p:set>
+                                      <p:cBhvr>
+                                        <p:cTn id="6" dur="1" fill="hold">
+                                          <p:stCondLst>
+                                            <p:cond delay="0"/>
+                                          </p:stCondLst>
+                                        </p:cTn>
+                                        <p:tgtEl>
+                                          <p:spTgt spid="5">
+                                            <p:txEl>
+                                              <p:pRg st="0" end="0"/>
+                                            </p:txEl>
+                                          </p:spTgt>
+                                        </p:tgtEl>
+                                        <p:attrNameLst>
+                                          <p:attrName>style.visibility</p:attrName>
+                                        </p:attrNameLst>
+                                      </p:cBhvr>
+                                      <p:to>
+                                        <p:strVal val="visible"/>
+                                      </p:to>
+                                    </p:set>
+                                  </p:childTnLst>
+                                </p:cTn>
+                              </p:par>
+                              <p:par>
+                                <p:cTn id="7" presetID="1" presetClass="entr" presetSubtype="0" fill="hold" nodeType="withEffect">
+                                  <p:stCondLst>
+                                    <p:cond delay="0"/>
+                                  </p:stCondLst>
+                                  <p:childTnLst>
+                                    <p:set>
+                                      <p:cBhvr>
+                                        <p:cTn id="8" dur="1" fill="hold">
+                                          <p:stCondLst>
+                                            <p:cond delay="0"/>
+                                          </p:stCondLst>
+                                        </p:cTn>
+                                        <p:tgtEl>
+                                          <p:spTgt spid="5">
+                                            <p:txEl>
+                                              <p:pRg st="2" end="2"/>
+                                            </p:txEl>
+                                          </p:spTgt>
+                                        </p:tgtEl>
+                                        <p:attrNameLst>
+                                          <p:attrName>style.visibility</p:attrName>
+                                        </p:attrNameLst>
+                                      </p:cBhvr>
+                                      <p:to>
+                                        <p:strVal val="visible"/>
+                                      </p:to>
+                                    </p:set>
+                                  </p:childTnLst>
+                                </p:cTn>
+                              </p:par>
+                              <p:par>
+                                <p:cTn id="9" presetID="1" presetClass="entr" presetSubtype="0" fill="hold" nodeType="withEffect">
+                                  <p:stCondLst>
+                                    <p:cond delay="0"/>
+                                  </p:stCondLst>
+                                  <p:childTnLst>
+                                    <p:set>
+                                      <p:cBhvr>
+                                        <p:cTn id="10" dur="1" fill="hold">
+                                          <p:stCondLst>
+                                            <p:cond delay="0"/>
+                                          </p:stCondLst>
+                                        </p:cTn>
+                                        <p:tgtEl>
+                                          <p:spTgt spid="5">
+                                            <p:txEl>
+                                              <p:pRg st="3" end="3"/>
+                                            </p:txEl>
+                                          </p:spTgt>
+                                        </p:tgtEl>
+                                        <p:attrNameLst>
+                                          <p:attrName>style.visibility</p:attrName>
+                                        </p:attrNameLst>
+                                      </p:cBhvr>
+                                      <p:to>
+                                        <p:strVal val="visible"/>
+                                      </p:to>
+                                    </p:set>
+                                  </p:childTnLst>
+                                </p:cTn>
+                              </p:par>
+                              <p:par>
+                                <p:cTn id="11" presetID="1" presetClass="entr" presetSubtype="0" fill="hold" nodeType="withEffect">
+                                  <p:stCondLst>
+                                    <p:cond delay="0"/>
+                                  </p:stCondLst>
+                                  <p:childTnLst>
+                                    <p:set>
+                                      <p:cBhvr>
+                                        <p:cTn id="12" dur="1" fill="hold">
+                                          <p:stCondLst>
+                                            <p:cond delay="0"/>
+                                          </p:stCondLst>
+                                        </p:cTn>
+                                        <p:tgtEl>
+                                          <p:spTgt spid="5">
+                                            <p:txEl>
+                                              <p:pRg st="4" end="4"/>
+                                            </p:txEl>
+                                          </p:spTgt>
+                                        </p:tgtEl>
+                                        <p:attrNameLst>
+                                          <p:attrName>style.visibility</p:attrName>
+                                        </p:attrNameLst>
+                                      </p:cBhvr>
+                                      <p:to>
+                                        <p:strVal val="visible"/>
+                                      </p:to>
+                                    </p:set>
+                                  </p:childTnLst>
+                                </p:cTn>
+                              </p:par>
+                              <p:par>
+                                <p:cTn id="13" presetID="1" presetClass="entr" presetSubtype="0" fill="hold" nodeType="withEffect">
+                                  <p:stCondLst>
+                                    <p:cond delay="0"/>
+                                  </p:stCondLst>
+                                  <p:childTnLst>
+                                    <p:set>
+                                      <p:cBhvr>
+                                        <p:cTn id="14" dur="1" fill="hold">
+                                          <p:stCondLst>
+                                            <p:cond delay="0"/>
+                                          </p:stCondLst>
+                                        </p:cTn>
+                                        <p:tgtEl>
+                                          <p:spTgt spid="5">
+                                            <p:txEl>
+                                              <p:pRg st="5" end="5"/>
+                                            </p:txEl>
+                                          </p:spTgt>
+                                        </p:tgtEl>
+                                        <p:attrNameLst>
+                                          <p:attrName>style.visibility</p:attrName>
+                                        </p:attrNameLst>
+                                      </p:cBhvr>
+                                      <p:to>
+                                        <p:strVal val="visible"/>
+                                      </p:to>
+                                    </p:set>
+                                  </p:childTnLst>
+                                </p:cTn>
+                              </p:par>
+                            </p:childTnLst>
+                          </p:cTn>
+                        </p:par>
+                      </p:childTnLst>
+                    </p:cTn>
+                  </p:par>
+                </p:childTnLst>
+              </p:cTn>
+              <p:prevCondLst>
+                <p:cond evt="onPrev" delay="0">
+                  <p:tgtEl>
+                    <p:sldTgt/>
+                  </p:tgtEl>
+                </p:cond>
+              </p:prevCondLst>
+              <p:nextCondLst>
+                <p:cond evt="onNext" delay="0">
+                  <p:tgtEl>
+                    <p:sldTgt/>
+                  </p:tgtEl>
+                </p:cond>
+              </p:nextCondLst>
+            </p:seq>
+          </p:childTnLst>
+        </p:cTn>
+      </p:par>
+    </p:tnLst>
+  </p:timing>
+</p:sld>
+</file>
+
+<file path=ppt/slides/slide14.xml><?xml version="1.0" encoding="utf-8"?>
+<p:sld xmlns:a="http://schemas.openxmlformats.org/drawingml/2006/main" xmlns:r="http://schemas.openxmlformats.org/officeDocument/2006/relationships" xmlns:p="http://schemas.openxmlformats.org/presentationml/2006/main">
+  <p:cSld>
+    <p:spTree>
+      <p:nvGrpSpPr>
+        <p:cNvPr id="1" name=""/>
+        <p:cNvGrpSpPr/>
+        <p:nvPr/>
+      </p:nvGrpSpPr>
+      <p:grpSpPr>
+        <a:xfrm>
+          <a:off x="0" y="0"/>
+          <a:ext cx="0" cy="0"/>
+          <a:chOff x="0" y="0"/>
+          <a:chExt cx="0" cy="0"/>
+        </a:xfrm>
+      </p:grpSpPr>
+      <p:sp>
+        <p:nvSpPr>
           <p:cNvPr id="6" name="Title 5"/>
           <p:cNvSpPr>
             <a:spLocks noGrp="1"/>
@@ -3951,7 +6612,7 @@
 </p:sld>
 </file>
 
-<file path=ppt/slides/slide11.xml><?xml version="1.0" encoding="utf-8"?>
+<file path=ppt/slides/slide15.xml><?xml version="1.0" encoding="utf-8"?>
 <p:sld xmlns:a="http://schemas.openxmlformats.org/drawingml/2006/main" xmlns:r="http://schemas.openxmlformats.org/officeDocument/2006/relationships" xmlns:p="http://schemas.openxmlformats.org/presentationml/2006/main">
   <p:cSld>
     <p:spTree>
@@ -4015,7 +6676,7 @@
 </p:sld>
 </file>
 
-<file path=ppt/slides/slide12.xml><?xml version="1.0" encoding="utf-8"?>
+<file path=ppt/slides/slide16.xml><?xml version="1.0" encoding="utf-8"?>
 <p:sld xmlns:a="http://schemas.openxmlformats.org/drawingml/2006/main" xmlns:r="http://schemas.openxmlformats.org/officeDocument/2006/relationships" xmlns:p="http://schemas.openxmlformats.org/presentationml/2006/main">
   <p:cSld>
     <p:spTree>
@@ -4556,7 +7217,7 @@
 </p:sld>
 </file>
 
-<file path=ppt/slides/slide13.xml><?xml version="1.0" encoding="utf-8"?>
+<file path=ppt/slides/slide17.xml><?xml version="1.0" encoding="utf-8"?>
 <p:sld xmlns:a="http://schemas.openxmlformats.org/drawingml/2006/main" xmlns:r="http://schemas.openxmlformats.org/officeDocument/2006/relationships" xmlns:p="http://schemas.openxmlformats.org/presentationml/2006/main">
   <p:cSld>
     <p:spTree>
@@ -4620,7 +7281,7 @@
 </p:sld>
 </file>
 
-<file path=ppt/slides/slide14.xml><?xml version="1.0" encoding="utf-8"?>
+<file path=ppt/slides/slide18.xml><?xml version="1.0" encoding="utf-8"?>
 <p:sld xmlns:a="http://schemas.openxmlformats.org/drawingml/2006/main" xmlns:r="http://schemas.openxmlformats.org/officeDocument/2006/relationships" xmlns:p="http://schemas.openxmlformats.org/presentationml/2006/main">
   <p:cSld>
     <p:spTree>
@@ -4762,7 +7423,7 @@
 </p:sld>
 </file>
 
-<file path=ppt/slides/slide15.xml><?xml version="1.0" encoding="utf-8"?>
+<file path=ppt/slides/slide19.xml><?xml version="1.0" encoding="utf-8"?>
 <p:sld xmlns:a="http://schemas.openxmlformats.org/drawingml/2006/main" xmlns:r="http://schemas.openxmlformats.org/officeDocument/2006/relationships" xmlns:p="http://schemas.openxmlformats.org/presentationml/2006/main">
   <p:cSld>
     <p:spTree>
@@ -4845,7 +7506,106 @@
 </p:sld>
 </file>
 
-<file path=ppt/slides/slide16.xml><?xml version="1.0" encoding="utf-8"?>
+<file path=ppt/slides/slide2.xml><?xml version="1.0" encoding="utf-8"?>
+<p:sld xmlns:a="http://schemas.openxmlformats.org/drawingml/2006/main" xmlns:r="http://schemas.openxmlformats.org/officeDocument/2006/relationships" xmlns:p="http://schemas.openxmlformats.org/presentationml/2006/main">
+  <p:cSld>
+    <p:bg>
+      <p:bgPr>
+        <a:solidFill>
+          <a:schemeClr val="accent4">
+            <a:lumMod val="75000"/>
+          </a:schemeClr>
+        </a:solidFill>
+        <a:effectLst/>
+      </p:bgPr>
+    </p:bg>
+    <p:spTree>
+      <p:nvGrpSpPr>
+        <p:cNvPr id="1" name=""/>
+        <p:cNvGrpSpPr/>
+        <p:nvPr/>
+      </p:nvGrpSpPr>
+      <p:grpSpPr>
+        <a:xfrm>
+          <a:off x="0" y="0"/>
+          <a:ext cx="0" cy="0"/>
+          <a:chOff x="0" y="0"/>
+          <a:chExt cx="0" cy="0"/>
+        </a:xfrm>
+      </p:grpSpPr>
+      <p:sp>
+        <p:nvSpPr>
+          <p:cNvPr id="4" name="Title 3"/>
+          <p:cNvSpPr>
+            <a:spLocks noGrp="1"/>
+          </p:cNvSpPr>
+          <p:nvPr>
+            <p:ph type="title"/>
+          </p:nvPr>
+        </p:nvSpPr>
+        <p:spPr>
+          <a:xfrm>
+            <a:off x="1487097" y="2899657"/>
+            <a:ext cx="11524432" cy="1063487"/>
+          </a:xfrm>
+        </p:spPr>
+        <p:txBody>
+          <a:bodyPr/>
+          <a:lstStyle/>
+          <a:p>
+            <a:r>
+              <a:rPr lang="en-US" dirty="0" smtClean="0">
+                <a:solidFill>
+                  <a:schemeClr val="bg1"/>
+                </a:solidFill>
+              </a:rPr>
+              <a:t>After installing </a:t>
+            </a:r>
+            <a:r>
+              <a:rPr lang="en-US" dirty="0" err="1" smtClean="0">
+                <a:solidFill>
+                  <a:schemeClr val="bg1"/>
+                </a:solidFill>
+              </a:rPr>
+              <a:t>Redis</a:t>
+            </a:r>
+            <a:r>
+              <a:rPr lang="en-US" dirty="0" smtClean="0">
+                <a:solidFill>
+                  <a:schemeClr val="bg1"/>
+                </a:solidFill>
+              </a:rPr>
+              <a:t> how do we use it?</a:t>
+            </a:r>
+            <a:endParaRPr lang="en-US" dirty="0">
+              <a:solidFill>
+                <a:schemeClr val="bg1"/>
+              </a:solidFill>
+            </a:endParaRPr>
+          </a:p>
+        </p:txBody>
+      </p:sp>
+    </p:spTree>
+    <p:extLst>
+      <p:ext uri="{BB962C8B-B14F-4D97-AF65-F5344CB8AC3E}">
+        <p14:creationId xmlns:p14="http://schemas.microsoft.com/office/powerpoint/2010/main" val="2894034365"/>
+      </p:ext>
+    </p:extLst>
+  </p:cSld>
+  <p:clrMapOvr>
+    <a:masterClrMapping/>
+  </p:clrMapOvr>
+  <p:timing>
+    <p:tnLst>
+      <p:par>
+        <p:cTn id="1" dur="indefinite" restart="never" nodeType="tmRoot"/>
+      </p:par>
+    </p:tnLst>
+  </p:timing>
+</p:sld>
+</file>
+
+<file path=ppt/slides/slide20.xml><?xml version="1.0" encoding="utf-8"?>
 <p:sld xmlns:a="http://schemas.openxmlformats.org/drawingml/2006/main" xmlns:r="http://schemas.openxmlformats.org/officeDocument/2006/relationships" xmlns:p="http://schemas.openxmlformats.org/presentationml/2006/main">
   <p:cSld>
     <p:spTree>
@@ -5428,7 +8188,7 @@
 </p:sld>
 </file>
 
-<file path=ppt/slides/slide17.xml><?xml version="1.0" encoding="utf-8"?>
+<file path=ppt/slides/slide21.xml><?xml version="1.0" encoding="utf-8"?>
 <p:sld xmlns:a="http://schemas.openxmlformats.org/drawingml/2006/main" xmlns:r="http://schemas.openxmlformats.org/officeDocument/2006/relationships" xmlns:p="http://schemas.openxmlformats.org/presentationml/2006/main">
   <p:cSld>
     <p:spTree>
@@ -5528,7 +8288,7 @@
 </p:sld>
 </file>
 
-<file path=ppt/slides/slide18.xml><?xml version="1.0" encoding="utf-8"?>
+<file path=ppt/slides/slide22.xml><?xml version="1.0" encoding="utf-8"?>
 <p:sld xmlns:a="http://schemas.openxmlformats.org/drawingml/2006/main" xmlns:r="http://schemas.openxmlformats.org/officeDocument/2006/relationships" xmlns:p="http://schemas.openxmlformats.org/presentationml/2006/main">
   <p:cSld>
     <p:spTree>
@@ -5670,7 +8430,7 @@
 </p:sld>
 </file>
 
-<file path=ppt/slides/slide19.xml><?xml version="1.0" encoding="utf-8"?>
+<file path=ppt/slides/slide23.xml><?xml version="1.0" encoding="utf-8"?>
 <p:sld xmlns:a="http://schemas.openxmlformats.org/drawingml/2006/main" xmlns:r="http://schemas.openxmlformats.org/officeDocument/2006/relationships" xmlns:p="http://schemas.openxmlformats.org/presentationml/2006/main">
   <p:cSld>
     <p:spTree>
@@ -5763,361 +8523,7 @@
 </p:sld>
 </file>
 
-<file path=ppt/slides/slide2.xml><?xml version="1.0" encoding="utf-8"?>
-<p:sld xmlns:a="http://schemas.openxmlformats.org/drawingml/2006/main" xmlns:r="http://schemas.openxmlformats.org/officeDocument/2006/relationships" xmlns:p="http://schemas.openxmlformats.org/presentationml/2006/main">
-  <p:cSld>
-    <p:spTree>
-      <p:nvGrpSpPr>
-        <p:cNvPr id="1" name=""/>
-        <p:cNvGrpSpPr/>
-        <p:nvPr/>
-      </p:nvGrpSpPr>
-      <p:grpSpPr>
-        <a:xfrm>
-          <a:off x="0" y="0"/>
-          <a:ext cx="0" cy="0"/>
-          <a:chOff x="0" y="0"/>
-          <a:chExt cx="0" cy="0"/>
-        </a:xfrm>
-      </p:grpSpPr>
-      <p:sp>
-        <p:nvSpPr>
-          <p:cNvPr id="4" name="Title 3"/>
-          <p:cNvSpPr>
-            <a:spLocks noGrp="1"/>
-          </p:cNvSpPr>
-          <p:nvPr>
-            <p:ph type="title"/>
-          </p:nvPr>
-        </p:nvSpPr>
-        <p:spPr/>
-        <p:txBody>
-          <a:bodyPr/>
-          <a:lstStyle/>
-          <a:p>
-            <a:r>
-              <a:rPr lang="en-US" dirty="0" smtClean="0"/>
-              <a:t>After installing </a:t>
-            </a:r>
-            <a:r>
-              <a:rPr lang="en-US" dirty="0" err="1" smtClean="0"/>
-              <a:t>Redis</a:t>
-            </a:r>
-            <a:r>
-              <a:rPr lang="en-US" dirty="0" smtClean="0"/>
-              <a:t> how do we use it?</a:t>
-            </a:r>
-            <a:endParaRPr lang="en-US" dirty="0"/>
-          </a:p>
-        </p:txBody>
-      </p:sp>
-      <p:sp>
-        <p:nvSpPr>
-          <p:cNvPr id="5" name="Content Placeholder 4"/>
-          <p:cNvSpPr>
-            <a:spLocks noGrp="1"/>
-          </p:cNvSpPr>
-          <p:nvPr>
-            <p:ph sz="quarter" idx="10"/>
-          </p:nvPr>
-        </p:nvSpPr>
-        <p:spPr/>
-        <p:txBody>
-          <a:bodyPr/>
-          <a:lstStyle/>
-          <a:p>
-            <a:pPr marL="514350" indent="-514350">
-              <a:buFont typeface="+mj-lt"/>
-              <a:buAutoNum type="arabicPeriod"/>
-            </a:pPr>
-            <a:r>
-              <a:rPr lang="en-CA" dirty="0" smtClean="0"/>
-              <a:t>You need to connect to the </a:t>
-            </a:r>
-            <a:r>
-              <a:rPr lang="en-CA" dirty="0" err="1" smtClean="0"/>
-              <a:t>Redis</a:t>
-            </a:r>
-            <a:r>
-              <a:rPr lang="en-CA" dirty="0" smtClean="0"/>
-              <a:t> data store</a:t>
-            </a:r>
-          </a:p>
-          <a:p>
-            <a:pPr marL="514350" indent="-514350">
-              <a:buFont typeface="+mj-lt"/>
-              <a:buAutoNum type="arabicPeriod"/>
-            </a:pPr>
-            <a:r>
-              <a:rPr lang="en-CA" dirty="0" smtClean="0"/>
-              <a:t>Save the values you want to remember</a:t>
-            </a:r>
-          </a:p>
-          <a:p>
-            <a:pPr marL="514350" indent="-514350">
-              <a:buFont typeface="+mj-lt"/>
-              <a:buAutoNum type="arabicPeriod"/>
-            </a:pPr>
-            <a:r>
-              <a:rPr lang="en-CA" dirty="0" smtClean="0"/>
-              <a:t>Modify the values as needed</a:t>
-            </a:r>
-          </a:p>
-          <a:p>
-            <a:pPr marL="514350" indent="-514350">
-              <a:buFont typeface="+mj-lt"/>
-              <a:buAutoNum type="arabicPeriod"/>
-            </a:pPr>
-            <a:r>
-              <a:rPr lang="en-CA" dirty="0" smtClean="0"/>
-              <a:t>Retrieve them when needed</a:t>
-            </a:r>
-          </a:p>
-        </p:txBody>
-      </p:sp>
-    </p:spTree>
-    <p:extLst>
-      <p:ext uri="{BB962C8B-B14F-4D97-AF65-F5344CB8AC3E}">
-        <p14:creationId xmlns:p14="http://schemas.microsoft.com/office/powerpoint/2010/main" val="2894034365"/>
-      </p:ext>
-    </p:extLst>
-  </p:cSld>
-  <p:clrMapOvr>
-    <a:masterClrMapping/>
-  </p:clrMapOvr>
-  <p:timing>
-    <p:tnLst>
-      <p:par>
-        <p:cTn id="1" dur="indefinite" restart="never" nodeType="tmRoot">
-          <p:childTnLst>
-            <p:seq concurrent="1" nextAc="seek">
-              <p:cTn id="2" dur="indefinite" nodeType="mainSeq">
-                <p:childTnLst>
-                  <p:par>
-                    <p:cTn id="3" fill="hold">
-                      <p:stCondLst>
-                        <p:cond delay="indefinite"/>
-                      </p:stCondLst>
-                      <p:childTnLst>
-                        <p:par>
-                          <p:cTn id="4" fill="hold">
-                            <p:stCondLst>
-                              <p:cond delay="0"/>
-                            </p:stCondLst>
-                            <p:childTnLst>
-                              <p:par>
-                                <p:cTn id="5" presetID="1" presetClass="entr" presetSubtype="0" fill="hold" grpId="0" nodeType="clickEffect">
-                                  <p:stCondLst>
-                                    <p:cond delay="0"/>
-                                  </p:stCondLst>
-                                  <p:childTnLst>
-                                    <p:set>
-                                      <p:cBhvr>
-                                        <p:cTn id="6" dur="1" fill="hold">
-                                          <p:stCondLst>
-                                            <p:cond delay="0"/>
-                                          </p:stCondLst>
-                                        </p:cTn>
-                                        <p:tgtEl>
-                                          <p:spTgt spid="5">
-                                            <p:txEl>
-                                              <p:pRg st="0" end="0"/>
-                                            </p:txEl>
-                                          </p:spTgt>
-                                        </p:tgtEl>
-                                        <p:attrNameLst>
-                                          <p:attrName>style.visibility</p:attrName>
-                                        </p:attrNameLst>
-                                      </p:cBhvr>
-                                      <p:to>
-                                        <p:strVal val="visible"/>
-                                      </p:to>
-                                    </p:set>
-                                  </p:childTnLst>
-                                </p:cTn>
-                              </p:par>
-                            </p:childTnLst>
-                          </p:cTn>
-                        </p:par>
-                      </p:childTnLst>
-                    </p:cTn>
-                  </p:par>
-                  <p:par>
-                    <p:cTn id="7" fill="hold">
-                      <p:stCondLst>
-                        <p:cond delay="indefinite"/>
-                      </p:stCondLst>
-                      <p:childTnLst>
-                        <p:par>
-                          <p:cTn id="8" fill="hold">
-                            <p:stCondLst>
-                              <p:cond delay="0"/>
-                            </p:stCondLst>
-                            <p:childTnLst>
-                              <p:par>
-                                <p:cTn id="9" presetID="1" presetClass="entr" presetSubtype="0" fill="hold" grpId="0" nodeType="clickEffect">
-                                  <p:stCondLst>
-                                    <p:cond delay="0"/>
-                                  </p:stCondLst>
-                                  <p:childTnLst>
-                                    <p:set>
-                                      <p:cBhvr>
-                                        <p:cTn id="10" dur="1" fill="hold">
-                                          <p:stCondLst>
-                                            <p:cond delay="0"/>
-                                          </p:stCondLst>
-                                        </p:cTn>
-                                        <p:tgtEl>
-                                          <p:spTgt spid="5">
-                                            <p:txEl>
-                                              <p:pRg st="1" end="1"/>
-                                            </p:txEl>
-                                          </p:spTgt>
-                                        </p:tgtEl>
-                                        <p:attrNameLst>
-                                          <p:attrName>style.visibility</p:attrName>
-                                        </p:attrNameLst>
-                                      </p:cBhvr>
-                                      <p:to>
-                                        <p:strVal val="visible"/>
-                                      </p:to>
-                                    </p:set>
-                                  </p:childTnLst>
-                                </p:cTn>
-                              </p:par>
-                            </p:childTnLst>
-                          </p:cTn>
-                        </p:par>
-                      </p:childTnLst>
-                    </p:cTn>
-                  </p:par>
-                  <p:par>
-                    <p:cTn id="11" fill="hold">
-                      <p:stCondLst>
-                        <p:cond delay="indefinite"/>
-                      </p:stCondLst>
-                      <p:childTnLst>
-                        <p:par>
-                          <p:cTn id="12" fill="hold">
-                            <p:stCondLst>
-                              <p:cond delay="0"/>
-                            </p:stCondLst>
-                            <p:childTnLst>
-                              <p:par>
-                                <p:cTn id="13" presetID="1" presetClass="entr" presetSubtype="0" fill="hold" grpId="0" nodeType="clickEffect">
-                                  <p:stCondLst>
-                                    <p:cond delay="0"/>
-                                  </p:stCondLst>
-                                  <p:childTnLst>
-                                    <p:set>
-                                      <p:cBhvr>
-                                        <p:cTn id="14" dur="1" fill="hold">
-                                          <p:stCondLst>
-                                            <p:cond delay="0"/>
-                                          </p:stCondLst>
-                                        </p:cTn>
-                                        <p:tgtEl>
-                                          <p:spTgt spid="5">
-                                            <p:txEl>
-                                              <p:pRg st="2" end="2"/>
-                                            </p:txEl>
-                                          </p:spTgt>
-                                        </p:tgtEl>
-                                        <p:attrNameLst>
-                                          <p:attrName>style.visibility</p:attrName>
-                                        </p:attrNameLst>
-                                      </p:cBhvr>
-                                      <p:to>
-                                        <p:strVal val="visible"/>
-                                      </p:to>
-                                    </p:set>
-                                  </p:childTnLst>
-                                </p:cTn>
-                              </p:par>
-                            </p:childTnLst>
-                          </p:cTn>
-                        </p:par>
-                      </p:childTnLst>
-                    </p:cTn>
-                  </p:par>
-                  <p:par>
-                    <p:cTn id="15" fill="hold">
-                      <p:stCondLst>
-                        <p:cond delay="indefinite"/>
-                      </p:stCondLst>
-                      <p:childTnLst>
-                        <p:par>
-                          <p:cTn id="16" fill="hold">
-                            <p:stCondLst>
-                              <p:cond delay="0"/>
-                            </p:stCondLst>
-                            <p:childTnLst>
-                              <p:par>
-                                <p:cTn id="17" presetID="1" presetClass="entr" presetSubtype="0" fill="hold" grpId="0" nodeType="clickEffect">
-                                  <p:stCondLst>
-                                    <p:cond delay="0"/>
-                                  </p:stCondLst>
-                                  <p:childTnLst>
-                                    <p:set>
-                                      <p:cBhvr>
-                                        <p:cTn id="18" dur="1" fill="hold">
-                                          <p:stCondLst>
-                                            <p:cond delay="0"/>
-                                          </p:stCondLst>
-                                        </p:cTn>
-                                        <p:tgtEl>
-                                          <p:spTgt spid="5">
-                                            <p:txEl>
-                                              <p:pRg st="3" end="3"/>
-                                            </p:txEl>
-                                          </p:spTgt>
-                                        </p:tgtEl>
-                                        <p:attrNameLst>
-                                          <p:attrName>style.visibility</p:attrName>
-                                        </p:attrNameLst>
-                                      </p:cBhvr>
-                                      <p:to>
-                                        <p:strVal val="visible"/>
-                                      </p:to>
-                                    </p:set>
-                                  </p:childTnLst>
-                                </p:cTn>
-                              </p:par>
-                            </p:childTnLst>
-                          </p:cTn>
-                        </p:par>
-                      </p:childTnLst>
-                    </p:cTn>
-                  </p:par>
-                </p:childTnLst>
-              </p:cTn>
-              <p:prevCondLst>
-                <p:cond evt="onPrev" delay="0">
-                  <p:tgtEl>
-                    <p:sldTgt/>
-                  </p:tgtEl>
-                </p:cond>
-              </p:prevCondLst>
-              <p:nextCondLst>
-                <p:cond evt="onNext" delay="0">
-                  <p:tgtEl>
-                    <p:sldTgt/>
-                  </p:tgtEl>
-                </p:cond>
-              </p:nextCondLst>
-            </p:seq>
-          </p:childTnLst>
-        </p:cTn>
-      </p:par>
-    </p:tnLst>
-    <p:bldLst>
-      <p:bldP spid="5" grpId="0" build="p"/>
-    </p:bldLst>
-  </p:timing>
-</p:sld>
-</file>
-
-<file path=ppt/slides/slide20.xml><?xml version="1.0" encoding="utf-8"?>
+<file path=ppt/slides/slide24.xml><?xml version="1.0" encoding="utf-8"?>
 <p:sld xmlns:a="http://schemas.openxmlformats.org/drawingml/2006/main" xmlns:r="http://schemas.openxmlformats.org/officeDocument/2006/relationships" xmlns:p="http://schemas.openxmlformats.org/presentationml/2006/main">
   <p:cSld>
     <p:spTree>
@@ -6217,7 +8623,7 @@
 </p:sld>
 </file>
 
-<file path=ppt/slides/slide21.xml><?xml version="1.0" encoding="utf-8"?>
+<file path=ppt/slides/slide25.xml><?xml version="1.0" encoding="utf-8"?>
 <p:sld xmlns:a="http://schemas.openxmlformats.org/drawingml/2006/main" xmlns:r="http://schemas.openxmlformats.org/officeDocument/2006/relationships" xmlns:p="http://schemas.openxmlformats.org/presentationml/2006/main">
   <p:cSld>
     <p:spTree>
@@ -6255,6 +8661,310 @@
 </file>
 
 <file path=ppt/slides/slide3.xml><?xml version="1.0" encoding="utf-8"?>
+<p:sld xmlns:a="http://schemas.openxmlformats.org/drawingml/2006/main" xmlns:r="http://schemas.openxmlformats.org/officeDocument/2006/relationships" xmlns:p="http://schemas.openxmlformats.org/presentationml/2006/main">
+  <p:cSld>
+    <p:spTree>
+      <p:nvGrpSpPr>
+        <p:cNvPr id="1" name=""/>
+        <p:cNvGrpSpPr/>
+        <p:nvPr/>
+      </p:nvGrpSpPr>
+      <p:grpSpPr>
+        <a:xfrm>
+          <a:off x="0" y="0"/>
+          <a:ext cx="0" cy="0"/>
+          <a:chOff x="0" y="0"/>
+          <a:chExt cx="0" cy="0"/>
+        </a:xfrm>
+      </p:grpSpPr>
+      <p:sp>
+        <p:nvSpPr>
+          <p:cNvPr id="2" name="Title 1"/>
+          <p:cNvSpPr>
+            <a:spLocks noGrp="1"/>
+          </p:cNvSpPr>
+          <p:nvPr>
+            <p:ph type="title"/>
+          </p:nvPr>
+        </p:nvSpPr>
+        <p:spPr/>
+        <p:txBody>
+          <a:bodyPr/>
+          <a:lstStyle/>
+          <a:p>
+            <a:r>
+              <a:rPr lang="en-US" dirty="0" smtClean="0"/>
+              <a:t>Using </a:t>
+            </a:r>
+            <a:r>
+              <a:rPr lang="en-US" dirty="0" err="1" smtClean="0"/>
+              <a:t>Redis</a:t>
+            </a:r>
+            <a:endParaRPr lang="en-US" dirty="0"/>
+          </a:p>
+        </p:txBody>
+      </p:sp>
+      <p:sp>
+        <p:nvSpPr>
+          <p:cNvPr id="3" name="Content Placeholder 2"/>
+          <p:cNvSpPr>
+            <a:spLocks noGrp="1"/>
+          </p:cNvSpPr>
+          <p:nvPr>
+            <p:ph sz="quarter" idx="10"/>
+          </p:nvPr>
+        </p:nvSpPr>
+        <p:spPr/>
+        <p:txBody>
+          <a:bodyPr/>
+          <a:lstStyle/>
+          <a:p>
+            <a:r>
+              <a:rPr lang="en-US" dirty="0" smtClean="0"/>
+              <a:t>Getting started</a:t>
+            </a:r>
+          </a:p>
+          <a:p>
+            <a:r>
+              <a:rPr lang="en-US" dirty="0" err="1" smtClean="0"/>
+              <a:t>Redis</a:t>
+            </a:r>
+            <a:r>
+              <a:rPr lang="en-US" dirty="0" smtClean="0"/>
+              <a:t> </a:t>
+            </a:r>
+            <a:r>
+              <a:rPr lang="en-US" dirty="0"/>
+              <a:t>keys and </a:t>
+            </a:r>
+            <a:r>
+              <a:rPr lang="en-US" dirty="0" smtClean="0"/>
+              <a:t>values</a:t>
+            </a:r>
+          </a:p>
+          <a:p>
+            <a:r>
+              <a:rPr lang="en-US" dirty="0" err="1" smtClean="0"/>
+              <a:t>Redis</a:t>
+            </a:r>
+            <a:r>
+              <a:rPr lang="en-US" smtClean="0"/>
+              <a:t> FAQ</a:t>
+            </a:r>
+            <a:endParaRPr lang="en-US" dirty="0"/>
+          </a:p>
+        </p:txBody>
+      </p:sp>
+    </p:spTree>
+    <p:extLst>
+      <p:ext uri="{BB962C8B-B14F-4D97-AF65-F5344CB8AC3E}">
+        <p14:creationId xmlns:p14="http://schemas.microsoft.com/office/powerpoint/2010/main" val="4012239730"/>
+      </p:ext>
+    </p:extLst>
+  </p:cSld>
+  <p:clrMapOvr>
+    <a:masterClrMapping/>
+  </p:clrMapOvr>
+</p:sld>
+</file>
+
+<file path=ppt/slides/slide4.xml><?xml version="1.0" encoding="utf-8"?>
+<p:sld xmlns:a="http://schemas.openxmlformats.org/drawingml/2006/main" xmlns:r="http://schemas.openxmlformats.org/officeDocument/2006/relationships" xmlns:p="http://schemas.openxmlformats.org/presentationml/2006/main">
+  <p:cSld>
+    <p:spTree>
+      <p:nvGrpSpPr>
+        <p:cNvPr id="1" name=""/>
+        <p:cNvGrpSpPr/>
+        <p:nvPr/>
+      </p:nvGrpSpPr>
+      <p:grpSpPr>
+        <a:xfrm>
+          <a:off x="0" y="0"/>
+          <a:ext cx="0" cy="0"/>
+          <a:chOff x="0" y="0"/>
+          <a:chExt cx="0" cy="0"/>
+        </a:xfrm>
+      </p:grpSpPr>
+      <p:sp>
+        <p:nvSpPr>
+          <p:cNvPr id="5" name="Text Placeholder 4"/>
+          <p:cNvSpPr>
+            <a:spLocks noGrp="1"/>
+          </p:cNvSpPr>
+          <p:nvPr>
+            <p:ph type="body" sz="quarter" idx="10"/>
+          </p:nvPr>
+        </p:nvSpPr>
+        <p:spPr/>
+        <p:txBody>
+          <a:bodyPr/>
+          <a:lstStyle/>
+          <a:p>
+            <a:r>
+              <a:rPr lang="en-US" dirty="0" smtClean="0"/>
+              <a:t>Getting started</a:t>
+            </a:r>
+            <a:endParaRPr lang="en-US" dirty="0"/>
+          </a:p>
+        </p:txBody>
+      </p:sp>
+      <p:sp>
+        <p:nvSpPr>
+          <p:cNvPr id="4" name="Subtitle 3"/>
+          <p:cNvSpPr>
+            <a:spLocks noGrp="1"/>
+          </p:cNvSpPr>
+          <p:nvPr>
+            <p:ph type="subTitle" idx="1"/>
+          </p:nvPr>
+        </p:nvSpPr>
+        <p:spPr/>
+        <p:txBody>
+          <a:bodyPr/>
+          <a:lstStyle/>
+          <a:p>
+            <a:endParaRPr lang="en-US"/>
+          </a:p>
+        </p:txBody>
+      </p:sp>
+    </p:spTree>
+    <p:extLst>
+      <p:ext uri="{BB962C8B-B14F-4D97-AF65-F5344CB8AC3E}">
+        <p14:creationId xmlns:p14="http://schemas.microsoft.com/office/powerpoint/2010/main" val="1990379646"/>
+      </p:ext>
+    </p:extLst>
+  </p:cSld>
+  <p:clrMapOvr>
+    <a:masterClrMapping/>
+  </p:clrMapOvr>
+</p:sld>
+</file>
+
+<file path=ppt/slides/slide5.xml><?xml version="1.0" encoding="utf-8"?>
+<p:sld xmlns:a="http://schemas.openxmlformats.org/drawingml/2006/main" xmlns:r="http://schemas.openxmlformats.org/officeDocument/2006/relationships" xmlns:p="http://schemas.openxmlformats.org/presentationml/2006/main">
+  <p:cSld>
+    <p:spTree>
+      <p:nvGrpSpPr>
+        <p:cNvPr id="1" name=""/>
+        <p:cNvGrpSpPr/>
+        <p:nvPr/>
+      </p:nvGrpSpPr>
+      <p:grpSpPr>
+        <a:xfrm>
+          <a:off x="0" y="0"/>
+          <a:ext cx="0" cy="0"/>
+          <a:chOff x="0" y="0"/>
+          <a:chExt cx="0" cy="0"/>
+        </a:xfrm>
+      </p:grpSpPr>
+      <p:sp>
+        <p:nvSpPr>
+          <p:cNvPr id="2" name="Title 1"/>
+          <p:cNvSpPr>
+            <a:spLocks noGrp="1"/>
+          </p:cNvSpPr>
+          <p:nvPr>
+            <p:ph type="title"/>
+          </p:nvPr>
+        </p:nvSpPr>
+        <p:spPr/>
+        <p:txBody>
+          <a:bodyPr/>
+          <a:lstStyle/>
+          <a:p>
+            <a:r>
+              <a:rPr lang="en-US" dirty="0" smtClean="0"/>
+              <a:t>Using </a:t>
+            </a:r>
+            <a:r>
+              <a:rPr lang="en-US" dirty="0" err="1" smtClean="0"/>
+              <a:t>Redis</a:t>
+            </a:r>
+            <a:endParaRPr lang="en-US" dirty="0"/>
+          </a:p>
+        </p:txBody>
+      </p:sp>
+      <p:sp>
+        <p:nvSpPr>
+          <p:cNvPr id="3" name="Content Placeholder 2"/>
+          <p:cNvSpPr>
+            <a:spLocks noGrp="1"/>
+          </p:cNvSpPr>
+          <p:nvPr>
+            <p:ph sz="quarter" idx="10"/>
+          </p:nvPr>
+        </p:nvSpPr>
+        <p:spPr/>
+        <p:txBody>
+          <a:bodyPr/>
+          <a:lstStyle/>
+          <a:p>
+            <a:pPr marL="514350" indent="-514350">
+              <a:buFont typeface="+mj-lt"/>
+              <a:buAutoNum type="arabicPeriod"/>
+            </a:pPr>
+            <a:r>
+              <a:rPr lang="en-CA" dirty="0"/>
+              <a:t>You need to connect to the </a:t>
+            </a:r>
+            <a:r>
+              <a:rPr lang="en-CA" dirty="0" err="1"/>
+              <a:t>Redis</a:t>
+            </a:r>
+            <a:r>
+              <a:rPr lang="en-CA" dirty="0"/>
+              <a:t> data store</a:t>
+            </a:r>
+          </a:p>
+          <a:p>
+            <a:pPr marL="514350" indent="-514350">
+              <a:buFont typeface="+mj-lt"/>
+              <a:buAutoNum type="arabicPeriod"/>
+            </a:pPr>
+            <a:r>
+              <a:rPr lang="en-CA" dirty="0"/>
+              <a:t>Save the values you want to remember</a:t>
+            </a:r>
+          </a:p>
+          <a:p>
+            <a:pPr marL="514350" indent="-514350">
+              <a:buFont typeface="+mj-lt"/>
+              <a:buAutoNum type="arabicPeriod"/>
+            </a:pPr>
+            <a:r>
+              <a:rPr lang="en-CA" dirty="0"/>
+              <a:t>Modify the values as needed</a:t>
+            </a:r>
+          </a:p>
+          <a:p>
+            <a:pPr marL="514350" indent="-514350">
+              <a:buFont typeface="+mj-lt"/>
+              <a:buAutoNum type="arabicPeriod"/>
+            </a:pPr>
+            <a:r>
+              <a:rPr lang="en-CA" dirty="0"/>
+              <a:t>Retrieve them when needed</a:t>
+            </a:r>
+          </a:p>
+          <a:p>
+            <a:endParaRPr lang="en-US" dirty="0"/>
+          </a:p>
+        </p:txBody>
+      </p:sp>
+    </p:spTree>
+    <p:extLst>
+      <p:ext uri="{BB962C8B-B14F-4D97-AF65-F5344CB8AC3E}">
+        <p14:creationId xmlns:p14="http://schemas.microsoft.com/office/powerpoint/2010/main" val="652764011"/>
+      </p:ext>
+    </p:extLst>
+  </p:cSld>
+  <p:clrMapOvr>
+    <a:masterClrMapping/>
+  </p:clrMapOvr>
+</p:sld>
+</file>
+
+<file path=ppt/slides/slide6.xml><?xml version="1.0" encoding="utf-8"?>
 <p:sld xmlns:a="http://schemas.openxmlformats.org/drawingml/2006/main" xmlns:r="http://schemas.openxmlformats.org/officeDocument/2006/relationships" xmlns:p="http://schemas.openxmlformats.org/presentationml/2006/main">
   <p:cSld>
     <p:spTree>
@@ -6587,7 +9297,83 @@
 </p:sld>
 </file>
 
-<file path=ppt/slides/slide4.xml><?xml version="1.0" encoding="utf-8"?>
+<file path=ppt/slides/slide7.xml><?xml version="1.0" encoding="utf-8"?>
+<p:sld xmlns:a="http://schemas.openxmlformats.org/drawingml/2006/main" xmlns:r="http://schemas.openxmlformats.org/officeDocument/2006/relationships" xmlns:p="http://schemas.openxmlformats.org/presentationml/2006/main">
+  <p:cSld>
+    <p:spTree>
+      <p:nvGrpSpPr>
+        <p:cNvPr id="1" name=""/>
+        <p:cNvGrpSpPr/>
+        <p:nvPr/>
+      </p:nvGrpSpPr>
+      <p:grpSpPr>
+        <a:xfrm>
+          <a:off x="0" y="0"/>
+          <a:ext cx="0" cy="0"/>
+          <a:chOff x="0" y="0"/>
+          <a:chExt cx="0" cy="0"/>
+        </a:xfrm>
+      </p:grpSpPr>
+      <p:sp>
+        <p:nvSpPr>
+          <p:cNvPr id="5" name="Text Placeholder 4"/>
+          <p:cNvSpPr>
+            <a:spLocks noGrp="1"/>
+          </p:cNvSpPr>
+          <p:nvPr>
+            <p:ph type="body" sz="quarter" idx="10"/>
+          </p:nvPr>
+        </p:nvSpPr>
+        <p:spPr/>
+        <p:txBody>
+          <a:bodyPr/>
+          <a:lstStyle/>
+          <a:p>
+            <a:r>
+              <a:rPr lang="en-US" dirty="0" err="1" smtClean="0"/>
+              <a:t>Redis</a:t>
+            </a:r>
+            <a:r>
+              <a:rPr lang="en-US" dirty="0" smtClean="0"/>
+              <a:t> keys and values</a:t>
+            </a:r>
+            <a:endParaRPr lang="en-US" dirty="0"/>
+          </a:p>
+        </p:txBody>
+      </p:sp>
+      <p:sp>
+        <p:nvSpPr>
+          <p:cNvPr id="4" name="Subtitle 3"/>
+          <p:cNvSpPr>
+            <a:spLocks noGrp="1"/>
+          </p:cNvSpPr>
+          <p:nvPr>
+            <p:ph type="subTitle" idx="1"/>
+          </p:nvPr>
+        </p:nvSpPr>
+        <p:spPr/>
+        <p:txBody>
+          <a:bodyPr/>
+          <a:lstStyle/>
+          <a:p>
+            <a:endParaRPr lang="en-US"/>
+          </a:p>
+        </p:txBody>
+      </p:sp>
+    </p:spTree>
+    <p:extLst>
+      <p:ext uri="{BB962C8B-B14F-4D97-AF65-F5344CB8AC3E}">
+        <p14:creationId xmlns:p14="http://schemas.microsoft.com/office/powerpoint/2010/main" val="1970919543"/>
+      </p:ext>
+    </p:extLst>
+  </p:cSld>
+  <p:clrMapOvr>
+    <a:masterClrMapping/>
+  </p:clrMapOvr>
+</p:sld>
+</file>
+
+<file path=ppt/slides/slide8.xml><?xml version="1.0" encoding="utf-8"?>
 <p:sld xmlns:a="http://schemas.openxmlformats.org/drawingml/2006/main" xmlns:r="http://schemas.openxmlformats.org/officeDocument/2006/relationships" xmlns:p="http://schemas.openxmlformats.org/presentationml/2006/main">
   <p:cSld>
     <p:spTree>
@@ -7083,7 +9869,7 @@
 </p:sld>
 </file>
 
-<file path=ppt/slides/slide5.xml><?xml version="1.0" encoding="utf-8"?>
+<file path=ppt/slides/slide9.xml><?xml version="1.0" encoding="utf-8"?>
 <p:sld xmlns:a="http://schemas.openxmlformats.org/drawingml/2006/main" xmlns:r="http://schemas.openxmlformats.org/officeDocument/2006/relationships" xmlns:p="http://schemas.openxmlformats.org/presentationml/2006/main">
   <p:cSld>
     <p:spTree>
@@ -7894,2663 +10680,6 @@
     <p:bldLst>
       <p:bldP spid="5" grpId="0" uiExpand="1" build="p"/>
     </p:bldLst>
-  </p:timing>
-</p:sld>
-</file>
-
-<file path=ppt/slides/slide6.xml><?xml version="1.0" encoding="utf-8"?>
-<p:sld xmlns:a="http://schemas.openxmlformats.org/drawingml/2006/main" xmlns:r="http://schemas.openxmlformats.org/officeDocument/2006/relationships" xmlns:p="http://schemas.openxmlformats.org/presentationml/2006/main">
-  <p:cSld>
-    <p:spTree>
-      <p:nvGrpSpPr>
-        <p:cNvPr id="1" name=""/>
-        <p:cNvGrpSpPr/>
-        <p:nvPr/>
-      </p:nvGrpSpPr>
-      <p:grpSpPr>
-        <a:xfrm>
-          <a:off x="0" y="0"/>
-          <a:ext cx="0" cy="0"/>
-          <a:chOff x="0" y="0"/>
-          <a:chExt cx="0" cy="0"/>
-        </a:xfrm>
-      </p:grpSpPr>
-      <p:sp>
-        <p:nvSpPr>
-          <p:cNvPr id="2" name="Title 1"/>
-          <p:cNvSpPr>
-            <a:spLocks noGrp="1"/>
-          </p:cNvSpPr>
-          <p:nvPr>
-            <p:ph type="title"/>
-          </p:nvPr>
-        </p:nvSpPr>
-        <p:spPr/>
-        <p:txBody>
-          <a:bodyPr/>
-          <a:lstStyle/>
-          <a:p>
-            <a:r>
-              <a:rPr lang="en-CA" dirty="0" smtClean="0"/>
-              <a:t>You can store numbers instead of strings</a:t>
-            </a:r>
-            <a:endParaRPr lang="en-US" dirty="0"/>
-          </a:p>
-        </p:txBody>
-      </p:sp>
-      <p:sp>
-        <p:nvSpPr>
-          <p:cNvPr id="3" name="Content Placeholder 2"/>
-          <p:cNvSpPr>
-            <a:spLocks noGrp="1"/>
-          </p:cNvSpPr>
-          <p:nvPr>
-            <p:ph sz="quarter" idx="10"/>
-          </p:nvPr>
-        </p:nvSpPr>
-        <p:spPr/>
-        <p:txBody>
-          <a:bodyPr/>
-          <a:lstStyle/>
-          <a:p>
-            <a:pPr marL="0" lvl="0" indent="0">
-              <a:buNone/>
-            </a:pPr>
-            <a:r>
-              <a:rPr lang="en-US" altLang="en-US" sz="2800" dirty="0" err="1">
-                <a:solidFill>
-                  <a:srgbClr val="000000"/>
-                </a:solidFill>
-                <a:latin typeface="Consolas" panose="020B0609020204030204" pitchFamily="49" charset="0"/>
-                <a:cs typeface="Consolas" panose="020B0609020204030204" pitchFamily="49" charset="0"/>
-              </a:rPr>
-              <a:t>r.set</a:t>
-            </a:r>
-            <a:r>
-              <a:rPr lang="en-US" altLang="en-US" sz="2800" dirty="0">
-                <a:solidFill>
-                  <a:srgbClr val="000000"/>
-                </a:solidFill>
-                <a:latin typeface="Consolas" panose="020B0609020204030204" pitchFamily="49" charset="0"/>
-                <a:cs typeface="Consolas" panose="020B0609020204030204" pitchFamily="49" charset="0"/>
-              </a:rPr>
-              <a:t>(</a:t>
-            </a:r>
-            <a:r>
-              <a:rPr lang="en-US" altLang="en-US" sz="2800" dirty="0">
-                <a:solidFill>
-                  <a:srgbClr val="A31515"/>
-                </a:solidFill>
-                <a:latin typeface="Consolas" panose="020B0609020204030204" pitchFamily="49" charset="0"/>
-                <a:cs typeface="Consolas" panose="020B0609020204030204" pitchFamily="49" charset="0"/>
-              </a:rPr>
-              <a:t>'nbrVisitors'</a:t>
-            </a:r>
-            <a:r>
-              <a:rPr lang="en-US" altLang="en-US" sz="2800" dirty="0">
-                <a:solidFill>
-                  <a:srgbClr val="000000"/>
-                </a:solidFill>
-                <a:latin typeface="Consolas" panose="020B0609020204030204" pitchFamily="49" charset="0"/>
-                <a:cs typeface="Consolas" panose="020B0609020204030204" pitchFamily="49" charset="0"/>
-              </a:rPr>
-              <a:t>,0</a:t>
-            </a:r>
-            <a:r>
-              <a:rPr lang="en-US" altLang="en-US" sz="2800" dirty="0" smtClean="0">
-                <a:solidFill>
-                  <a:srgbClr val="000000"/>
-                </a:solidFill>
-                <a:latin typeface="Consolas" panose="020B0609020204030204" pitchFamily="49" charset="0"/>
-                <a:cs typeface="Consolas" panose="020B0609020204030204" pitchFamily="49" charset="0"/>
-              </a:rPr>
-              <a:t>)</a:t>
-            </a:r>
-          </a:p>
-          <a:p>
-            <a:pPr marL="0" indent="0">
-              <a:buNone/>
-            </a:pPr>
-            <a:r>
-              <a:rPr lang="en-CA" dirty="0" smtClean="0"/>
-              <a:t>When you store a number you have additional methods you can use to increment or decrement the stored value</a:t>
-            </a:r>
-          </a:p>
-          <a:p>
-            <a:pPr marL="0" indent="0">
-              <a:buNone/>
-            </a:pPr>
-            <a:endParaRPr lang="en-CA" dirty="0" smtClean="0"/>
-          </a:p>
-          <a:p>
-            <a:pPr marL="0" lvl="0" indent="0" defTabSz="914400" eaLnBrk="0" fontAlgn="base" hangingPunct="0">
-              <a:spcBef>
-                <a:spcPct val="0"/>
-              </a:spcBef>
-              <a:spcAft>
-                <a:spcPct val="0"/>
-              </a:spcAft>
-              <a:buNone/>
-            </a:pPr>
-            <a:r>
-              <a:rPr lang="en-US" altLang="en-US" sz="2800" dirty="0" err="1">
-                <a:solidFill>
-                  <a:srgbClr val="000000"/>
-                </a:solidFill>
-                <a:latin typeface="Consolas" panose="020B0609020204030204" pitchFamily="49" charset="0"/>
-                <a:cs typeface="Consolas" panose="020B0609020204030204" pitchFamily="49" charset="0"/>
-              </a:rPr>
-              <a:t>r.incr</a:t>
-            </a:r>
-            <a:r>
-              <a:rPr lang="en-US" altLang="en-US" sz="2800" dirty="0">
-                <a:solidFill>
-                  <a:srgbClr val="000000"/>
-                </a:solidFill>
-                <a:latin typeface="Consolas" panose="020B0609020204030204" pitchFamily="49" charset="0"/>
-                <a:cs typeface="Consolas" panose="020B0609020204030204" pitchFamily="49" charset="0"/>
-              </a:rPr>
-              <a:t>(</a:t>
-            </a:r>
-            <a:r>
-              <a:rPr lang="en-US" altLang="en-US" sz="2800" dirty="0">
-                <a:solidFill>
-                  <a:srgbClr val="A31515"/>
-                </a:solidFill>
-                <a:latin typeface="Consolas" panose="020B0609020204030204" pitchFamily="49" charset="0"/>
-                <a:cs typeface="Consolas" panose="020B0609020204030204" pitchFamily="49" charset="0"/>
-              </a:rPr>
-              <a:t>'</a:t>
-            </a:r>
-            <a:r>
-              <a:rPr lang="en-US" altLang="en-US" sz="2800" dirty="0" err="1">
-                <a:solidFill>
-                  <a:srgbClr val="A31515"/>
-                </a:solidFill>
-                <a:latin typeface="Consolas" panose="020B0609020204030204" pitchFamily="49" charset="0"/>
-                <a:cs typeface="Consolas" panose="020B0609020204030204" pitchFamily="49" charset="0"/>
-              </a:rPr>
-              <a:t>nbrVisitors</a:t>
-            </a:r>
-            <a:r>
-              <a:rPr lang="en-US" altLang="en-US" sz="2800" dirty="0">
-                <a:solidFill>
-                  <a:srgbClr val="A31515"/>
-                </a:solidFill>
-                <a:latin typeface="Consolas" panose="020B0609020204030204" pitchFamily="49" charset="0"/>
-                <a:cs typeface="Consolas" panose="020B0609020204030204" pitchFamily="49" charset="0"/>
-              </a:rPr>
-              <a:t>'</a:t>
-            </a:r>
-            <a:r>
-              <a:rPr lang="en-US" altLang="en-US" sz="2800" dirty="0">
-                <a:solidFill>
-                  <a:srgbClr val="000000"/>
-                </a:solidFill>
-                <a:latin typeface="Consolas" panose="020B0609020204030204" pitchFamily="49" charset="0"/>
-                <a:cs typeface="Consolas" panose="020B0609020204030204" pitchFamily="49" charset="0"/>
-              </a:rPr>
-              <a:t>)       </a:t>
-            </a:r>
-            <a:r>
-              <a:rPr lang="en-US" altLang="en-US" sz="2800" dirty="0">
-                <a:solidFill>
-                  <a:srgbClr val="008000"/>
-                </a:solidFill>
-                <a:latin typeface="Consolas" panose="020B0609020204030204" pitchFamily="49" charset="0"/>
-                <a:cs typeface="Consolas" panose="020B0609020204030204" pitchFamily="49" charset="0"/>
-              </a:rPr>
-              <a:t>#Increment </a:t>
-            </a:r>
-            <a:r>
-              <a:rPr lang="en-US" altLang="en-US" sz="2800" dirty="0" err="1">
-                <a:solidFill>
-                  <a:srgbClr val="008000"/>
-                </a:solidFill>
-                <a:latin typeface="Consolas" panose="020B0609020204030204" pitchFamily="49" charset="0"/>
-                <a:cs typeface="Consolas" panose="020B0609020204030204" pitchFamily="49" charset="0"/>
-              </a:rPr>
-              <a:t>nbrVisitors</a:t>
-            </a:r>
-            <a:r>
-              <a:rPr lang="en-US" altLang="en-US" sz="2800" dirty="0">
-                <a:solidFill>
-                  <a:srgbClr val="008000"/>
-                </a:solidFill>
-                <a:latin typeface="Consolas" panose="020B0609020204030204" pitchFamily="49" charset="0"/>
-                <a:cs typeface="Consolas" panose="020B0609020204030204" pitchFamily="49" charset="0"/>
-              </a:rPr>
-              <a:t> by 1</a:t>
-            </a:r>
-          </a:p>
-          <a:p>
-            <a:pPr marL="0" lvl="0" indent="0" defTabSz="914400" eaLnBrk="0" fontAlgn="base" hangingPunct="0">
-              <a:spcBef>
-                <a:spcPct val="0"/>
-              </a:spcBef>
-              <a:spcAft>
-                <a:spcPct val="0"/>
-              </a:spcAft>
-              <a:buNone/>
-            </a:pPr>
-            <a:r>
-              <a:rPr lang="en-US" altLang="en-US" sz="2800" dirty="0" err="1">
-                <a:solidFill>
-                  <a:srgbClr val="000000"/>
-                </a:solidFill>
-                <a:latin typeface="Consolas" panose="020B0609020204030204" pitchFamily="49" charset="0"/>
-                <a:cs typeface="Consolas" panose="020B0609020204030204" pitchFamily="49" charset="0"/>
-              </a:rPr>
-              <a:t>r.incrby</a:t>
-            </a:r>
-            <a:r>
-              <a:rPr lang="en-US" altLang="en-US" sz="2800" dirty="0">
-                <a:solidFill>
-                  <a:srgbClr val="000000"/>
-                </a:solidFill>
-                <a:latin typeface="Consolas" panose="020B0609020204030204" pitchFamily="49" charset="0"/>
-                <a:cs typeface="Consolas" panose="020B0609020204030204" pitchFamily="49" charset="0"/>
-              </a:rPr>
-              <a:t>(</a:t>
-            </a:r>
-            <a:r>
-              <a:rPr lang="en-US" altLang="en-US" sz="2800" dirty="0">
-                <a:solidFill>
-                  <a:srgbClr val="A31515"/>
-                </a:solidFill>
-                <a:latin typeface="Consolas" panose="020B0609020204030204" pitchFamily="49" charset="0"/>
-                <a:cs typeface="Consolas" panose="020B0609020204030204" pitchFamily="49" charset="0"/>
-              </a:rPr>
-              <a:t>'nbrVisitors'</a:t>
-            </a:r>
-            <a:r>
-              <a:rPr lang="en-US" altLang="en-US" sz="2800" dirty="0">
-                <a:solidFill>
-                  <a:srgbClr val="000000"/>
-                </a:solidFill>
-                <a:latin typeface="Consolas" panose="020B0609020204030204" pitchFamily="49" charset="0"/>
-                <a:cs typeface="Consolas" panose="020B0609020204030204" pitchFamily="49" charset="0"/>
-              </a:rPr>
-              <a:t>,5)   </a:t>
-            </a:r>
-            <a:r>
-              <a:rPr lang="en-US" altLang="en-US" sz="2800" dirty="0">
-                <a:solidFill>
-                  <a:srgbClr val="008000"/>
-                </a:solidFill>
-                <a:latin typeface="Consolas" panose="020B0609020204030204" pitchFamily="49" charset="0"/>
-                <a:cs typeface="Consolas" panose="020B0609020204030204" pitchFamily="49" charset="0"/>
-              </a:rPr>
-              <a:t>#</a:t>
-            </a:r>
-            <a:r>
-              <a:rPr lang="en-US" altLang="en-US" sz="2800" dirty="0" smtClean="0">
-                <a:solidFill>
-                  <a:srgbClr val="008000"/>
-                </a:solidFill>
-                <a:latin typeface="Consolas" panose="020B0609020204030204" pitchFamily="49" charset="0"/>
-                <a:cs typeface="Consolas" panose="020B0609020204030204" pitchFamily="49" charset="0"/>
-              </a:rPr>
-              <a:t>Increment</a:t>
-            </a:r>
-            <a:r>
-              <a:rPr lang="en-US" altLang="en-US" sz="2800" dirty="0">
-                <a:solidFill>
-                  <a:srgbClr val="008000"/>
-                </a:solidFill>
-                <a:latin typeface="Consolas" panose="020B0609020204030204" pitchFamily="49" charset="0"/>
-                <a:cs typeface="Consolas" panose="020B0609020204030204" pitchFamily="49" charset="0"/>
-              </a:rPr>
-              <a:t> </a:t>
-            </a:r>
-            <a:r>
-              <a:rPr lang="en-US" altLang="en-US" sz="2800" dirty="0" err="1">
-                <a:solidFill>
-                  <a:srgbClr val="008000"/>
-                </a:solidFill>
-                <a:latin typeface="Consolas" panose="020B0609020204030204" pitchFamily="49" charset="0"/>
-                <a:cs typeface="Consolas" panose="020B0609020204030204" pitchFamily="49" charset="0"/>
-              </a:rPr>
-              <a:t>nbrVisitors</a:t>
-            </a:r>
-            <a:r>
-              <a:rPr lang="en-US" altLang="en-US" sz="2800" dirty="0">
-                <a:solidFill>
-                  <a:srgbClr val="008000"/>
-                </a:solidFill>
-                <a:latin typeface="Consolas" panose="020B0609020204030204" pitchFamily="49" charset="0"/>
-                <a:cs typeface="Consolas" panose="020B0609020204030204" pitchFamily="49" charset="0"/>
-              </a:rPr>
-              <a:t> by 5</a:t>
-            </a:r>
-          </a:p>
-          <a:p>
-            <a:pPr marL="0" lvl="0" indent="0" defTabSz="914400" eaLnBrk="0" fontAlgn="base" hangingPunct="0">
-              <a:spcBef>
-                <a:spcPct val="0"/>
-              </a:spcBef>
-              <a:spcAft>
-                <a:spcPct val="0"/>
-              </a:spcAft>
-              <a:buNone/>
-            </a:pPr>
-            <a:r>
-              <a:rPr lang="en-US" altLang="en-US" sz="2800" dirty="0" err="1">
-                <a:solidFill>
-                  <a:srgbClr val="000000"/>
-                </a:solidFill>
-                <a:latin typeface="Consolas" panose="020B0609020204030204" pitchFamily="49" charset="0"/>
-                <a:cs typeface="Consolas" panose="020B0609020204030204" pitchFamily="49" charset="0"/>
-              </a:rPr>
-              <a:t>r.decr</a:t>
-            </a:r>
-            <a:r>
-              <a:rPr lang="en-US" altLang="en-US" sz="2800" dirty="0">
-                <a:solidFill>
-                  <a:srgbClr val="000000"/>
-                </a:solidFill>
-                <a:latin typeface="Consolas" panose="020B0609020204030204" pitchFamily="49" charset="0"/>
-                <a:cs typeface="Consolas" panose="020B0609020204030204" pitchFamily="49" charset="0"/>
-              </a:rPr>
-              <a:t>(</a:t>
-            </a:r>
-            <a:r>
-              <a:rPr lang="en-US" altLang="en-US" sz="2800" dirty="0">
-                <a:solidFill>
-                  <a:srgbClr val="A31515"/>
-                </a:solidFill>
-                <a:latin typeface="Consolas" panose="020B0609020204030204" pitchFamily="49" charset="0"/>
-                <a:cs typeface="Consolas" panose="020B0609020204030204" pitchFamily="49" charset="0"/>
-              </a:rPr>
-              <a:t>'</a:t>
-            </a:r>
-            <a:r>
-              <a:rPr lang="en-US" altLang="en-US" sz="2800" dirty="0" err="1">
-                <a:solidFill>
-                  <a:srgbClr val="A31515"/>
-                </a:solidFill>
-                <a:latin typeface="Consolas" panose="020B0609020204030204" pitchFamily="49" charset="0"/>
-                <a:cs typeface="Consolas" panose="020B0609020204030204" pitchFamily="49" charset="0"/>
-              </a:rPr>
-              <a:t>nbrVisitors</a:t>
-            </a:r>
-            <a:r>
-              <a:rPr lang="en-US" altLang="en-US" sz="2800" dirty="0">
-                <a:solidFill>
-                  <a:srgbClr val="A31515"/>
-                </a:solidFill>
-                <a:latin typeface="Consolas" panose="020B0609020204030204" pitchFamily="49" charset="0"/>
-                <a:cs typeface="Consolas" panose="020B0609020204030204" pitchFamily="49" charset="0"/>
-              </a:rPr>
-              <a:t>'</a:t>
-            </a:r>
-            <a:r>
-              <a:rPr lang="en-US" altLang="en-US" sz="2800" dirty="0">
-                <a:solidFill>
-                  <a:srgbClr val="000000"/>
-                </a:solidFill>
-                <a:latin typeface="Consolas" panose="020B0609020204030204" pitchFamily="49" charset="0"/>
-                <a:cs typeface="Consolas" panose="020B0609020204030204" pitchFamily="49" charset="0"/>
-              </a:rPr>
-              <a:t>)       </a:t>
-            </a:r>
-            <a:r>
-              <a:rPr lang="en-US" altLang="en-US" sz="2800" dirty="0">
-                <a:solidFill>
-                  <a:srgbClr val="008000"/>
-                </a:solidFill>
-                <a:latin typeface="Consolas" panose="020B0609020204030204" pitchFamily="49" charset="0"/>
-                <a:cs typeface="Consolas" panose="020B0609020204030204" pitchFamily="49" charset="0"/>
-              </a:rPr>
-              <a:t>#Decrement </a:t>
-            </a:r>
-            <a:r>
-              <a:rPr lang="en-US" altLang="en-US" sz="2800" dirty="0" err="1">
-                <a:solidFill>
-                  <a:srgbClr val="008000"/>
-                </a:solidFill>
-                <a:latin typeface="Consolas" panose="020B0609020204030204" pitchFamily="49" charset="0"/>
-                <a:cs typeface="Consolas" panose="020B0609020204030204" pitchFamily="49" charset="0"/>
-              </a:rPr>
-              <a:t>nbrVisitors</a:t>
-            </a:r>
-            <a:r>
-              <a:rPr lang="en-US" altLang="en-US" sz="2800" dirty="0">
-                <a:solidFill>
-                  <a:srgbClr val="008000"/>
-                </a:solidFill>
-                <a:latin typeface="Consolas" panose="020B0609020204030204" pitchFamily="49" charset="0"/>
-                <a:cs typeface="Consolas" panose="020B0609020204030204" pitchFamily="49" charset="0"/>
-              </a:rPr>
-              <a:t> by 1</a:t>
-            </a:r>
-            <a:endParaRPr lang="en-US" altLang="en-US" dirty="0">
-              <a:latin typeface="Arial" panose="020B0604020202020204" pitchFamily="34" charset="0"/>
-            </a:endParaRPr>
-          </a:p>
-          <a:p>
-            <a:pPr marL="0" indent="0">
-              <a:buNone/>
-            </a:pPr>
-            <a:endParaRPr lang="en-US" dirty="0"/>
-          </a:p>
-        </p:txBody>
-      </p:sp>
-    </p:spTree>
-    <p:extLst>
-      <p:ext uri="{BB962C8B-B14F-4D97-AF65-F5344CB8AC3E}">
-        <p14:creationId xmlns:p14="http://schemas.microsoft.com/office/powerpoint/2010/main" val="351493868"/>
-      </p:ext>
-    </p:extLst>
-  </p:cSld>
-  <p:clrMapOvr>
-    <a:masterClrMapping/>
-  </p:clrMapOvr>
-  <p:timing>
-    <p:tnLst>
-      <p:par>
-        <p:cTn id="1" dur="indefinite" restart="never" nodeType="tmRoot">
-          <p:childTnLst>
-            <p:seq concurrent="1" nextAc="seek">
-              <p:cTn id="2" dur="indefinite" nodeType="mainSeq">
-                <p:childTnLst>
-                  <p:par>
-                    <p:cTn id="3" fill="hold">
-                      <p:stCondLst>
-                        <p:cond delay="indefinite"/>
-                      </p:stCondLst>
-                      <p:childTnLst>
-                        <p:par>
-                          <p:cTn id="4" fill="hold">
-                            <p:stCondLst>
-                              <p:cond delay="0"/>
-                            </p:stCondLst>
-                            <p:childTnLst>
-                              <p:par>
-                                <p:cTn id="5" presetID="1" presetClass="entr" presetSubtype="0" fill="hold" nodeType="clickEffect">
-                                  <p:stCondLst>
-                                    <p:cond delay="0"/>
-                                  </p:stCondLst>
-                                  <p:childTnLst>
-                                    <p:set>
-                                      <p:cBhvr>
-                                        <p:cTn id="6" dur="1" fill="hold">
-                                          <p:stCondLst>
-                                            <p:cond delay="0"/>
-                                          </p:stCondLst>
-                                        </p:cTn>
-                                        <p:tgtEl>
-                                          <p:spTgt spid="3">
-                                            <p:txEl>
-                                              <p:pRg st="1" end="1"/>
-                                            </p:txEl>
-                                          </p:spTgt>
-                                        </p:tgtEl>
-                                        <p:attrNameLst>
-                                          <p:attrName>style.visibility</p:attrName>
-                                        </p:attrNameLst>
-                                      </p:cBhvr>
-                                      <p:to>
-                                        <p:strVal val="visible"/>
-                                      </p:to>
-                                    </p:set>
-                                  </p:childTnLst>
-                                </p:cTn>
-                              </p:par>
-                            </p:childTnLst>
-                          </p:cTn>
-                        </p:par>
-                      </p:childTnLst>
-                    </p:cTn>
-                  </p:par>
-                  <p:par>
-                    <p:cTn id="7" fill="hold">
-                      <p:stCondLst>
-                        <p:cond delay="indefinite"/>
-                      </p:stCondLst>
-                      <p:childTnLst>
-                        <p:par>
-                          <p:cTn id="8" fill="hold">
-                            <p:stCondLst>
-                              <p:cond delay="0"/>
-                            </p:stCondLst>
-                            <p:childTnLst>
-                              <p:par>
-                                <p:cTn id="9" presetID="1" presetClass="entr" presetSubtype="0" fill="hold" nodeType="clickEffect">
-                                  <p:stCondLst>
-                                    <p:cond delay="0"/>
-                                  </p:stCondLst>
-                                  <p:childTnLst>
-                                    <p:set>
-                                      <p:cBhvr>
-                                        <p:cTn id="10" dur="1" fill="hold">
-                                          <p:stCondLst>
-                                            <p:cond delay="0"/>
-                                          </p:stCondLst>
-                                        </p:cTn>
-                                        <p:tgtEl>
-                                          <p:spTgt spid="3">
-                                            <p:txEl>
-                                              <p:pRg st="3" end="3"/>
-                                            </p:txEl>
-                                          </p:spTgt>
-                                        </p:tgtEl>
-                                        <p:attrNameLst>
-                                          <p:attrName>style.visibility</p:attrName>
-                                        </p:attrNameLst>
-                                      </p:cBhvr>
-                                      <p:to>
-                                        <p:strVal val="visible"/>
-                                      </p:to>
-                                    </p:set>
-                                  </p:childTnLst>
-                                </p:cTn>
-                              </p:par>
-                            </p:childTnLst>
-                          </p:cTn>
-                        </p:par>
-                      </p:childTnLst>
-                    </p:cTn>
-                  </p:par>
-                  <p:par>
-                    <p:cTn id="11" fill="hold">
-                      <p:stCondLst>
-                        <p:cond delay="indefinite"/>
-                      </p:stCondLst>
-                      <p:childTnLst>
-                        <p:par>
-                          <p:cTn id="12" fill="hold">
-                            <p:stCondLst>
-                              <p:cond delay="0"/>
-                            </p:stCondLst>
-                            <p:childTnLst>
-                              <p:par>
-                                <p:cTn id="13" presetID="1" presetClass="entr" presetSubtype="0" fill="hold" nodeType="clickEffect">
-                                  <p:stCondLst>
-                                    <p:cond delay="0"/>
-                                  </p:stCondLst>
-                                  <p:childTnLst>
-                                    <p:set>
-                                      <p:cBhvr>
-                                        <p:cTn id="14" dur="1" fill="hold">
-                                          <p:stCondLst>
-                                            <p:cond delay="0"/>
-                                          </p:stCondLst>
-                                        </p:cTn>
-                                        <p:tgtEl>
-                                          <p:spTgt spid="3">
-                                            <p:txEl>
-                                              <p:pRg st="4" end="4"/>
-                                            </p:txEl>
-                                          </p:spTgt>
-                                        </p:tgtEl>
-                                        <p:attrNameLst>
-                                          <p:attrName>style.visibility</p:attrName>
-                                        </p:attrNameLst>
-                                      </p:cBhvr>
-                                      <p:to>
-                                        <p:strVal val="visible"/>
-                                      </p:to>
-                                    </p:set>
-                                  </p:childTnLst>
-                                </p:cTn>
-                              </p:par>
-                            </p:childTnLst>
-                          </p:cTn>
-                        </p:par>
-                      </p:childTnLst>
-                    </p:cTn>
-                  </p:par>
-                  <p:par>
-                    <p:cTn id="15" fill="hold">
-                      <p:stCondLst>
-                        <p:cond delay="indefinite"/>
-                      </p:stCondLst>
-                      <p:childTnLst>
-                        <p:par>
-                          <p:cTn id="16" fill="hold">
-                            <p:stCondLst>
-                              <p:cond delay="0"/>
-                            </p:stCondLst>
-                            <p:childTnLst>
-                              <p:par>
-                                <p:cTn id="17" presetID="1" presetClass="entr" presetSubtype="0" fill="hold" nodeType="clickEffect">
-                                  <p:stCondLst>
-                                    <p:cond delay="0"/>
-                                  </p:stCondLst>
-                                  <p:childTnLst>
-                                    <p:set>
-                                      <p:cBhvr>
-                                        <p:cTn id="18" dur="1" fill="hold">
-                                          <p:stCondLst>
-                                            <p:cond delay="0"/>
-                                          </p:stCondLst>
-                                        </p:cTn>
-                                        <p:tgtEl>
-                                          <p:spTgt spid="3">
-                                            <p:txEl>
-                                              <p:pRg st="5" end="5"/>
-                                            </p:txEl>
-                                          </p:spTgt>
-                                        </p:tgtEl>
-                                        <p:attrNameLst>
-                                          <p:attrName>style.visibility</p:attrName>
-                                        </p:attrNameLst>
-                                      </p:cBhvr>
-                                      <p:to>
-                                        <p:strVal val="visible"/>
-                                      </p:to>
-                                    </p:set>
-                                  </p:childTnLst>
-                                </p:cTn>
-                              </p:par>
-                            </p:childTnLst>
-                          </p:cTn>
-                        </p:par>
-                      </p:childTnLst>
-                    </p:cTn>
-                  </p:par>
-                </p:childTnLst>
-              </p:cTn>
-              <p:prevCondLst>
-                <p:cond evt="onPrev" delay="0">
-                  <p:tgtEl>
-                    <p:sldTgt/>
-                  </p:tgtEl>
-                </p:cond>
-              </p:prevCondLst>
-              <p:nextCondLst>
-                <p:cond evt="onNext" delay="0">
-                  <p:tgtEl>
-                    <p:sldTgt/>
-                  </p:tgtEl>
-                </p:cond>
-              </p:nextCondLst>
-            </p:seq>
-          </p:childTnLst>
-        </p:cTn>
-      </p:par>
-    </p:tnLst>
-  </p:timing>
-</p:sld>
-</file>
-
-<file path=ppt/slides/slide7.xml><?xml version="1.0" encoding="utf-8"?>
-<p:sld xmlns:a="http://schemas.openxmlformats.org/drawingml/2006/main" xmlns:r="http://schemas.openxmlformats.org/officeDocument/2006/relationships" xmlns:p="http://schemas.openxmlformats.org/presentationml/2006/main">
-  <p:cSld>
-    <p:spTree>
-      <p:nvGrpSpPr>
-        <p:cNvPr id="1" name=""/>
-        <p:cNvGrpSpPr/>
-        <p:nvPr/>
-      </p:nvGrpSpPr>
-      <p:grpSpPr>
-        <a:xfrm>
-          <a:off x="0" y="0"/>
-          <a:ext cx="0" cy="0"/>
-          <a:chOff x="0" y="0"/>
-          <a:chExt cx="0" cy="0"/>
-        </a:xfrm>
-      </p:grpSpPr>
-      <p:sp>
-        <p:nvSpPr>
-          <p:cNvPr id="6" name="Title 5"/>
-          <p:cNvSpPr>
-            <a:spLocks noGrp="1"/>
-          </p:cNvSpPr>
-          <p:nvPr>
-            <p:ph type="title"/>
-          </p:nvPr>
-        </p:nvSpPr>
-        <p:spPr/>
-        <p:txBody>
-          <a:bodyPr>
-            <a:normAutofit fontScale="90000"/>
-          </a:bodyPr>
-          <a:lstStyle/>
-          <a:p>
-            <a:r>
-              <a:rPr lang="en-CA" dirty="0" smtClean="0"/>
-              <a:t>What do you think will happen if you try to set a key that already exists?</a:t>
-            </a:r>
-            <a:r>
-              <a:rPr lang="en-US" dirty="0"/>
-              <a:t/>
-            </a:r>
-            <a:br>
-              <a:rPr lang="en-US" dirty="0"/>
-            </a:br>
-            <a:endParaRPr lang="en-US" dirty="0"/>
-          </a:p>
-        </p:txBody>
-      </p:sp>
-      <p:sp>
-        <p:nvSpPr>
-          <p:cNvPr id="5" name="Text Placeholder 4"/>
-          <p:cNvSpPr>
-            <a:spLocks noGrp="1"/>
-          </p:cNvSpPr>
-          <p:nvPr>
-            <p:ph sz="quarter" idx="10"/>
-          </p:nvPr>
-        </p:nvSpPr>
-        <p:spPr/>
-        <p:txBody>
-          <a:bodyPr/>
-          <a:lstStyle/>
-          <a:p>
-            <a:pPr marL="0" lvl="0" indent="0" defTabSz="914400" eaLnBrk="0" fontAlgn="base" hangingPunct="0">
-              <a:spcBef>
-                <a:spcPct val="0"/>
-              </a:spcBef>
-              <a:spcAft>
-                <a:spcPct val="0"/>
-              </a:spcAft>
-              <a:buNone/>
-            </a:pPr>
-            <a:r>
-              <a:rPr lang="en-US" altLang="en-US" dirty="0" err="1">
-                <a:solidFill>
-                  <a:srgbClr val="000000"/>
-                </a:solidFill>
-                <a:latin typeface="Consolas" panose="020B0609020204030204" pitchFamily="49" charset="0"/>
-                <a:cs typeface="Consolas" panose="020B0609020204030204" pitchFamily="49" charset="0"/>
-              </a:rPr>
-              <a:t>r.set</a:t>
-            </a:r>
-            <a:r>
-              <a:rPr lang="en-US" altLang="en-US" dirty="0">
-                <a:solidFill>
-                  <a:srgbClr val="000000"/>
-                </a:solidFill>
-                <a:latin typeface="Consolas" panose="020B0609020204030204" pitchFamily="49" charset="0"/>
-                <a:cs typeface="Consolas" panose="020B0609020204030204" pitchFamily="49" charset="0"/>
-              </a:rPr>
-              <a:t>(</a:t>
-            </a:r>
-            <a:r>
-              <a:rPr lang="en-US" altLang="en-US" dirty="0">
-                <a:solidFill>
-                  <a:srgbClr val="A31515"/>
-                </a:solidFill>
-                <a:latin typeface="Consolas" panose="020B0609020204030204" pitchFamily="49" charset="0"/>
-                <a:cs typeface="Consolas" panose="020B0609020204030204" pitchFamily="49" charset="0"/>
-              </a:rPr>
-              <a:t>'</a:t>
-            </a:r>
-            <a:r>
-              <a:rPr lang="en-US" altLang="en-US" dirty="0" err="1">
-                <a:solidFill>
-                  <a:srgbClr val="A31515"/>
-                </a:solidFill>
-                <a:latin typeface="Consolas" panose="020B0609020204030204" pitchFamily="49" charset="0"/>
-                <a:cs typeface="Consolas" panose="020B0609020204030204" pitchFamily="49" charset="0"/>
-              </a:rPr>
-              <a:t>firstname</a:t>
-            </a:r>
-            <a:r>
-              <a:rPr lang="en-US" altLang="en-US" dirty="0">
-                <a:solidFill>
-                  <a:srgbClr val="A31515"/>
-                </a:solidFill>
-                <a:latin typeface="Consolas" panose="020B0609020204030204" pitchFamily="49" charset="0"/>
-                <a:cs typeface="Consolas" panose="020B0609020204030204" pitchFamily="49" charset="0"/>
-              </a:rPr>
-              <a:t>'</a:t>
-            </a:r>
-            <a:r>
-              <a:rPr lang="en-US" altLang="en-US" dirty="0">
-                <a:solidFill>
-                  <a:srgbClr val="000000"/>
-                </a:solidFill>
-                <a:latin typeface="Consolas" panose="020B0609020204030204" pitchFamily="49" charset="0"/>
-                <a:cs typeface="Consolas" panose="020B0609020204030204" pitchFamily="49" charset="0"/>
-              </a:rPr>
-              <a:t>,</a:t>
-            </a:r>
-            <a:r>
-              <a:rPr lang="en-US" altLang="en-US" dirty="0">
-                <a:solidFill>
-                  <a:srgbClr val="A31515"/>
-                </a:solidFill>
-                <a:latin typeface="Consolas" panose="020B0609020204030204" pitchFamily="49" charset="0"/>
-                <a:cs typeface="Consolas" panose="020B0609020204030204" pitchFamily="49" charset="0"/>
-              </a:rPr>
-              <a:t>'Bill'</a:t>
-            </a:r>
-            <a:r>
-              <a:rPr lang="en-US" altLang="en-US" dirty="0">
-                <a:solidFill>
-                  <a:srgbClr val="000000"/>
-                </a:solidFill>
-                <a:latin typeface="Consolas" panose="020B0609020204030204" pitchFamily="49" charset="0"/>
-                <a:cs typeface="Consolas" panose="020B0609020204030204" pitchFamily="49" charset="0"/>
-              </a:rPr>
-              <a:t>)</a:t>
-            </a:r>
-            <a:endParaRPr lang="en-US" altLang="en-US" sz="3600" dirty="0">
-              <a:latin typeface="Arial" panose="020B0604020202020204" pitchFamily="34" charset="0"/>
-            </a:endParaRPr>
-          </a:p>
-          <a:p>
-            <a:pPr marL="0" lvl="0" indent="0" defTabSz="914400" eaLnBrk="0" fontAlgn="base" hangingPunct="0">
-              <a:spcBef>
-                <a:spcPct val="0"/>
-              </a:spcBef>
-              <a:spcAft>
-                <a:spcPct val="0"/>
-              </a:spcAft>
-              <a:buNone/>
-            </a:pPr>
-            <a:endParaRPr lang="en-US" altLang="en-US" dirty="0" smtClean="0">
-              <a:solidFill>
-                <a:srgbClr val="000000"/>
-              </a:solidFill>
-              <a:latin typeface="Consolas" panose="020B0609020204030204" pitchFamily="49" charset="0"/>
-              <a:cs typeface="Consolas" panose="020B0609020204030204" pitchFamily="49" charset="0"/>
-            </a:endParaRPr>
-          </a:p>
-          <a:p>
-            <a:pPr marL="0" lvl="0" indent="0" defTabSz="914400" eaLnBrk="0" fontAlgn="base" hangingPunct="0">
-              <a:spcBef>
-                <a:spcPct val="0"/>
-              </a:spcBef>
-              <a:spcAft>
-                <a:spcPct val="0"/>
-              </a:spcAft>
-              <a:buNone/>
-            </a:pPr>
-            <a:r>
-              <a:rPr lang="en-US" altLang="en-US" dirty="0" err="1" smtClean="0">
-                <a:solidFill>
-                  <a:srgbClr val="000000"/>
-                </a:solidFill>
-                <a:latin typeface="Consolas" panose="020B0609020204030204" pitchFamily="49" charset="0"/>
-                <a:cs typeface="Consolas" panose="020B0609020204030204" pitchFamily="49" charset="0"/>
-              </a:rPr>
-              <a:t>r.set</a:t>
-            </a:r>
-            <a:r>
-              <a:rPr lang="en-US" altLang="en-US" dirty="0">
-                <a:solidFill>
-                  <a:srgbClr val="000000"/>
-                </a:solidFill>
-                <a:latin typeface="Consolas" panose="020B0609020204030204" pitchFamily="49" charset="0"/>
-                <a:cs typeface="Consolas" panose="020B0609020204030204" pitchFamily="49" charset="0"/>
-              </a:rPr>
-              <a:t>(</a:t>
-            </a:r>
-            <a:r>
-              <a:rPr lang="en-US" altLang="en-US" dirty="0">
-                <a:solidFill>
-                  <a:srgbClr val="A31515"/>
-                </a:solidFill>
-                <a:latin typeface="Consolas" panose="020B0609020204030204" pitchFamily="49" charset="0"/>
-                <a:cs typeface="Consolas" panose="020B0609020204030204" pitchFamily="49" charset="0"/>
-              </a:rPr>
-              <a:t>'</a:t>
-            </a:r>
-            <a:r>
-              <a:rPr lang="en-US" altLang="en-US" dirty="0" err="1">
-                <a:solidFill>
-                  <a:srgbClr val="A31515"/>
-                </a:solidFill>
-                <a:latin typeface="Consolas" panose="020B0609020204030204" pitchFamily="49" charset="0"/>
-                <a:cs typeface="Consolas" panose="020B0609020204030204" pitchFamily="49" charset="0"/>
-              </a:rPr>
-              <a:t>firstname</a:t>
-            </a:r>
-            <a:r>
-              <a:rPr lang="en-US" altLang="en-US" dirty="0">
-                <a:solidFill>
-                  <a:srgbClr val="A31515"/>
-                </a:solidFill>
-                <a:latin typeface="Consolas" panose="020B0609020204030204" pitchFamily="49" charset="0"/>
-                <a:cs typeface="Consolas" panose="020B0609020204030204" pitchFamily="49" charset="0"/>
-              </a:rPr>
-              <a:t>'</a:t>
-            </a:r>
-            <a:r>
-              <a:rPr lang="en-US" altLang="en-US" dirty="0">
-                <a:solidFill>
-                  <a:srgbClr val="000000"/>
-                </a:solidFill>
-                <a:latin typeface="Consolas" panose="020B0609020204030204" pitchFamily="49" charset="0"/>
-                <a:cs typeface="Consolas" panose="020B0609020204030204" pitchFamily="49" charset="0"/>
-              </a:rPr>
-              <a:t>,</a:t>
-            </a:r>
-            <a:r>
-              <a:rPr lang="en-US" altLang="en-US" dirty="0" smtClean="0">
-                <a:solidFill>
-                  <a:srgbClr val="A31515"/>
-                </a:solidFill>
-                <a:latin typeface="Consolas" panose="020B0609020204030204" pitchFamily="49" charset="0"/>
-                <a:cs typeface="Consolas" panose="020B0609020204030204" pitchFamily="49" charset="0"/>
-              </a:rPr>
-              <a:t>'Satya'</a:t>
-            </a:r>
-            <a:r>
-              <a:rPr lang="en-US" altLang="en-US" dirty="0" smtClean="0">
-                <a:solidFill>
-                  <a:srgbClr val="000000"/>
-                </a:solidFill>
-                <a:latin typeface="Consolas" panose="020B0609020204030204" pitchFamily="49" charset="0"/>
-                <a:cs typeface="Consolas" panose="020B0609020204030204" pitchFamily="49" charset="0"/>
-              </a:rPr>
-              <a:t>)</a:t>
-            </a:r>
-            <a:endParaRPr lang="en-US" altLang="en-US" sz="3600" dirty="0">
-              <a:latin typeface="Arial" panose="020B0604020202020204" pitchFamily="34" charset="0"/>
-            </a:endParaRPr>
-          </a:p>
-          <a:p>
-            <a:pPr marL="0" indent="0">
-              <a:buNone/>
-            </a:pPr>
-            <a:endParaRPr lang="en-CA" dirty="0" smtClean="0"/>
-          </a:p>
-          <a:p>
-            <a:pPr marL="0" indent="0">
-              <a:buNone/>
-            </a:pPr>
-            <a:r>
-              <a:rPr lang="en-CA" dirty="0" smtClean="0"/>
-              <a:t>It </a:t>
-            </a:r>
-            <a:r>
-              <a:rPr lang="en-CA" dirty="0"/>
-              <a:t>will overwrite the existing value</a:t>
-            </a:r>
-          </a:p>
-          <a:p>
-            <a:pPr marL="0" indent="0">
-              <a:buNone/>
-            </a:pPr>
-            <a:endParaRPr lang="en-US" dirty="0"/>
-          </a:p>
-        </p:txBody>
-      </p:sp>
-      <p:graphicFrame>
-        <p:nvGraphicFramePr>
-          <p:cNvPr id="3" name="Table 2"/>
-          <p:cNvGraphicFramePr>
-            <a:graphicFrameLocks noGrp="1"/>
-          </p:cNvGraphicFramePr>
-          <p:nvPr>
-            <p:extLst>
-              <p:ext uri="{D42A27DB-BD31-4B8C-83A1-F6EECF244321}">
-                <p14:modId xmlns:p14="http://schemas.microsoft.com/office/powerpoint/2010/main" val="703715876"/>
-              </p:ext>
-            </p:extLst>
-          </p:nvPr>
-        </p:nvGraphicFramePr>
-        <p:xfrm>
-          <a:off x="2707409" y="4377266"/>
-          <a:ext cx="5532582" cy="741680"/>
-        </p:xfrm>
-        <a:graphic>
-          <a:graphicData uri="http://schemas.openxmlformats.org/drawingml/2006/table">
-            <a:tbl>
-              <a:tblPr firstRow="1" bandRow="1">
-                <a:tableStyleId>{5C22544A-7EE6-4342-B048-85BDC9FD1C3A}</a:tableStyleId>
-              </a:tblPr>
-              <a:tblGrid>
-                <a:gridCol w="2633518"/>
-                <a:gridCol w="2899064"/>
-              </a:tblGrid>
-              <a:tr h="370840">
-                <a:tc>
-                  <a:txBody>
-                    <a:bodyPr/>
-                    <a:lstStyle/>
-                    <a:p>
-                      <a:r>
-                        <a:rPr lang="en-CA" dirty="0" smtClean="0"/>
-                        <a:t>Key</a:t>
-                      </a:r>
-                      <a:endParaRPr lang="en-US" dirty="0"/>
-                    </a:p>
-                  </a:txBody>
-                  <a:tcPr/>
-                </a:tc>
-                <a:tc>
-                  <a:txBody>
-                    <a:bodyPr/>
-                    <a:lstStyle/>
-                    <a:p>
-                      <a:r>
-                        <a:rPr lang="en-CA" dirty="0" smtClean="0"/>
-                        <a:t>Value</a:t>
-                      </a:r>
-                      <a:endParaRPr lang="en-US" dirty="0"/>
-                    </a:p>
-                  </a:txBody>
-                  <a:tcPr/>
-                </a:tc>
-              </a:tr>
-              <a:tr h="370840">
-                <a:tc>
-                  <a:txBody>
-                    <a:bodyPr/>
-                    <a:lstStyle/>
-                    <a:p>
-                      <a:r>
-                        <a:rPr lang="en-CA" dirty="0" err="1" smtClean="0"/>
-                        <a:t>firstname</a:t>
-                      </a:r>
-                      <a:endParaRPr lang="en-US" dirty="0"/>
-                    </a:p>
-                  </a:txBody>
-                  <a:tcPr/>
-                </a:tc>
-                <a:tc>
-                  <a:txBody>
-                    <a:bodyPr/>
-                    <a:lstStyle/>
-                    <a:p>
-                      <a:r>
-                        <a:rPr lang="en-CA" dirty="0" smtClean="0"/>
-                        <a:t>Bill</a:t>
-                      </a:r>
-                      <a:endParaRPr lang="en-US" dirty="0"/>
-                    </a:p>
-                  </a:txBody>
-                  <a:tcPr/>
-                </a:tc>
-              </a:tr>
-            </a:tbl>
-          </a:graphicData>
-        </a:graphic>
-      </p:graphicFrame>
-      <p:sp>
-        <p:nvSpPr>
-          <p:cNvPr id="2" name="Multiply 1"/>
-          <p:cNvSpPr/>
-          <p:nvPr/>
-        </p:nvSpPr>
-        <p:spPr>
-          <a:xfrm>
-            <a:off x="5309755" y="4800600"/>
-            <a:ext cx="581890" cy="259773"/>
-          </a:xfrm>
-          <a:prstGeom prst="mathMultiply">
-            <a:avLst/>
-          </a:prstGeom>
-          <a:solidFill>
-            <a:srgbClr val="FF0000"/>
-          </a:solidFill>
-          <a:ln>
-            <a:solidFill>
-              <a:srgbClr val="FF0000"/>
-            </a:solidFill>
-          </a:ln>
-        </p:spPr>
-        <p:style>
-          <a:lnRef idx="2">
-            <a:schemeClr val="accent1">
-              <a:shade val="50000"/>
-            </a:schemeClr>
-          </a:lnRef>
-          <a:fillRef idx="1">
-            <a:schemeClr val="accent1"/>
-          </a:fillRef>
-          <a:effectRef idx="0">
-            <a:schemeClr val="accent1"/>
-          </a:effectRef>
-          <a:fontRef idx="minor">
-            <a:schemeClr val="lt1"/>
-          </a:fontRef>
-        </p:style>
-        <p:txBody>
-          <a:bodyPr rtlCol="0" anchor="ctr"/>
-          <a:lstStyle/>
-          <a:p>
-            <a:pPr algn="ctr"/>
-            <a:endParaRPr lang="en-US"/>
-          </a:p>
-        </p:txBody>
-      </p:sp>
-      <p:sp>
-        <p:nvSpPr>
-          <p:cNvPr id="4" name="TextBox 3"/>
-          <p:cNvSpPr txBox="1"/>
-          <p:nvPr/>
-        </p:nvSpPr>
-        <p:spPr>
-          <a:xfrm>
-            <a:off x="5850081" y="4727409"/>
-            <a:ext cx="687239" cy="369332"/>
-          </a:xfrm>
-          <a:prstGeom prst="rect">
-            <a:avLst/>
-          </a:prstGeom>
-          <a:noFill/>
-        </p:spPr>
-        <p:txBody>
-          <a:bodyPr wrap="none" rtlCol="0">
-            <a:spAutoFit/>
-          </a:bodyPr>
-          <a:lstStyle/>
-          <a:p>
-            <a:r>
-              <a:rPr lang="en-CA" dirty="0" smtClean="0"/>
-              <a:t>Satya</a:t>
-            </a:r>
-            <a:endParaRPr lang="en-US" dirty="0"/>
-          </a:p>
-        </p:txBody>
-      </p:sp>
-    </p:spTree>
-    <p:extLst>
-      <p:ext uri="{BB962C8B-B14F-4D97-AF65-F5344CB8AC3E}">
-        <p14:creationId xmlns:p14="http://schemas.microsoft.com/office/powerpoint/2010/main" val="3298718320"/>
-      </p:ext>
-    </p:extLst>
-  </p:cSld>
-  <p:clrMapOvr>
-    <a:masterClrMapping/>
-  </p:clrMapOvr>
-  <p:timing>
-    <p:tnLst>
-      <p:par>
-        <p:cTn id="1" dur="indefinite" restart="never" nodeType="tmRoot">
-          <p:childTnLst>
-            <p:seq concurrent="1" nextAc="seek">
-              <p:cTn id="2" dur="indefinite" nodeType="mainSeq">
-                <p:childTnLst>
-                  <p:par>
-                    <p:cTn id="3" fill="hold">
-                      <p:stCondLst>
-                        <p:cond delay="indefinite"/>
-                        <p:cond evt="onBegin" delay="0">
-                          <p:tn val="2"/>
-                        </p:cond>
-                      </p:stCondLst>
-                      <p:childTnLst>
-                        <p:par>
-                          <p:cTn id="4" fill="hold">
-                            <p:stCondLst>
-                              <p:cond delay="0"/>
-                            </p:stCondLst>
-                            <p:childTnLst>
-                              <p:par>
-                                <p:cTn id="5" presetID="1" presetClass="entr" presetSubtype="0" fill="hold" nodeType="withEffect">
-                                  <p:stCondLst>
-                                    <p:cond delay="0"/>
-                                  </p:stCondLst>
-                                  <p:childTnLst>
-                                    <p:set>
-                                      <p:cBhvr>
-                                        <p:cTn id="6" dur="1" fill="hold">
-                                          <p:stCondLst>
-                                            <p:cond delay="0"/>
-                                          </p:stCondLst>
-                                        </p:cTn>
-                                        <p:tgtEl>
-                                          <p:spTgt spid="3"/>
-                                        </p:tgtEl>
-                                        <p:attrNameLst>
-                                          <p:attrName>style.visibility</p:attrName>
-                                        </p:attrNameLst>
-                                      </p:cBhvr>
-                                      <p:to>
-                                        <p:strVal val="visible"/>
-                                      </p:to>
-                                    </p:set>
-                                  </p:childTnLst>
-                                </p:cTn>
-                              </p:par>
-                            </p:childTnLst>
-                          </p:cTn>
-                        </p:par>
-                      </p:childTnLst>
-                    </p:cTn>
-                  </p:par>
-                  <p:par>
-                    <p:cTn id="7" fill="hold">
-                      <p:stCondLst>
-                        <p:cond delay="indefinite"/>
-                      </p:stCondLst>
-                      <p:childTnLst>
-                        <p:par>
-                          <p:cTn id="8" fill="hold">
-                            <p:stCondLst>
-                              <p:cond delay="0"/>
-                            </p:stCondLst>
-                            <p:childTnLst>
-                              <p:par>
-                                <p:cTn id="9" presetID="1" presetClass="entr" presetSubtype="0" fill="hold" grpId="0" nodeType="clickEffect">
-                                  <p:stCondLst>
-                                    <p:cond delay="0"/>
-                                  </p:stCondLst>
-                                  <p:childTnLst>
-                                    <p:set>
-                                      <p:cBhvr>
-                                        <p:cTn id="10" dur="1" fill="hold">
-                                          <p:stCondLst>
-                                            <p:cond delay="0"/>
-                                          </p:stCondLst>
-                                        </p:cTn>
-                                        <p:tgtEl>
-                                          <p:spTgt spid="5">
-                                            <p:txEl>
-                                              <p:pRg st="0" end="0"/>
-                                            </p:txEl>
-                                          </p:spTgt>
-                                        </p:tgtEl>
-                                        <p:attrNameLst>
-                                          <p:attrName>style.visibility</p:attrName>
-                                        </p:attrNameLst>
-                                      </p:cBhvr>
-                                      <p:to>
-                                        <p:strVal val="visible"/>
-                                      </p:to>
-                                    </p:set>
-                                  </p:childTnLst>
-                                </p:cTn>
-                              </p:par>
-                            </p:childTnLst>
-                          </p:cTn>
-                        </p:par>
-                      </p:childTnLst>
-                    </p:cTn>
-                  </p:par>
-                  <p:par>
-                    <p:cTn id="11" fill="hold">
-                      <p:stCondLst>
-                        <p:cond delay="indefinite"/>
-                      </p:stCondLst>
-                      <p:childTnLst>
-                        <p:par>
-                          <p:cTn id="12" fill="hold">
-                            <p:stCondLst>
-                              <p:cond delay="0"/>
-                            </p:stCondLst>
-                            <p:childTnLst>
-                              <p:par>
-                                <p:cTn id="13" presetID="1" presetClass="entr" presetSubtype="0" fill="hold" grpId="0" nodeType="clickEffect">
-                                  <p:stCondLst>
-                                    <p:cond delay="0"/>
-                                  </p:stCondLst>
-                                  <p:childTnLst>
-                                    <p:set>
-                                      <p:cBhvr>
-                                        <p:cTn id="14" dur="1" fill="hold">
-                                          <p:stCondLst>
-                                            <p:cond delay="0"/>
-                                          </p:stCondLst>
-                                        </p:cTn>
-                                        <p:tgtEl>
-                                          <p:spTgt spid="5">
-                                            <p:txEl>
-                                              <p:pRg st="2" end="2"/>
-                                            </p:txEl>
-                                          </p:spTgt>
-                                        </p:tgtEl>
-                                        <p:attrNameLst>
-                                          <p:attrName>style.visibility</p:attrName>
-                                        </p:attrNameLst>
-                                      </p:cBhvr>
-                                      <p:to>
-                                        <p:strVal val="visible"/>
-                                      </p:to>
-                                    </p:set>
-                                  </p:childTnLst>
-                                </p:cTn>
-                              </p:par>
-                            </p:childTnLst>
-                          </p:cTn>
-                        </p:par>
-                      </p:childTnLst>
-                    </p:cTn>
-                  </p:par>
-                  <p:par>
-                    <p:cTn id="15" fill="hold">
-                      <p:stCondLst>
-                        <p:cond delay="indefinite"/>
-                      </p:stCondLst>
-                      <p:childTnLst>
-                        <p:par>
-                          <p:cTn id="16" fill="hold">
-                            <p:stCondLst>
-                              <p:cond delay="0"/>
-                            </p:stCondLst>
-                            <p:childTnLst>
-                              <p:par>
-                                <p:cTn id="17" presetID="1" presetClass="entr" presetSubtype="0" fill="hold" grpId="0" nodeType="clickEffect">
-                                  <p:stCondLst>
-                                    <p:cond delay="0"/>
-                                  </p:stCondLst>
-                                  <p:childTnLst>
-                                    <p:set>
-                                      <p:cBhvr>
-                                        <p:cTn id="18" dur="1" fill="hold">
-                                          <p:stCondLst>
-                                            <p:cond delay="0"/>
-                                          </p:stCondLst>
-                                        </p:cTn>
-                                        <p:tgtEl>
-                                          <p:spTgt spid="5">
-                                            <p:txEl>
-                                              <p:pRg st="4" end="4"/>
-                                            </p:txEl>
-                                          </p:spTgt>
-                                        </p:tgtEl>
-                                        <p:attrNameLst>
-                                          <p:attrName>style.visibility</p:attrName>
-                                        </p:attrNameLst>
-                                      </p:cBhvr>
-                                      <p:to>
-                                        <p:strVal val="visible"/>
-                                      </p:to>
-                                    </p:set>
-                                  </p:childTnLst>
-                                </p:cTn>
-                              </p:par>
-                            </p:childTnLst>
-                          </p:cTn>
-                        </p:par>
-                      </p:childTnLst>
-                    </p:cTn>
-                  </p:par>
-                  <p:par>
-                    <p:cTn id="19" fill="hold">
-                      <p:stCondLst>
-                        <p:cond delay="indefinite"/>
-                      </p:stCondLst>
-                      <p:childTnLst>
-                        <p:par>
-                          <p:cTn id="20" fill="hold">
-                            <p:stCondLst>
-                              <p:cond delay="0"/>
-                            </p:stCondLst>
-                            <p:childTnLst>
-                              <p:par>
-                                <p:cTn id="21" presetID="1" presetClass="entr" presetSubtype="0" fill="hold" grpId="0" nodeType="clickEffect">
-                                  <p:stCondLst>
-                                    <p:cond delay="0"/>
-                                  </p:stCondLst>
-                                  <p:childTnLst>
-                                    <p:set>
-                                      <p:cBhvr>
-                                        <p:cTn id="22" dur="1" fill="hold">
-                                          <p:stCondLst>
-                                            <p:cond delay="0"/>
-                                          </p:stCondLst>
-                                        </p:cTn>
-                                        <p:tgtEl>
-                                          <p:spTgt spid="2"/>
-                                        </p:tgtEl>
-                                        <p:attrNameLst>
-                                          <p:attrName>style.visibility</p:attrName>
-                                        </p:attrNameLst>
-                                      </p:cBhvr>
-                                      <p:to>
-                                        <p:strVal val="visible"/>
-                                      </p:to>
-                                    </p:set>
-                                  </p:childTnLst>
-                                </p:cTn>
-                              </p:par>
-                              <p:par>
-                                <p:cTn id="23" presetID="1" presetClass="entr" presetSubtype="0" fill="hold" grpId="0" nodeType="withEffect">
-                                  <p:stCondLst>
-                                    <p:cond delay="0"/>
-                                  </p:stCondLst>
-                                  <p:childTnLst>
-                                    <p:set>
-                                      <p:cBhvr>
-                                        <p:cTn id="24" dur="1" fill="hold">
-                                          <p:stCondLst>
-                                            <p:cond delay="0"/>
-                                          </p:stCondLst>
-                                        </p:cTn>
-                                        <p:tgtEl>
-                                          <p:spTgt spid="4"/>
-                                        </p:tgtEl>
-                                        <p:attrNameLst>
-                                          <p:attrName>style.visibility</p:attrName>
-                                        </p:attrNameLst>
-                                      </p:cBhvr>
-                                      <p:to>
-                                        <p:strVal val="visible"/>
-                                      </p:to>
-                                    </p:set>
-                                  </p:childTnLst>
-                                </p:cTn>
-                              </p:par>
-                            </p:childTnLst>
-                          </p:cTn>
-                        </p:par>
-                      </p:childTnLst>
-                    </p:cTn>
-                  </p:par>
-                </p:childTnLst>
-              </p:cTn>
-              <p:prevCondLst>
-                <p:cond evt="onPrev" delay="0">
-                  <p:tgtEl>
-                    <p:sldTgt/>
-                  </p:tgtEl>
-                </p:cond>
-              </p:prevCondLst>
-              <p:nextCondLst>
-                <p:cond evt="onNext" delay="0">
-                  <p:tgtEl>
-                    <p:sldTgt/>
-                  </p:tgtEl>
-                </p:cond>
-              </p:nextCondLst>
-            </p:seq>
-          </p:childTnLst>
-        </p:cTn>
-      </p:par>
-    </p:tnLst>
-    <p:bldLst>
-      <p:bldP spid="5" grpId="0" uiExpand="1" build="p"/>
-      <p:bldP spid="2" grpId="0" animBg="1"/>
-      <p:bldP spid="4" grpId="0"/>
-    </p:bldLst>
-  </p:timing>
-</p:sld>
-</file>
-
-<file path=ppt/slides/slide8.xml><?xml version="1.0" encoding="utf-8"?>
-<p:sld xmlns:a="http://schemas.openxmlformats.org/drawingml/2006/main" xmlns:r="http://schemas.openxmlformats.org/officeDocument/2006/relationships" xmlns:p="http://schemas.openxmlformats.org/presentationml/2006/main">
-  <p:cSld>
-    <p:spTree>
-      <p:nvGrpSpPr>
-        <p:cNvPr id="1" name=""/>
-        <p:cNvGrpSpPr/>
-        <p:nvPr/>
-      </p:nvGrpSpPr>
-      <p:grpSpPr>
-        <a:xfrm>
-          <a:off x="0" y="0"/>
-          <a:ext cx="0" cy="0"/>
-          <a:chOff x="0" y="0"/>
-          <a:chExt cx="0" cy="0"/>
-        </a:xfrm>
-      </p:grpSpPr>
-      <p:sp>
-        <p:nvSpPr>
-          <p:cNvPr id="6" name="Title 5"/>
-          <p:cNvSpPr>
-            <a:spLocks noGrp="1"/>
-          </p:cNvSpPr>
-          <p:nvPr>
-            <p:ph type="title"/>
-          </p:nvPr>
-        </p:nvSpPr>
-        <p:spPr/>
-        <p:txBody>
-          <a:bodyPr>
-            <a:normAutofit fontScale="90000"/>
-          </a:bodyPr>
-          <a:lstStyle/>
-          <a:p>
-            <a:r>
-              <a:rPr lang="en-CA" dirty="0" smtClean="0"/>
-              <a:t>What if I don’t want to overwrite an existing value?</a:t>
-            </a:r>
-            <a:endParaRPr lang="en-US" dirty="0"/>
-          </a:p>
-        </p:txBody>
-      </p:sp>
-      <p:sp>
-        <p:nvSpPr>
-          <p:cNvPr id="5" name="Text Placeholder 4"/>
-          <p:cNvSpPr>
-            <a:spLocks noGrp="1"/>
-          </p:cNvSpPr>
-          <p:nvPr>
-            <p:ph sz="quarter" idx="10"/>
-          </p:nvPr>
-        </p:nvSpPr>
-        <p:spPr/>
-        <p:txBody>
-          <a:bodyPr/>
-          <a:lstStyle/>
-          <a:p>
-            <a:pPr marL="0" indent="0">
-              <a:buNone/>
-            </a:pPr>
-            <a:r>
-              <a:rPr lang="en-CA" dirty="0" smtClean="0"/>
-              <a:t>You can use the </a:t>
-            </a:r>
-            <a:r>
-              <a:rPr lang="en-CA" b="1" dirty="0" smtClean="0"/>
-              <a:t>exists</a:t>
-            </a:r>
-            <a:r>
-              <a:rPr lang="en-CA" dirty="0" smtClean="0"/>
-              <a:t> function to check it the key already exists</a:t>
-            </a:r>
-          </a:p>
-          <a:p>
-            <a:pPr marL="0" indent="0">
-              <a:buNone/>
-            </a:pPr>
-            <a:endParaRPr lang="en-CA" dirty="0"/>
-          </a:p>
-          <a:p>
-            <a:pPr marL="0" lvl="0" indent="0" defTabSz="914400" eaLnBrk="0" fontAlgn="base" hangingPunct="0">
-              <a:spcBef>
-                <a:spcPct val="0"/>
-              </a:spcBef>
-              <a:spcAft>
-                <a:spcPct val="0"/>
-              </a:spcAft>
-              <a:buNone/>
-            </a:pPr>
-            <a:r>
-              <a:rPr lang="en-US" altLang="en-US" dirty="0">
-                <a:solidFill>
-                  <a:srgbClr val="0000FF"/>
-                </a:solidFill>
-                <a:latin typeface="Consolas" panose="020B0609020204030204" pitchFamily="49" charset="0"/>
-                <a:cs typeface="Consolas" panose="020B0609020204030204" pitchFamily="49" charset="0"/>
-              </a:rPr>
-              <a:t>if</a:t>
-            </a:r>
-            <a:r>
-              <a:rPr lang="en-US" altLang="en-US" dirty="0">
-                <a:solidFill>
-                  <a:srgbClr val="000000"/>
-                </a:solidFill>
-                <a:latin typeface="Consolas" panose="020B0609020204030204" pitchFamily="49" charset="0"/>
-                <a:cs typeface="Consolas" panose="020B0609020204030204" pitchFamily="49" charset="0"/>
-              </a:rPr>
-              <a:t> </a:t>
-            </a:r>
-            <a:r>
-              <a:rPr lang="en-US" altLang="en-US" dirty="0">
-                <a:solidFill>
-                  <a:srgbClr val="0000FF"/>
-                </a:solidFill>
-                <a:latin typeface="Consolas" panose="020B0609020204030204" pitchFamily="49" charset="0"/>
-                <a:cs typeface="Consolas" panose="020B0609020204030204" pitchFamily="49" charset="0"/>
-              </a:rPr>
-              <a:t>not</a:t>
-            </a:r>
-            <a:r>
-              <a:rPr lang="en-US" altLang="en-US" dirty="0">
-                <a:solidFill>
-                  <a:srgbClr val="000000"/>
-                </a:solidFill>
-                <a:latin typeface="Consolas" panose="020B0609020204030204" pitchFamily="49" charset="0"/>
-                <a:cs typeface="Consolas" panose="020B0609020204030204" pitchFamily="49" charset="0"/>
-              </a:rPr>
-              <a:t> </a:t>
-            </a:r>
-            <a:r>
-              <a:rPr lang="en-US" altLang="en-US" dirty="0" err="1">
-                <a:solidFill>
-                  <a:srgbClr val="000000"/>
-                </a:solidFill>
-                <a:latin typeface="Consolas" panose="020B0609020204030204" pitchFamily="49" charset="0"/>
-                <a:cs typeface="Consolas" panose="020B0609020204030204" pitchFamily="49" charset="0"/>
-              </a:rPr>
-              <a:t>r.exists</a:t>
-            </a:r>
-            <a:r>
-              <a:rPr lang="en-US" altLang="en-US" dirty="0">
-                <a:solidFill>
-                  <a:srgbClr val="000000"/>
-                </a:solidFill>
-                <a:latin typeface="Consolas" panose="020B0609020204030204" pitchFamily="49" charset="0"/>
-                <a:cs typeface="Consolas" panose="020B0609020204030204" pitchFamily="49" charset="0"/>
-              </a:rPr>
-              <a:t>(</a:t>
-            </a:r>
-            <a:r>
-              <a:rPr lang="en-US" altLang="en-US" dirty="0">
-                <a:solidFill>
-                  <a:srgbClr val="A31515"/>
-                </a:solidFill>
-                <a:latin typeface="Consolas" panose="020B0609020204030204" pitchFamily="49" charset="0"/>
-                <a:cs typeface="Consolas" panose="020B0609020204030204" pitchFamily="49" charset="0"/>
-              </a:rPr>
-              <a:t>'</a:t>
-            </a:r>
-            <a:r>
-              <a:rPr lang="en-US" altLang="en-US" dirty="0" err="1">
-                <a:solidFill>
-                  <a:srgbClr val="A31515"/>
-                </a:solidFill>
-                <a:latin typeface="Consolas" panose="020B0609020204030204" pitchFamily="49" charset="0"/>
-                <a:cs typeface="Consolas" panose="020B0609020204030204" pitchFamily="49" charset="0"/>
-              </a:rPr>
-              <a:t>firstname</a:t>
-            </a:r>
-            <a:r>
-              <a:rPr lang="en-US" altLang="en-US" dirty="0">
-                <a:solidFill>
-                  <a:srgbClr val="A31515"/>
-                </a:solidFill>
-                <a:latin typeface="Consolas" panose="020B0609020204030204" pitchFamily="49" charset="0"/>
-                <a:cs typeface="Consolas" panose="020B0609020204030204" pitchFamily="49" charset="0"/>
-              </a:rPr>
-              <a:t>'</a:t>
-            </a:r>
-            <a:r>
-              <a:rPr lang="en-US" altLang="en-US" dirty="0">
-                <a:solidFill>
-                  <a:srgbClr val="000000"/>
-                </a:solidFill>
-                <a:latin typeface="Consolas" panose="020B0609020204030204" pitchFamily="49" charset="0"/>
-                <a:cs typeface="Consolas" panose="020B0609020204030204" pitchFamily="49" charset="0"/>
-              </a:rPr>
-              <a:t>) :</a:t>
-            </a:r>
-          </a:p>
-          <a:p>
-            <a:pPr marL="0" lvl="0" indent="0" defTabSz="914400" eaLnBrk="0" fontAlgn="base" hangingPunct="0">
-              <a:spcBef>
-                <a:spcPct val="0"/>
-              </a:spcBef>
-              <a:spcAft>
-                <a:spcPct val="0"/>
-              </a:spcAft>
-              <a:buNone/>
-            </a:pPr>
-            <a:r>
-              <a:rPr lang="en-US" altLang="en-US" dirty="0">
-                <a:solidFill>
-                  <a:srgbClr val="000000"/>
-                </a:solidFill>
-                <a:latin typeface="Consolas" panose="020B0609020204030204" pitchFamily="49" charset="0"/>
-                <a:cs typeface="Consolas" panose="020B0609020204030204" pitchFamily="49" charset="0"/>
-              </a:rPr>
-              <a:t>     </a:t>
-            </a:r>
-            <a:r>
-              <a:rPr lang="en-US" altLang="en-US" dirty="0" smtClean="0">
-                <a:solidFill>
-                  <a:srgbClr val="000000"/>
-                </a:solidFill>
-                <a:latin typeface="Consolas" panose="020B0609020204030204" pitchFamily="49" charset="0"/>
-                <a:cs typeface="Consolas" panose="020B0609020204030204" pitchFamily="49" charset="0"/>
-              </a:rPr>
-              <a:t>	</a:t>
-            </a:r>
-            <a:r>
-              <a:rPr lang="en-US" altLang="en-US" dirty="0" err="1">
-                <a:solidFill>
-                  <a:srgbClr val="000000"/>
-                </a:solidFill>
-                <a:latin typeface="Consolas" panose="020B0609020204030204" pitchFamily="49" charset="0"/>
-                <a:cs typeface="Consolas" panose="020B0609020204030204" pitchFamily="49" charset="0"/>
-              </a:rPr>
-              <a:t>r.set</a:t>
-            </a:r>
-            <a:r>
-              <a:rPr lang="en-US" altLang="en-US" dirty="0">
-                <a:solidFill>
-                  <a:srgbClr val="000000"/>
-                </a:solidFill>
-                <a:latin typeface="Consolas" panose="020B0609020204030204" pitchFamily="49" charset="0"/>
-                <a:cs typeface="Consolas" panose="020B0609020204030204" pitchFamily="49" charset="0"/>
-              </a:rPr>
-              <a:t>(</a:t>
-            </a:r>
-            <a:r>
-              <a:rPr lang="en-US" altLang="en-US" dirty="0">
-                <a:solidFill>
-                  <a:srgbClr val="A31515"/>
-                </a:solidFill>
-                <a:latin typeface="Consolas" panose="020B0609020204030204" pitchFamily="49" charset="0"/>
-                <a:cs typeface="Consolas" panose="020B0609020204030204" pitchFamily="49" charset="0"/>
-              </a:rPr>
-              <a:t>'</a:t>
-            </a:r>
-            <a:r>
-              <a:rPr lang="en-US" altLang="en-US" dirty="0" err="1">
-                <a:solidFill>
-                  <a:srgbClr val="A31515"/>
-                </a:solidFill>
-                <a:latin typeface="Consolas" panose="020B0609020204030204" pitchFamily="49" charset="0"/>
-                <a:cs typeface="Consolas" panose="020B0609020204030204" pitchFamily="49" charset="0"/>
-              </a:rPr>
-              <a:t>firstname</a:t>
-            </a:r>
-            <a:r>
-              <a:rPr lang="en-US" altLang="en-US" dirty="0">
-                <a:solidFill>
-                  <a:srgbClr val="A31515"/>
-                </a:solidFill>
-                <a:latin typeface="Consolas" panose="020B0609020204030204" pitchFamily="49" charset="0"/>
-                <a:cs typeface="Consolas" panose="020B0609020204030204" pitchFamily="49" charset="0"/>
-              </a:rPr>
-              <a:t>'</a:t>
-            </a:r>
-            <a:r>
-              <a:rPr lang="en-US" altLang="en-US" dirty="0">
-                <a:solidFill>
-                  <a:srgbClr val="000000"/>
-                </a:solidFill>
-                <a:latin typeface="Consolas" panose="020B0609020204030204" pitchFamily="49" charset="0"/>
-                <a:cs typeface="Consolas" panose="020B0609020204030204" pitchFamily="49" charset="0"/>
-              </a:rPr>
-              <a:t>,</a:t>
-            </a:r>
-            <a:r>
-              <a:rPr lang="en-US" altLang="en-US" dirty="0">
-                <a:solidFill>
-                  <a:srgbClr val="A31515"/>
-                </a:solidFill>
-                <a:latin typeface="Consolas" panose="020B0609020204030204" pitchFamily="49" charset="0"/>
-                <a:cs typeface="Consolas" panose="020B0609020204030204" pitchFamily="49" charset="0"/>
-              </a:rPr>
-              <a:t>'Bill'</a:t>
-            </a:r>
-            <a:r>
-              <a:rPr lang="en-US" altLang="en-US" dirty="0">
-                <a:solidFill>
-                  <a:srgbClr val="000000"/>
-                </a:solidFill>
-                <a:latin typeface="Consolas" panose="020B0609020204030204" pitchFamily="49" charset="0"/>
-                <a:cs typeface="Consolas" panose="020B0609020204030204" pitchFamily="49" charset="0"/>
-              </a:rPr>
-              <a:t>)</a:t>
-            </a:r>
-            <a:endParaRPr lang="en-US" altLang="en-US" sz="3600" dirty="0">
-              <a:latin typeface="Arial" panose="020B0604020202020204" pitchFamily="34" charset="0"/>
-            </a:endParaRPr>
-          </a:p>
-          <a:p>
-            <a:pPr marL="0" indent="0">
-              <a:buNone/>
-            </a:pPr>
-            <a:endParaRPr lang="en-US" dirty="0"/>
-          </a:p>
-        </p:txBody>
-      </p:sp>
-    </p:spTree>
-    <p:extLst>
-      <p:ext uri="{BB962C8B-B14F-4D97-AF65-F5344CB8AC3E}">
-        <p14:creationId xmlns:p14="http://schemas.microsoft.com/office/powerpoint/2010/main" val="3571597651"/>
-      </p:ext>
-    </p:extLst>
-  </p:cSld>
-  <p:clrMapOvr>
-    <a:masterClrMapping/>
-  </p:clrMapOvr>
-  <p:timing>
-    <p:tnLst>
-      <p:par>
-        <p:cTn id="1" dur="indefinite" restart="never" nodeType="tmRoot">
-          <p:childTnLst>
-            <p:seq concurrent="1" nextAc="seek">
-              <p:cTn id="2" dur="indefinite" nodeType="mainSeq">
-                <p:childTnLst>
-                  <p:par>
-                    <p:cTn id="3" fill="hold">
-                      <p:stCondLst>
-                        <p:cond delay="indefinite"/>
-                      </p:stCondLst>
-                      <p:childTnLst>
-                        <p:par>
-                          <p:cTn id="4" fill="hold">
-                            <p:stCondLst>
-                              <p:cond delay="0"/>
-                            </p:stCondLst>
-                            <p:childTnLst>
-                              <p:par>
-                                <p:cTn id="5" presetID="1" presetClass="entr" presetSubtype="0" fill="hold" grpId="0" nodeType="clickEffect">
-                                  <p:stCondLst>
-                                    <p:cond delay="0"/>
-                                  </p:stCondLst>
-                                  <p:childTnLst>
-                                    <p:set>
-                                      <p:cBhvr>
-                                        <p:cTn id="6" dur="1" fill="hold">
-                                          <p:stCondLst>
-                                            <p:cond delay="0"/>
-                                          </p:stCondLst>
-                                        </p:cTn>
-                                        <p:tgtEl>
-                                          <p:spTgt spid="5">
-                                            <p:txEl>
-                                              <p:pRg st="0" end="0"/>
-                                            </p:txEl>
-                                          </p:spTgt>
-                                        </p:tgtEl>
-                                        <p:attrNameLst>
-                                          <p:attrName>style.visibility</p:attrName>
-                                        </p:attrNameLst>
-                                      </p:cBhvr>
-                                      <p:to>
-                                        <p:strVal val="visible"/>
-                                      </p:to>
-                                    </p:set>
-                                  </p:childTnLst>
-                                </p:cTn>
-                              </p:par>
-                            </p:childTnLst>
-                          </p:cTn>
-                        </p:par>
-                      </p:childTnLst>
-                    </p:cTn>
-                  </p:par>
-                  <p:par>
-                    <p:cTn id="7" fill="hold">
-                      <p:stCondLst>
-                        <p:cond delay="indefinite"/>
-                      </p:stCondLst>
-                      <p:childTnLst>
-                        <p:par>
-                          <p:cTn id="8" fill="hold">
-                            <p:stCondLst>
-                              <p:cond delay="0"/>
-                            </p:stCondLst>
-                            <p:childTnLst>
-                              <p:par>
-                                <p:cTn id="9" presetID="1" presetClass="entr" presetSubtype="0" fill="hold" grpId="0" nodeType="clickEffect">
-                                  <p:stCondLst>
-                                    <p:cond delay="0"/>
-                                  </p:stCondLst>
-                                  <p:childTnLst>
-                                    <p:set>
-                                      <p:cBhvr>
-                                        <p:cTn id="10" dur="1" fill="hold">
-                                          <p:stCondLst>
-                                            <p:cond delay="0"/>
-                                          </p:stCondLst>
-                                        </p:cTn>
-                                        <p:tgtEl>
-                                          <p:spTgt spid="5">
-                                            <p:txEl>
-                                              <p:pRg st="2" end="2"/>
-                                            </p:txEl>
-                                          </p:spTgt>
-                                        </p:tgtEl>
-                                        <p:attrNameLst>
-                                          <p:attrName>style.visibility</p:attrName>
-                                        </p:attrNameLst>
-                                      </p:cBhvr>
-                                      <p:to>
-                                        <p:strVal val="visible"/>
-                                      </p:to>
-                                    </p:set>
-                                  </p:childTnLst>
-                                </p:cTn>
-                              </p:par>
-                              <p:par>
-                                <p:cTn id="11" presetID="1" presetClass="entr" presetSubtype="0" fill="hold" grpId="0" nodeType="withEffect">
-                                  <p:stCondLst>
-                                    <p:cond delay="0"/>
-                                  </p:stCondLst>
-                                  <p:childTnLst>
-                                    <p:set>
-                                      <p:cBhvr>
-                                        <p:cTn id="12" dur="1" fill="hold">
-                                          <p:stCondLst>
-                                            <p:cond delay="0"/>
-                                          </p:stCondLst>
-                                        </p:cTn>
-                                        <p:tgtEl>
-                                          <p:spTgt spid="5">
-                                            <p:txEl>
-                                              <p:pRg st="3" end="3"/>
-                                            </p:txEl>
-                                          </p:spTgt>
-                                        </p:tgtEl>
-                                        <p:attrNameLst>
-                                          <p:attrName>style.visibility</p:attrName>
-                                        </p:attrNameLst>
-                                      </p:cBhvr>
-                                      <p:to>
-                                        <p:strVal val="visible"/>
-                                      </p:to>
-                                    </p:set>
-                                  </p:childTnLst>
-                                </p:cTn>
-                              </p:par>
-                            </p:childTnLst>
-                          </p:cTn>
-                        </p:par>
-                      </p:childTnLst>
-                    </p:cTn>
-                  </p:par>
-                </p:childTnLst>
-              </p:cTn>
-              <p:prevCondLst>
-                <p:cond evt="onPrev" delay="0">
-                  <p:tgtEl>
-                    <p:sldTgt/>
-                  </p:tgtEl>
-                </p:cond>
-              </p:prevCondLst>
-              <p:nextCondLst>
-                <p:cond evt="onNext" delay="0">
-                  <p:tgtEl>
-                    <p:sldTgt/>
-                  </p:tgtEl>
-                </p:cond>
-              </p:nextCondLst>
-            </p:seq>
-          </p:childTnLst>
-        </p:cTn>
-      </p:par>
-    </p:tnLst>
-    <p:bldLst>
-      <p:bldP spid="5" grpId="0" uiExpand="1" build="p"/>
-    </p:bldLst>
-  </p:timing>
-</p:sld>
-</file>
-
-<file path=ppt/slides/slide9.xml><?xml version="1.0" encoding="utf-8"?>
-<p:sld xmlns:a="http://schemas.openxmlformats.org/drawingml/2006/main" xmlns:r="http://schemas.openxmlformats.org/officeDocument/2006/relationships" xmlns:p="http://schemas.openxmlformats.org/presentationml/2006/main">
-  <p:cSld>
-    <p:spTree>
-      <p:nvGrpSpPr>
-        <p:cNvPr id="1" name=""/>
-        <p:cNvGrpSpPr/>
-        <p:nvPr/>
-      </p:nvGrpSpPr>
-      <p:grpSpPr>
-        <a:xfrm>
-          <a:off x="0" y="0"/>
-          <a:ext cx="0" cy="0"/>
-          <a:chOff x="0" y="0"/>
-          <a:chExt cx="0" cy="0"/>
-        </a:xfrm>
-      </p:grpSpPr>
-      <p:sp>
-        <p:nvSpPr>
-          <p:cNvPr id="6" name="Title 5"/>
-          <p:cNvSpPr>
-            <a:spLocks noGrp="1"/>
-          </p:cNvSpPr>
-          <p:nvPr>
-            <p:ph type="title"/>
-          </p:nvPr>
-        </p:nvSpPr>
-        <p:spPr/>
-        <p:txBody>
-          <a:bodyPr>
-            <a:normAutofit fontScale="90000"/>
-          </a:bodyPr>
-          <a:lstStyle/>
-          <a:p>
-            <a:r>
-              <a:rPr lang="en-CA" dirty="0" smtClean="0"/>
-              <a:t>If the key already exists, can I append to what is already there instead of overwriting it?</a:t>
-            </a:r>
-            <a:r>
-              <a:rPr lang="en-US" dirty="0"/>
-              <a:t/>
-            </a:r>
-            <a:br>
-              <a:rPr lang="en-US" dirty="0"/>
-            </a:br>
-            <a:endParaRPr lang="en-US" dirty="0"/>
-          </a:p>
-        </p:txBody>
-      </p:sp>
-      <p:sp>
-        <p:nvSpPr>
-          <p:cNvPr id="5" name="Text Placeholder 4"/>
-          <p:cNvSpPr>
-            <a:spLocks noGrp="1"/>
-          </p:cNvSpPr>
-          <p:nvPr>
-            <p:ph sz="quarter" idx="10"/>
-          </p:nvPr>
-        </p:nvSpPr>
-        <p:spPr/>
-        <p:txBody>
-          <a:bodyPr/>
-          <a:lstStyle/>
-          <a:p>
-            <a:pPr marL="0" indent="0">
-              <a:buNone/>
-            </a:pPr>
-            <a:r>
-              <a:rPr lang="en-CA" dirty="0" smtClean="0"/>
-              <a:t>Sure! Just use the append function</a:t>
-            </a:r>
-          </a:p>
-          <a:p>
-            <a:pPr marL="0" indent="0">
-              <a:buNone/>
-            </a:pPr>
-            <a:endParaRPr lang="en-CA" dirty="0" smtClean="0"/>
-          </a:p>
-          <a:p>
-            <a:pPr marL="0" lvl="0" indent="0" defTabSz="914400" eaLnBrk="0" fontAlgn="base" hangingPunct="0">
-              <a:spcBef>
-                <a:spcPct val="0"/>
-              </a:spcBef>
-              <a:spcAft>
-                <a:spcPct val="0"/>
-              </a:spcAft>
-              <a:buNone/>
-            </a:pPr>
-            <a:r>
-              <a:rPr lang="en-US" altLang="en-US" dirty="0">
-                <a:solidFill>
-                  <a:srgbClr val="0000FF"/>
-                </a:solidFill>
-                <a:latin typeface="Consolas" panose="020B0609020204030204" pitchFamily="49" charset="0"/>
-                <a:cs typeface="Consolas" panose="020B0609020204030204" pitchFamily="49" charset="0"/>
-              </a:rPr>
-              <a:t>if</a:t>
-            </a:r>
-            <a:r>
-              <a:rPr lang="en-US" altLang="en-US" dirty="0">
-                <a:solidFill>
-                  <a:srgbClr val="000000"/>
-                </a:solidFill>
-                <a:latin typeface="Consolas" panose="020B0609020204030204" pitchFamily="49" charset="0"/>
-                <a:cs typeface="Consolas" panose="020B0609020204030204" pitchFamily="49" charset="0"/>
-              </a:rPr>
-              <a:t> </a:t>
-            </a:r>
-            <a:r>
-              <a:rPr lang="en-US" altLang="en-US" dirty="0" err="1">
-                <a:solidFill>
-                  <a:srgbClr val="000000"/>
-                </a:solidFill>
-                <a:latin typeface="Consolas" panose="020B0609020204030204" pitchFamily="49" charset="0"/>
-                <a:cs typeface="Consolas" panose="020B0609020204030204" pitchFamily="49" charset="0"/>
-              </a:rPr>
-              <a:t>r.exists</a:t>
-            </a:r>
-            <a:r>
-              <a:rPr lang="en-US" altLang="en-US" dirty="0">
-                <a:solidFill>
-                  <a:srgbClr val="000000"/>
-                </a:solidFill>
-                <a:latin typeface="Consolas" panose="020B0609020204030204" pitchFamily="49" charset="0"/>
-                <a:cs typeface="Consolas" panose="020B0609020204030204" pitchFamily="49" charset="0"/>
-              </a:rPr>
-              <a:t>(</a:t>
-            </a:r>
-            <a:r>
-              <a:rPr lang="en-US" altLang="en-US" dirty="0">
-                <a:solidFill>
-                  <a:srgbClr val="A31515"/>
-                </a:solidFill>
-                <a:latin typeface="Consolas" panose="020B0609020204030204" pitchFamily="49" charset="0"/>
-                <a:cs typeface="Consolas" panose="020B0609020204030204" pitchFamily="49" charset="0"/>
-              </a:rPr>
-              <a:t>'</a:t>
-            </a:r>
-            <a:r>
-              <a:rPr lang="en-US" altLang="en-US" dirty="0" err="1">
-                <a:solidFill>
-                  <a:srgbClr val="A31515"/>
-                </a:solidFill>
-                <a:latin typeface="Consolas" panose="020B0609020204030204" pitchFamily="49" charset="0"/>
-                <a:cs typeface="Consolas" panose="020B0609020204030204" pitchFamily="49" charset="0"/>
-              </a:rPr>
-              <a:t>firstname</a:t>
-            </a:r>
-            <a:r>
-              <a:rPr lang="en-US" altLang="en-US" dirty="0">
-                <a:solidFill>
-                  <a:srgbClr val="A31515"/>
-                </a:solidFill>
-                <a:latin typeface="Consolas" panose="020B0609020204030204" pitchFamily="49" charset="0"/>
-                <a:cs typeface="Consolas" panose="020B0609020204030204" pitchFamily="49" charset="0"/>
-              </a:rPr>
-              <a:t>'</a:t>
-            </a:r>
-            <a:r>
-              <a:rPr lang="en-US" altLang="en-US" dirty="0">
-                <a:solidFill>
-                  <a:srgbClr val="000000"/>
-                </a:solidFill>
-                <a:latin typeface="Consolas" panose="020B0609020204030204" pitchFamily="49" charset="0"/>
-                <a:cs typeface="Consolas" panose="020B0609020204030204" pitchFamily="49" charset="0"/>
-              </a:rPr>
-              <a:t>) :</a:t>
-            </a:r>
-          </a:p>
-          <a:p>
-            <a:pPr marL="0" lvl="0" indent="0" defTabSz="914400" eaLnBrk="0" fontAlgn="base" hangingPunct="0">
-              <a:spcBef>
-                <a:spcPct val="0"/>
-              </a:spcBef>
-              <a:spcAft>
-                <a:spcPct val="0"/>
-              </a:spcAft>
-              <a:buNone/>
-            </a:pPr>
-            <a:r>
-              <a:rPr lang="en-US" altLang="en-US" dirty="0">
-                <a:solidFill>
-                  <a:srgbClr val="000000"/>
-                </a:solidFill>
-                <a:latin typeface="Consolas" panose="020B0609020204030204" pitchFamily="49" charset="0"/>
-                <a:cs typeface="Consolas" panose="020B0609020204030204" pitchFamily="49" charset="0"/>
-              </a:rPr>
-              <a:t>        </a:t>
-            </a:r>
-            <a:r>
-              <a:rPr lang="en-US" altLang="en-US" dirty="0" err="1" smtClean="0">
-                <a:solidFill>
-                  <a:srgbClr val="000000"/>
-                </a:solidFill>
-                <a:latin typeface="Consolas" panose="020B0609020204030204" pitchFamily="49" charset="0"/>
-                <a:cs typeface="Consolas" panose="020B0609020204030204" pitchFamily="49" charset="0"/>
-              </a:rPr>
-              <a:t>r.append</a:t>
-            </a:r>
-            <a:r>
-              <a:rPr lang="en-US" altLang="en-US" dirty="0">
-                <a:solidFill>
-                  <a:srgbClr val="000000"/>
-                </a:solidFill>
-                <a:latin typeface="Consolas" panose="020B0609020204030204" pitchFamily="49" charset="0"/>
-                <a:cs typeface="Consolas" panose="020B0609020204030204" pitchFamily="49" charset="0"/>
-              </a:rPr>
-              <a:t>(</a:t>
-            </a:r>
-            <a:r>
-              <a:rPr lang="en-US" altLang="en-US" dirty="0">
-                <a:solidFill>
-                  <a:srgbClr val="A31515"/>
-                </a:solidFill>
-                <a:latin typeface="Consolas" panose="020B0609020204030204" pitchFamily="49" charset="0"/>
-                <a:cs typeface="Consolas" panose="020B0609020204030204" pitchFamily="49" charset="0"/>
-              </a:rPr>
-              <a:t>'</a:t>
-            </a:r>
-            <a:r>
-              <a:rPr lang="en-US" altLang="en-US" dirty="0" err="1">
-                <a:solidFill>
-                  <a:srgbClr val="A31515"/>
-                </a:solidFill>
-                <a:latin typeface="Consolas" panose="020B0609020204030204" pitchFamily="49" charset="0"/>
-                <a:cs typeface="Consolas" panose="020B0609020204030204" pitchFamily="49" charset="0"/>
-              </a:rPr>
-              <a:t>firstname</a:t>
-            </a:r>
-            <a:r>
-              <a:rPr lang="en-US" altLang="en-US" dirty="0">
-                <a:solidFill>
-                  <a:srgbClr val="A31515"/>
-                </a:solidFill>
-                <a:latin typeface="Consolas" panose="020B0609020204030204" pitchFamily="49" charset="0"/>
-                <a:cs typeface="Consolas" panose="020B0609020204030204" pitchFamily="49" charset="0"/>
-              </a:rPr>
-              <a:t>'</a:t>
-            </a:r>
-            <a:r>
-              <a:rPr lang="en-US" altLang="en-US" dirty="0">
-                <a:solidFill>
-                  <a:srgbClr val="000000"/>
-                </a:solidFill>
-                <a:latin typeface="Consolas" panose="020B0609020204030204" pitchFamily="49" charset="0"/>
-                <a:cs typeface="Consolas" panose="020B0609020204030204" pitchFamily="49" charset="0"/>
-              </a:rPr>
-              <a:t>,</a:t>
-            </a:r>
-            <a:r>
-              <a:rPr lang="en-US" altLang="en-US" dirty="0">
-                <a:solidFill>
-                  <a:srgbClr val="A31515"/>
-                </a:solidFill>
-                <a:latin typeface="Consolas" panose="020B0609020204030204" pitchFamily="49" charset="0"/>
-                <a:cs typeface="Consolas" panose="020B0609020204030204" pitchFamily="49" charset="0"/>
-              </a:rPr>
-              <a:t>'Gates'</a:t>
-            </a:r>
-            <a:r>
-              <a:rPr lang="en-US" altLang="en-US" dirty="0">
-                <a:solidFill>
-                  <a:srgbClr val="000000"/>
-                </a:solidFill>
-                <a:latin typeface="Consolas" panose="020B0609020204030204" pitchFamily="49" charset="0"/>
-                <a:cs typeface="Consolas" panose="020B0609020204030204" pitchFamily="49" charset="0"/>
-              </a:rPr>
-              <a:t>)</a:t>
-            </a:r>
-          </a:p>
-          <a:p>
-            <a:pPr marL="0" lvl="0" indent="0" defTabSz="914400" eaLnBrk="0" fontAlgn="base" hangingPunct="0">
-              <a:spcBef>
-                <a:spcPct val="0"/>
-              </a:spcBef>
-              <a:spcAft>
-                <a:spcPct val="0"/>
-              </a:spcAft>
-              <a:buNone/>
-            </a:pPr>
-            <a:r>
-              <a:rPr lang="en-US" altLang="en-US" dirty="0" smtClean="0">
-                <a:solidFill>
-                  <a:srgbClr val="0000FF"/>
-                </a:solidFill>
-                <a:latin typeface="Consolas" panose="020B0609020204030204" pitchFamily="49" charset="0"/>
-                <a:cs typeface="Consolas" panose="020B0609020204030204" pitchFamily="49" charset="0"/>
-              </a:rPr>
-              <a:t>else</a:t>
-            </a:r>
-            <a:r>
-              <a:rPr lang="en-US" altLang="en-US" dirty="0">
-                <a:solidFill>
-                  <a:srgbClr val="000000"/>
-                </a:solidFill>
-                <a:latin typeface="Consolas" panose="020B0609020204030204" pitchFamily="49" charset="0"/>
-                <a:cs typeface="Consolas" panose="020B0609020204030204" pitchFamily="49" charset="0"/>
-              </a:rPr>
-              <a:t>:</a:t>
-            </a:r>
-          </a:p>
-          <a:p>
-            <a:pPr marL="0" lvl="0" indent="0" defTabSz="914400" eaLnBrk="0" fontAlgn="base" hangingPunct="0">
-              <a:spcBef>
-                <a:spcPct val="0"/>
-              </a:spcBef>
-              <a:spcAft>
-                <a:spcPct val="0"/>
-              </a:spcAft>
-              <a:buNone/>
-            </a:pPr>
-            <a:r>
-              <a:rPr lang="en-US" altLang="en-US" dirty="0">
-                <a:solidFill>
-                  <a:srgbClr val="000000"/>
-                </a:solidFill>
-                <a:latin typeface="Consolas" panose="020B0609020204030204" pitchFamily="49" charset="0"/>
-                <a:cs typeface="Consolas" panose="020B0609020204030204" pitchFamily="49" charset="0"/>
-              </a:rPr>
-              <a:t>        </a:t>
-            </a:r>
-            <a:r>
-              <a:rPr lang="en-US" altLang="en-US" dirty="0" err="1" smtClean="0">
-                <a:solidFill>
-                  <a:srgbClr val="000000"/>
-                </a:solidFill>
-                <a:latin typeface="Consolas" panose="020B0609020204030204" pitchFamily="49" charset="0"/>
-                <a:cs typeface="Consolas" panose="020B0609020204030204" pitchFamily="49" charset="0"/>
-              </a:rPr>
-              <a:t>r.set</a:t>
-            </a:r>
-            <a:r>
-              <a:rPr lang="en-US" altLang="en-US" dirty="0">
-                <a:solidFill>
-                  <a:srgbClr val="000000"/>
-                </a:solidFill>
-                <a:latin typeface="Consolas" panose="020B0609020204030204" pitchFamily="49" charset="0"/>
-                <a:cs typeface="Consolas" panose="020B0609020204030204" pitchFamily="49" charset="0"/>
-              </a:rPr>
-              <a:t>(</a:t>
-            </a:r>
-            <a:r>
-              <a:rPr lang="en-US" altLang="en-US" dirty="0">
-                <a:solidFill>
-                  <a:srgbClr val="A31515"/>
-                </a:solidFill>
-                <a:latin typeface="Consolas" panose="020B0609020204030204" pitchFamily="49" charset="0"/>
-                <a:cs typeface="Consolas" panose="020B0609020204030204" pitchFamily="49" charset="0"/>
-              </a:rPr>
-              <a:t>'</a:t>
-            </a:r>
-            <a:r>
-              <a:rPr lang="en-US" altLang="en-US" dirty="0" err="1">
-                <a:solidFill>
-                  <a:srgbClr val="A31515"/>
-                </a:solidFill>
-                <a:latin typeface="Consolas" panose="020B0609020204030204" pitchFamily="49" charset="0"/>
-                <a:cs typeface="Consolas" panose="020B0609020204030204" pitchFamily="49" charset="0"/>
-              </a:rPr>
-              <a:t>firstname</a:t>
-            </a:r>
-            <a:r>
-              <a:rPr lang="en-US" altLang="en-US" dirty="0">
-                <a:solidFill>
-                  <a:srgbClr val="A31515"/>
-                </a:solidFill>
-                <a:latin typeface="Consolas" panose="020B0609020204030204" pitchFamily="49" charset="0"/>
-                <a:cs typeface="Consolas" panose="020B0609020204030204" pitchFamily="49" charset="0"/>
-              </a:rPr>
-              <a:t>'</a:t>
-            </a:r>
-            <a:r>
-              <a:rPr lang="en-US" altLang="en-US" dirty="0">
-                <a:solidFill>
-                  <a:srgbClr val="000000"/>
-                </a:solidFill>
-                <a:latin typeface="Consolas" panose="020B0609020204030204" pitchFamily="49" charset="0"/>
-                <a:cs typeface="Consolas" panose="020B0609020204030204" pitchFamily="49" charset="0"/>
-              </a:rPr>
-              <a:t>,</a:t>
-            </a:r>
-            <a:r>
-              <a:rPr lang="en-US" altLang="en-US" dirty="0">
-                <a:solidFill>
-                  <a:srgbClr val="A31515"/>
-                </a:solidFill>
-                <a:latin typeface="Consolas" panose="020B0609020204030204" pitchFamily="49" charset="0"/>
-                <a:cs typeface="Consolas" panose="020B0609020204030204" pitchFamily="49" charset="0"/>
-              </a:rPr>
-              <a:t>'Bill'</a:t>
-            </a:r>
-            <a:r>
-              <a:rPr lang="en-US" altLang="en-US" dirty="0">
-                <a:solidFill>
-                  <a:srgbClr val="000000"/>
-                </a:solidFill>
-                <a:latin typeface="Consolas" panose="020B0609020204030204" pitchFamily="49" charset="0"/>
-                <a:cs typeface="Consolas" panose="020B0609020204030204" pitchFamily="49" charset="0"/>
-              </a:rPr>
-              <a:t>)</a:t>
-            </a:r>
-            <a:endParaRPr lang="en-US" altLang="en-US" sz="3600" dirty="0">
-              <a:latin typeface="Arial" panose="020B0604020202020204" pitchFamily="34" charset="0"/>
-            </a:endParaRPr>
-          </a:p>
-          <a:p>
-            <a:pPr marL="0" indent="0">
-              <a:buNone/>
-            </a:pPr>
-            <a:endParaRPr lang="en-CA" dirty="0" smtClean="0"/>
-          </a:p>
-        </p:txBody>
-      </p:sp>
-      <p:sp>
-        <p:nvSpPr>
-          <p:cNvPr id="2" name="Rectangle 1"/>
-          <p:cNvSpPr>
-            <a:spLocks noChangeArrowheads="1"/>
-          </p:cNvSpPr>
-          <p:nvPr/>
-        </p:nvSpPr>
-        <p:spPr bwMode="auto">
-          <a:xfrm>
-            <a:off x="0" y="43934"/>
-            <a:ext cx="184731" cy="369332"/>
-          </a:xfrm>
-          <a:prstGeom prst="rect">
-            <a:avLst/>
-          </a:prstGeom>
-          <a:solidFill>
-            <a:srgbClr val="FFFFFF"/>
-          </a:solidFill>
-          <a:ln>
-            <a:noFill/>
-          </a:ln>
-          <a:effectLst/>
-          <a:extLst>
-            <a:ext uri="{91240B29-F687-4F45-9708-019B960494DF}">
-              <a14:hiddenLine xmlns:a14="http://schemas.microsoft.com/office/drawing/2010/main" w="9525">
-                <a:solidFill>
-                  <a:schemeClr val="tx1"/>
-                </a:solidFill>
-                <a:miter lim="800000"/>
-                <a:headEnd/>
-                <a:tailEnd/>
-              </a14:hiddenLine>
-            </a:ext>
-            <a:ext uri="{AF507438-7753-43E0-B8FC-AC1667EBCBE1}">
-              <a14:hiddenEffects xmlns:a14="http://schemas.microsoft.com/office/drawing/2010/main">
-                <a:effectLst>
-                  <a:outerShdw dist="35921" dir="2700000" algn="ctr" rotWithShape="0">
-                    <a:schemeClr val="bg2"/>
-                  </a:outerShdw>
-                </a:effectLst>
-              </a14:hiddenEffects>
-            </a:ext>
-          </a:extLst>
-        </p:spPr>
-        <p:txBody>
-          <a:bodyPr vert="horz" wrap="none" lIns="91440" tIns="45720" rIns="91440" bIns="45720" numCol="1" anchor="ctr" anchorCtr="0" compatLnSpc="1">
-            <a:prstTxWarp prst="textNoShape">
-              <a:avLst/>
-            </a:prstTxWarp>
-            <a:spAutoFit/>
-          </a:bodyPr>
-          <a:lstStyle/>
-          <a:p>
-            <a:pPr marL="0" marR="0" lvl="0" indent="0" algn="l" defTabSz="914400" rtl="0" eaLnBrk="0" fontAlgn="base" latinLnBrk="0" hangingPunct="0">
-              <a:lnSpc>
-                <a:spcPct val="100000"/>
-              </a:lnSpc>
-              <a:spcBef>
-                <a:spcPct val="0"/>
-              </a:spcBef>
-              <a:spcAft>
-                <a:spcPct val="0"/>
-              </a:spcAft>
-              <a:buClrTx/>
-              <a:buSzTx/>
-              <a:buFontTx/>
-              <a:buNone/>
-              <a:tabLst/>
-            </a:pPr>
-            <a:endParaRPr kumimoji="0" lang="en-US" altLang="en-US" sz="1800" b="0" i="0" u="none" strike="noStrike" cap="none" normalizeH="0" baseline="0" dirty="0" smtClean="0">
-              <a:ln>
-                <a:noFill/>
-              </a:ln>
-              <a:solidFill>
-                <a:schemeClr val="tx1"/>
-              </a:solidFill>
-              <a:effectLst/>
-              <a:latin typeface="Arial" panose="020B0604020202020204" pitchFamily="34" charset="0"/>
-            </a:endParaRPr>
-          </a:p>
-        </p:txBody>
-      </p:sp>
-    </p:spTree>
-    <p:extLst>
-      <p:ext uri="{BB962C8B-B14F-4D97-AF65-F5344CB8AC3E}">
-        <p14:creationId xmlns:p14="http://schemas.microsoft.com/office/powerpoint/2010/main" val="637449131"/>
-      </p:ext>
-    </p:extLst>
-  </p:cSld>
-  <p:clrMapOvr>
-    <a:masterClrMapping/>
-  </p:clrMapOvr>
-  <p:timing>
-    <p:tnLst>
-      <p:par>
-        <p:cTn id="1" dur="indefinite" restart="never" nodeType="tmRoot">
-          <p:childTnLst>
-            <p:seq concurrent="1" nextAc="seek">
-              <p:cTn id="2" dur="indefinite" nodeType="mainSeq">
-                <p:childTnLst>
-                  <p:par>
-                    <p:cTn id="3" fill="hold">
-                      <p:stCondLst>
-                        <p:cond delay="indefinite"/>
-                      </p:stCondLst>
-                      <p:childTnLst>
-                        <p:par>
-                          <p:cTn id="4" fill="hold">
-                            <p:stCondLst>
-                              <p:cond delay="0"/>
-                            </p:stCondLst>
-                            <p:childTnLst>
-                              <p:par>
-                                <p:cTn id="5" presetID="1" presetClass="entr" presetSubtype="0" fill="hold" nodeType="clickEffect">
-                                  <p:stCondLst>
-                                    <p:cond delay="0"/>
-                                  </p:stCondLst>
-                                  <p:childTnLst>
-                                    <p:set>
-                                      <p:cBhvr>
-                                        <p:cTn id="6" dur="1" fill="hold">
-                                          <p:stCondLst>
-                                            <p:cond delay="0"/>
-                                          </p:stCondLst>
-                                        </p:cTn>
-                                        <p:tgtEl>
-                                          <p:spTgt spid="5">
-                                            <p:txEl>
-                                              <p:pRg st="0" end="0"/>
-                                            </p:txEl>
-                                          </p:spTgt>
-                                        </p:tgtEl>
-                                        <p:attrNameLst>
-                                          <p:attrName>style.visibility</p:attrName>
-                                        </p:attrNameLst>
-                                      </p:cBhvr>
-                                      <p:to>
-                                        <p:strVal val="visible"/>
-                                      </p:to>
-                                    </p:set>
-                                  </p:childTnLst>
-                                </p:cTn>
-                              </p:par>
-                              <p:par>
-                                <p:cTn id="7" presetID="1" presetClass="entr" presetSubtype="0" fill="hold" nodeType="withEffect">
-                                  <p:stCondLst>
-                                    <p:cond delay="0"/>
-                                  </p:stCondLst>
-                                  <p:childTnLst>
-                                    <p:set>
-                                      <p:cBhvr>
-                                        <p:cTn id="8" dur="1" fill="hold">
-                                          <p:stCondLst>
-                                            <p:cond delay="0"/>
-                                          </p:stCondLst>
-                                        </p:cTn>
-                                        <p:tgtEl>
-                                          <p:spTgt spid="5">
-                                            <p:txEl>
-                                              <p:pRg st="2" end="2"/>
-                                            </p:txEl>
-                                          </p:spTgt>
-                                        </p:tgtEl>
-                                        <p:attrNameLst>
-                                          <p:attrName>style.visibility</p:attrName>
-                                        </p:attrNameLst>
-                                      </p:cBhvr>
-                                      <p:to>
-                                        <p:strVal val="visible"/>
-                                      </p:to>
-                                    </p:set>
-                                  </p:childTnLst>
-                                </p:cTn>
-                              </p:par>
-                              <p:par>
-                                <p:cTn id="9" presetID="1" presetClass="entr" presetSubtype="0" fill="hold" nodeType="withEffect">
-                                  <p:stCondLst>
-                                    <p:cond delay="0"/>
-                                  </p:stCondLst>
-                                  <p:childTnLst>
-                                    <p:set>
-                                      <p:cBhvr>
-                                        <p:cTn id="10" dur="1" fill="hold">
-                                          <p:stCondLst>
-                                            <p:cond delay="0"/>
-                                          </p:stCondLst>
-                                        </p:cTn>
-                                        <p:tgtEl>
-                                          <p:spTgt spid="5">
-                                            <p:txEl>
-                                              <p:pRg st="3" end="3"/>
-                                            </p:txEl>
-                                          </p:spTgt>
-                                        </p:tgtEl>
-                                        <p:attrNameLst>
-                                          <p:attrName>style.visibility</p:attrName>
-                                        </p:attrNameLst>
-                                      </p:cBhvr>
-                                      <p:to>
-                                        <p:strVal val="visible"/>
-                                      </p:to>
-                                    </p:set>
-                                  </p:childTnLst>
-                                </p:cTn>
-                              </p:par>
-                              <p:par>
-                                <p:cTn id="11" presetID="1" presetClass="entr" presetSubtype="0" fill="hold" nodeType="withEffect">
-                                  <p:stCondLst>
-                                    <p:cond delay="0"/>
-                                  </p:stCondLst>
-                                  <p:childTnLst>
-                                    <p:set>
-                                      <p:cBhvr>
-                                        <p:cTn id="12" dur="1" fill="hold">
-                                          <p:stCondLst>
-                                            <p:cond delay="0"/>
-                                          </p:stCondLst>
-                                        </p:cTn>
-                                        <p:tgtEl>
-                                          <p:spTgt spid="5">
-                                            <p:txEl>
-                                              <p:pRg st="4" end="4"/>
-                                            </p:txEl>
-                                          </p:spTgt>
-                                        </p:tgtEl>
-                                        <p:attrNameLst>
-                                          <p:attrName>style.visibility</p:attrName>
-                                        </p:attrNameLst>
-                                      </p:cBhvr>
-                                      <p:to>
-                                        <p:strVal val="visible"/>
-                                      </p:to>
-                                    </p:set>
-                                  </p:childTnLst>
-                                </p:cTn>
-                              </p:par>
-                              <p:par>
-                                <p:cTn id="13" presetID="1" presetClass="entr" presetSubtype="0" fill="hold" nodeType="withEffect">
-                                  <p:stCondLst>
-                                    <p:cond delay="0"/>
-                                  </p:stCondLst>
-                                  <p:childTnLst>
-                                    <p:set>
-                                      <p:cBhvr>
-                                        <p:cTn id="14" dur="1" fill="hold">
-                                          <p:stCondLst>
-                                            <p:cond delay="0"/>
-                                          </p:stCondLst>
-                                        </p:cTn>
-                                        <p:tgtEl>
-                                          <p:spTgt spid="5">
-                                            <p:txEl>
-                                              <p:pRg st="5" end="5"/>
-                                            </p:txEl>
-                                          </p:spTgt>
-                                        </p:tgtEl>
-                                        <p:attrNameLst>
-                                          <p:attrName>style.visibility</p:attrName>
-                                        </p:attrNameLst>
-                                      </p:cBhvr>
-                                      <p:to>
-                                        <p:strVal val="visible"/>
-                                      </p:to>
-                                    </p:set>
-                                  </p:childTnLst>
-                                </p:cTn>
-                              </p:par>
-                            </p:childTnLst>
-                          </p:cTn>
-                        </p:par>
-                      </p:childTnLst>
-                    </p:cTn>
-                  </p:par>
-                </p:childTnLst>
-              </p:cTn>
-              <p:prevCondLst>
-                <p:cond evt="onPrev" delay="0">
-                  <p:tgtEl>
-                    <p:sldTgt/>
-                  </p:tgtEl>
-                </p:cond>
-              </p:prevCondLst>
-              <p:nextCondLst>
-                <p:cond evt="onNext" delay="0">
-                  <p:tgtEl>
-                    <p:sldTgt/>
-                  </p:tgtEl>
-                </p:cond>
-              </p:nextCondLst>
-            </p:seq>
-          </p:childTnLst>
-        </p:cTn>
-      </p:par>
-    </p:tnLst>
   </p:timing>
 </p:sld>
 </file>
@@ -11363,19 +11492,6 @@
 </file>
 
 <file path=customXml/item1.xml><?xml version="1.0" encoding="utf-8"?>
-<p:properties xmlns:p="http://schemas.microsoft.com/office/2006/metadata/properties" xmlns:xsi="http://www.w3.org/2001/XMLSchema-instance" xmlns:pc="http://schemas.microsoft.com/office/infopath/2007/PartnerControls">
-  <documentManagement>
-    <TaxCatchAll xmlns="230e9df3-be65-4c73-a93b-d1236ebd677e"/>
-    <PublishingExpirationDate xmlns="http://schemas.microsoft.com/sharepoint/v3" xsi:nil="true"/>
-    <PublishingStartDate xmlns="http://schemas.microsoft.com/sharepoint/v3" xsi:nil="true"/>
-    <TaxKeywordTaxHTField xmlns="230e9df3-be65-4c73-a93b-d1236ebd677e">
-      <Terms xmlns="http://schemas.microsoft.com/office/infopath/2007/PartnerControls"/>
-    </TaxKeywordTaxHTField>
-  </documentManagement>
-</p:properties>
-</file>
-
-<file path=customXml/item2.xml><?xml version="1.0" encoding="utf-8"?>
 <ct:contentTypeSchema xmlns:ct="http://schemas.microsoft.com/office/2006/metadata/contentType" xmlns:ma="http://schemas.microsoft.com/office/2006/metadata/properties/metaAttributes" ct:_="" ma:_="" ma:contentTypeName="Document" ma:contentTypeID="0x010100496889825850D44592AC5D2F43187AE4" ma:contentTypeVersion="5" ma:contentTypeDescription="Create a new document." ma:contentTypeScope="" ma:versionID="fde90edb5a63ba841bca516fd2abaf95">
   <xsd:schema xmlns:xsd="http://www.w3.org/2001/XMLSchema" xmlns:xs="http://www.w3.org/2001/XMLSchema" xmlns:p="http://schemas.microsoft.com/office/2006/metadata/properties" xmlns:ns1="http://schemas.microsoft.com/sharepoint/v3" xmlns:ns2="230e9df3-be65-4c73-a93b-d1236ebd677e" xmlns:ns3="27aa9422-7f1f-4c84-9cdf-302b1a67e513" targetNamespace="http://schemas.microsoft.com/office/2006/metadata/properties" ma:root="true" ma:fieldsID="5e7808ae941cc340dbe51a3031959734" ns1:_="" ns2:_="" ns3:_="">
     <xsd:import namespace="http://schemas.microsoft.com/sharepoint/v3"/>
@@ -11557,6 +11673,19 @@
 </ct:contentTypeSchema>
 </file>
 
+<file path=customXml/item2.xml><?xml version="1.0" encoding="utf-8"?>
+<p:properties xmlns:p="http://schemas.microsoft.com/office/2006/metadata/properties" xmlns:xsi="http://www.w3.org/2001/XMLSchema-instance" xmlns:pc="http://schemas.microsoft.com/office/infopath/2007/PartnerControls">
+  <documentManagement>
+    <TaxCatchAll xmlns="230e9df3-be65-4c73-a93b-d1236ebd677e"/>
+    <PublishingExpirationDate xmlns="http://schemas.microsoft.com/sharepoint/v3" xsi:nil="true"/>
+    <PublishingStartDate xmlns="http://schemas.microsoft.com/sharepoint/v3" xsi:nil="true"/>
+    <TaxKeywordTaxHTField xmlns="230e9df3-be65-4c73-a93b-d1236ebd677e">
+      <Terms xmlns="http://schemas.microsoft.com/office/infopath/2007/PartnerControls"/>
+    </TaxKeywordTaxHTField>
+  </documentManagement>
+</p:properties>
+</file>
+
 <file path=customXml/item3.xml><?xml version="1.0" encoding="utf-8"?>
 <?mso-contentType ?>
 <FormTemplates xmlns="http://schemas.microsoft.com/sharepoint/v3/contenttype/forms">
@@ -11567,24 +11696,6 @@
 </file>
 
 <file path=customXml/itemProps1.xml><?xml version="1.0" encoding="utf-8"?>
-<ds:datastoreItem xmlns:ds="http://schemas.openxmlformats.org/officeDocument/2006/customXml" ds:itemID="{7025FDD9-4C58-4084-9F89-0E6ADD6FFF55}">
-  <ds:schemaRefs>
-    <ds:schemaRef ds:uri="http://purl.org/dc/elements/1.1/"/>
-    <ds:schemaRef ds:uri="http://schemas.microsoft.com/office/2006/metadata/properties"/>
-    <ds:schemaRef ds:uri="http://schemas.microsoft.com/sharepoint/v3"/>
-    <ds:schemaRef ds:uri="http://purl.org/dc/terms/"/>
-    <ds:schemaRef ds:uri="230e9df3-be65-4c73-a93b-d1236ebd677e"/>
-    <ds:schemaRef ds:uri="http://schemas.microsoft.com/office/2006/documentManagement/types"/>
-    <ds:schemaRef ds:uri="http://schemas.openxmlformats.org/package/2006/metadata/core-properties"/>
-    <ds:schemaRef ds:uri="http://schemas.microsoft.com/office/infopath/2007/PartnerControls"/>
-    <ds:schemaRef ds:uri="27aa9422-7f1f-4c84-9cdf-302b1a67e513"/>
-    <ds:schemaRef ds:uri="http://www.w3.org/XML/1998/namespace"/>
-    <ds:schemaRef ds:uri="http://purl.org/dc/dcmitype/"/>
-  </ds:schemaRefs>
-</ds:datastoreItem>
-</file>
-
-<file path=customXml/itemProps2.xml><?xml version="1.0" encoding="utf-8"?>
 <ds:datastoreItem xmlns:ds="http://schemas.openxmlformats.org/officeDocument/2006/customXml" ds:itemID="{3253B29C-1CCD-4FE8-A1C4-023A0910DF96}">
   <ds:schemaRefs>
     <ds:schemaRef ds:uri="http://schemas.microsoft.com/office/2006/metadata/contentType"/>
@@ -11604,6 +11715,24 @@
 </ds:datastoreItem>
 </file>
 
+<file path=customXml/itemProps2.xml><?xml version="1.0" encoding="utf-8"?>
+<ds:datastoreItem xmlns:ds="http://schemas.openxmlformats.org/officeDocument/2006/customXml" ds:itemID="{7025FDD9-4C58-4084-9F89-0E6ADD6FFF55}">
+  <ds:schemaRefs>
+    <ds:schemaRef ds:uri="http://purl.org/dc/elements/1.1/"/>
+    <ds:schemaRef ds:uri="http://schemas.microsoft.com/office/2006/metadata/properties"/>
+    <ds:schemaRef ds:uri="http://schemas.microsoft.com/sharepoint/v3"/>
+    <ds:schemaRef ds:uri="http://purl.org/dc/terms/"/>
+    <ds:schemaRef ds:uri="230e9df3-be65-4c73-a93b-d1236ebd677e"/>
+    <ds:schemaRef ds:uri="http://schemas.microsoft.com/office/2006/documentManagement/types"/>
+    <ds:schemaRef ds:uri="http://schemas.openxmlformats.org/package/2006/metadata/core-properties"/>
+    <ds:schemaRef ds:uri="http://schemas.microsoft.com/office/infopath/2007/PartnerControls"/>
+    <ds:schemaRef ds:uri="27aa9422-7f1f-4c84-9cdf-302b1a67e513"/>
+    <ds:schemaRef ds:uri="http://www.w3.org/XML/1998/namespace"/>
+    <ds:schemaRef ds:uri="http://purl.org/dc/dcmitype/"/>
+  </ds:schemaRefs>
+</ds:datastoreItem>
+</file>
+
 <file path=customXml/itemProps3.xml><?xml version="1.0" encoding="utf-8"?>
 <ds:datastoreItem xmlns:ds="http://schemas.openxmlformats.org/officeDocument/2006/customXml" ds:itemID="{B0CA13EC-1D3C-4D6F-8D1C-E8A452CFC79A}">
   <ds:schemaRefs>
